--- a/Lectures/Lecture 7 - Molecular Epidemiology.pptx
+++ b/Lectures/Lecture 7 - Molecular Epidemiology.pptx
@@ -5,7 +5,7 @@
     <p:sldMasterId id="2147483649" r:id="rId1"/>
   </p:sldMasterIdLst>
   <p:notesMasterIdLst>
-    <p:notesMasterId r:id="rId43"/>
+    <p:notesMasterId r:id="rId42"/>
   </p:notesMasterIdLst>
   <p:sldIdLst>
     <p:sldId id="662" r:id="rId2"/>
@@ -48,7 +48,6 @@
     <p:sldId id="751" r:id="rId39"/>
     <p:sldId id="752" r:id="rId40"/>
     <p:sldId id="716" r:id="rId41"/>
-    <p:sldId id="753" r:id="rId42"/>
   </p:sldIdLst>
   <p:sldSz cx="9144000" cy="6858000" type="screen4x3"/>
   <p:notesSz cx="6858000" cy="9144000"/>
@@ -3738,99 +3737,6 @@
         </p:txBody>
       </p:sp>
     </p:spTree>
-  </p:cSld>
-  <p:clrMapOvr>
-    <a:masterClrMapping/>
-  </p:clrMapOvr>
-</p:notes>
-</file>
-
-<file path=ppt/notesSlides/notesSlide41.xml><?xml version="1.0" encoding="utf-8"?>
-<p:notes xmlns:a="http://schemas.openxmlformats.org/drawingml/2006/main" xmlns:r="http://schemas.openxmlformats.org/officeDocument/2006/relationships" xmlns:p="http://schemas.openxmlformats.org/presentationml/2006/main">
-  <p:cSld>
-    <p:spTree>
-      <p:nvGrpSpPr>
-        <p:cNvPr id="1" name=""/>
-        <p:cNvGrpSpPr/>
-        <p:nvPr/>
-      </p:nvGrpSpPr>
-      <p:grpSpPr>
-        <a:xfrm>
-          <a:off x="0" y="0"/>
-          <a:ext cx="0" cy="0"/>
-          <a:chOff x="0" y="0"/>
-          <a:chExt cx="0" cy="0"/>
-        </a:xfrm>
-      </p:grpSpPr>
-      <p:sp>
-        <p:nvSpPr>
-          <p:cNvPr id="15362" name="Rectangle 7"/>
-          <p:cNvSpPr>
-            <a:spLocks noGrp="1" noChangeArrowheads="1"/>
-          </p:cNvSpPr>
-          <p:nvPr>
-            <p:ph type="sldNum" sz="quarter" idx="5"/>
-          </p:nvPr>
-        </p:nvSpPr>
-        <p:spPr>
-          <a:noFill/>
-        </p:spPr>
-        <p:txBody>
-          <a:bodyPr/>
-          <a:lstStyle/>
-          <a:p>
-            <a:fld id="{C3095A83-93CF-9340-9B73-54644CC0C2D9}" type="slidenum">
-              <a:rPr lang="en-US"/>
-              <a:pPr/>
-              <a:t>41</a:t>
-            </a:fld>
-            <a:endParaRPr lang="en-US"/>
-          </a:p>
-        </p:txBody>
-      </p:sp>
-      <p:sp>
-        <p:nvSpPr>
-          <p:cNvPr id="15363" name="Rectangle 2"/>
-          <p:cNvSpPr>
-            <a:spLocks noGrp="1" noRot="1" noChangeAspect="1" noChangeArrowheads="1" noTextEdit="1"/>
-          </p:cNvSpPr>
-          <p:nvPr>
-            <p:ph type="sldImg"/>
-          </p:nvPr>
-        </p:nvSpPr>
-        <p:spPr>
-          <a:ln/>
-        </p:spPr>
-      </p:sp>
-      <p:sp>
-        <p:nvSpPr>
-          <p:cNvPr id="15364" name="Rectangle 3"/>
-          <p:cNvSpPr>
-            <a:spLocks noGrp="1" noChangeArrowheads="1"/>
-          </p:cNvSpPr>
-          <p:nvPr>
-            <p:ph type="body" idx="1"/>
-          </p:nvPr>
-        </p:nvSpPr>
-        <p:spPr>
-          <a:noFill/>
-          <a:ln/>
-        </p:spPr>
-        <p:txBody>
-          <a:bodyPr/>
-          <a:lstStyle/>
-          <a:p>
-            <a:pPr eaLnBrk="1" hangingPunct="1"/>
-            <a:endParaRPr lang="en-US"/>
-          </a:p>
-        </p:txBody>
-      </p:sp>
-    </p:spTree>
-    <p:extLst>
-      <p:ext uri="{BB962C8B-B14F-4D97-AF65-F5344CB8AC3E}">
-        <p14:creationId xmlns:p14="http://schemas.microsoft.com/office/powerpoint/2010/main" val="2946096182"/>
-      </p:ext>
-    </p:extLst>
   </p:cSld>
   <p:clrMapOvr>
     <a:masterClrMapping/>
@@ -19357,10 +19263,10 @@
       </p:sp>
       <p:pic>
         <p:nvPicPr>
-          <p:cNvPr id="4" name="Picture 3" descr="Graphical user interface, text, application, email&#10;&#10;Description automatically generated">
+          <p:cNvPr id="3" name="Picture 2">
             <a:extLst>
               <a:ext uri="{FF2B5EF4-FFF2-40B4-BE49-F238E27FC236}">
-                <a16:creationId xmlns:a16="http://schemas.microsoft.com/office/drawing/2014/main" id="{64831718-2758-E348-BE26-08512EF9BC35}"/>
+                <a16:creationId xmlns:a16="http://schemas.microsoft.com/office/drawing/2014/main" id="{E02FEEB7-1B7C-790F-983D-9621A030A7A4}"/>
               </a:ext>
             </a:extLst>
           </p:cNvPr>
@@ -19377,8 +19283,38 @@
         </p:blipFill>
         <p:spPr>
           <a:xfrm>
-            <a:off x="762434" y="1364432"/>
-            <a:ext cx="7619132" cy="4599031"/>
+            <a:off x="323528" y="1628800"/>
+            <a:ext cx="7772400" cy="734955"/>
+          </a:xfrm>
+          <a:prstGeom prst="rect">
+            <a:avLst/>
+          </a:prstGeom>
+        </p:spPr>
+      </p:pic>
+      <p:pic>
+        <p:nvPicPr>
+          <p:cNvPr id="6" name="Picture 5" descr="A close-up of a test&#10;&#10;Description automatically generated">
+            <a:extLst>
+              <a:ext uri="{FF2B5EF4-FFF2-40B4-BE49-F238E27FC236}">
+                <a16:creationId xmlns:a16="http://schemas.microsoft.com/office/drawing/2014/main" id="{AFDFC878-8093-CCB9-A645-26B1E9B2E33F}"/>
+              </a:ext>
+            </a:extLst>
+          </p:cNvPr>
+          <p:cNvPicPr>
+            <a:picLocks noChangeAspect="1"/>
+          </p:cNvPicPr>
+          <p:nvPr/>
+        </p:nvPicPr>
+        <p:blipFill>
+          <a:blip r:embed="rId4"/>
+          <a:stretch>
+            <a:fillRect/>
+          </a:stretch>
+        </p:blipFill>
+        <p:spPr>
+          <a:xfrm>
+            <a:off x="971600" y="3203473"/>
+            <a:ext cx="7772400" cy="2581546"/>
           </a:xfrm>
           <a:prstGeom prst="rect">
             <a:avLst/>
@@ -19389,228 +19325,6 @@
     <p:extLst>
       <p:ext uri="{BB962C8B-B14F-4D97-AF65-F5344CB8AC3E}">
         <p14:creationId xmlns:p14="http://schemas.microsoft.com/office/powerpoint/2010/main" val="3842182682"/>
-      </p:ext>
-    </p:extLst>
-  </p:cSld>
-  <p:clrMapOvr>
-    <a:masterClrMapping/>
-  </p:clrMapOvr>
-</p:sld>
-</file>
-
-<file path=ppt/slides/slide41.xml><?xml version="1.0" encoding="utf-8"?>
-<p:sld xmlns:a="http://schemas.openxmlformats.org/drawingml/2006/main" xmlns:r="http://schemas.openxmlformats.org/officeDocument/2006/relationships" xmlns:p="http://schemas.openxmlformats.org/presentationml/2006/main">
-  <p:cSld>
-    <p:spTree>
-      <p:nvGrpSpPr>
-        <p:cNvPr id="1" name=""/>
-        <p:cNvGrpSpPr/>
-        <p:nvPr/>
-      </p:nvGrpSpPr>
-      <p:grpSpPr>
-        <a:xfrm>
-          <a:off x="0" y="0"/>
-          <a:ext cx="0" cy="0"/>
-          <a:chOff x="0" y="0"/>
-          <a:chExt cx="0" cy="0"/>
-        </a:xfrm>
-      </p:grpSpPr>
-      <p:sp>
-        <p:nvSpPr>
-          <p:cNvPr id="8" name="Rectangle 2">
-            <a:extLst>
-              <a:ext uri="{FF2B5EF4-FFF2-40B4-BE49-F238E27FC236}">
-                <a16:creationId xmlns:a16="http://schemas.microsoft.com/office/drawing/2014/main" id="{78227124-28DE-CB4E-9741-27B1B71796D8}"/>
-              </a:ext>
-            </a:extLst>
-          </p:cNvPr>
-          <p:cNvSpPr txBox="1">
-            <a:spLocks noChangeArrowheads="1"/>
-          </p:cNvSpPr>
-          <p:nvPr/>
-        </p:nvSpPr>
-        <p:spPr bwMode="auto">
-          <a:xfrm>
-            <a:off x="220988" y="2256656"/>
-            <a:ext cx="8686800" cy="1676400"/>
-          </a:xfrm>
-          <a:prstGeom prst="rect">
-            <a:avLst/>
-          </a:prstGeom>
-          <a:noFill/>
-          <a:ln w="9525">
-            <a:noFill/>
-            <a:miter lim="800000"/>
-            <a:headEnd/>
-            <a:tailEnd/>
-          </a:ln>
-        </p:spPr>
-        <p:txBody>
-          <a:bodyPr vert="horz" wrap="square" lIns="91440" tIns="45720" rIns="91440" bIns="45720" numCol="1" anchor="ctr" anchorCtr="0" compatLnSpc="1">
-            <a:prstTxWarp prst="textNoShape">
-              <a:avLst/>
-            </a:prstTxWarp>
-          </a:bodyPr>
-          <a:lstStyle>
-            <a:lvl1pPr algn="ctr" rtl="0" eaLnBrk="0" fontAlgn="base" hangingPunct="0">
-              <a:spcBef>
-                <a:spcPct val="0"/>
-              </a:spcBef>
-              <a:spcAft>
-                <a:spcPct val="0"/>
-              </a:spcAft>
-              <a:defRPr sz="4400">
-                <a:solidFill>
-                  <a:schemeClr val="tx2"/>
-                </a:solidFill>
-                <a:latin typeface="+mj-lt"/>
-                <a:ea typeface="ＭＳ Ｐゴシック" charset="-128"/>
-                <a:cs typeface="ＭＳ Ｐゴシック" charset="-128"/>
-              </a:defRPr>
-            </a:lvl1pPr>
-            <a:lvl2pPr algn="ctr" rtl="0" eaLnBrk="0" fontAlgn="base" hangingPunct="0">
-              <a:spcBef>
-                <a:spcPct val="0"/>
-              </a:spcBef>
-              <a:spcAft>
-                <a:spcPct val="0"/>
-              </a:spcAft>
-              <a:defRPr sz="4400">
-                <a:solidFill>
-                  <a:schemeClr val="tx2"/>
-                </a:solidFill>
-                <a:latin typeface="Times New Roman" charset="0"/>
-                <a:ea typeface="ＭＳ Ｐゴシック" charset="-128"/>
-                <a:cs typeface="ＭＳ Ｐゴシック" charset="-128"/>
-              </a:defRPr>
-            </a:lvl2pPr>
-            <a:lvl3pPr algn="ctr" rtl="0" eaLnBrk="0" fontAlgn="base" hangingPunct="0">
-              <a:spcBef>
-                <a:spcPct val="0"/>
-              </a:spcBef>
-              <a:spcAft>
-                <a:spcPct val="0"/>
-              </a:spcAft>
-              <a:defRPr sz="4400">
-                <a:solidFill>
-                  <a:schemeClr val="tx2"/>
-                </a:solidFill>
-                <a:latin typeface="Times New Roman" charset="0"/>
-                <a:ea typeface="ＭＳ Ｐゴシック" charset="-128"/>
-                <a:cs typeface="ＭＳ Ｐゴシック" charset="-128"/>
-              </a:defRPr>
-            </a:lvl3pPr>
-            <a:lvl4pPr algn="ctr" rtl="0" eaLnBrk="0" fontAlgn="base" hangingPunct="0">
-              <a:spcBef>
-                <a:spcPct val="0"/>
-              </a:spcBef>
-              <a:spcAft>
-                <a:spcPct val="0"/>
-              </a:spcAft>
-              <a:defRPr sz="4400">
-                <a:solidFill>
-                  <a:schemeClr val="tx2"/>
-                </a:solidFill>
-                <a:latin typeface="Times New Roman" charset="0"/>
-                <a:ea typeface="ＭＳ Ｐゴシック" charset="-128"/>
-                <a:cs typeface="ＭＳ Ｐゴシック" charset="-128"/>
-              </a:defRPr>
-            </a:lvl4pPr>
-            <a:lvl5pPr algn="ctr" rtl="0" eaLnBrk="0" fontAlgn="base" hangingPunct="0">
-              <a:spcBef>
-                <a:spcPct val="0"/>
-              </a:spcBef>
-              <a:spcAft>
-                <a:spcPct val="0"/>
-              </a:spcAft>
-              <a:defRPr sz="4400">
-                <a:solidFill>
-                  <a:schemeClr val="tx2"/>
-                </a:solidFill>
-                <a:latin typeface="Times New Roman" charset="0"/>
-                <a:ea typeface="ＭＳ Ｐゴシック" charset="-128"/>
-                <a:cs typeface="ＭＳ Ｐゴシック" charset="-128"/>
-              </a:defRPr>
-            </a:lvl5pPr>
-            <a:lvl6pPr marL="457200" algn="ctr" rtl="0" fontAlgn="base">
-              <a:spcBef>
-                <a:spcPct val="0"/>
-              </a:spcBef>
-              <a:spcAft>
-                <a:spcPct val="0"/>
-              </a:spcAft>
-              <a:defRPr sz="4400">
-                <a:solidFill>
-                  <a:schemeClr val="tx2"/>
-                </a:solidFill>
-                <a:latin typeface="Times New Roman" charset="0"/>
-              </a:defRPr>
-            </a:lvl6pPr>
-            <a:lvl7pPr marL="914400" algn="ctr" rtl="0" fontAlgn="base">
-              <a:spcBef>
-                <a:spcPct val="0"/>
-              </a:spcBef>
-              <a:spcAft>
-                <a:spcPct val="0"/>
-              </a:spcAft>
-              <a:defRPr sz="4400">
-                <a:solidFill>
-                  <a:schemeClr val="tx2"/>
-                </a:solidFill>
-                <a:latin typeface="Times New Roman" charset="0"/>
-              </a:defRPr>
-            </a:lvl7pPr>
-            <a:lvl8pPr marL="1371600" algn="ctr" rtl="0" fontAlgn="base">
-              <a:spcBef>
-                <a:spcPct val="0"/>
-              </a:spcBef>
-              <a:spcAft>
-                <a:spcPct val="0"/>
-              </a:spcAft>
-              <a:defRPr sz="4400">
-                <a:solidFill>
-                  <a:schemeClr val="tx2"/>
-                </a:solidFill>
-                <a:latin typeface="Times New Roman" charset="0"/>
-              </a:defRPr>
-            </a:lvl8pPr>
-            <a:lvl9pPr marL="1828800" algn="ctr" rtl="0" fontAlgn="base">
-              <a:spcBef>
-                <a:spcPct val="0"/>
-              </a:spcBef>
-              <a:spcAft>
-                <a:spcPct val="0"/>
-              </a:spcAft>
-              <a:defRPr sz="4400">
-                <a:solidFill>
-                  <a:schemeClr val="tx2"/>
-                </a:solidFill>
-                <a:latin typeface="Times New Roman" charset="0"/>
-              </a:defRPr>
-            </a:lvl9pPr>
-          </a:lstStyle>
-          <a:p>
-            <a:pPr eaLnBrk="1" hangingPunct="1"/>
-            <a:r>
-              <a:rPr lang="en-US" sz="1800" b="1" dirty="0">
-                <a:solidFill>
-                  <a:schemeClr val="tx1"/>
-                </a:solidFill>
-              </a:rPr>
-              <a:t>End</a:t>
-            </a:r>
-            <a:endParaRPr lang="en-US" sz="1800" dirty="0">
-              <a:solidFill>
-                <a:schemeClr val="tx1"/>
-              </a:solidFill>
-            </a:endParaRPr>
-          </a:p>
-        </p:txBody>
-      </p:sp>
-    </p:spTree>
-    <p:extLst>
-      <p:ext uri="{BB962C8B-B14F-4D97-AF65-F5344CB8AC3E}">
-        <p14:creationId xmlns:p14="http://schemas.microsoft.com/office/powerpoint/2010/main" val="1557350059"/>
       </p:ext>
     </p:extLst>
   </p:cSld>

--- a/Lectures/Lecture 7 - Molecular Epidemiology.pptx
+++ b/Lectures/Lecture 7 - Molecular Epidemiology.pptx
@@ -15719,6 +15719,45 @@
           <a:p>
             <a:pPr algn="ctr"/>
             <a:endParaRPr lang="en-US"/>
+          </a:p>
+        </p:txBody>
+      </p:sp>
+      <p:sp>
+        <p:nvSpPr>
+          <p:cNvPr id="2" name="TextBox 1">
+            <a:extLst>
+              <a:ext uri="{FF2B5EF4-FFF2-40B4-BE49-F238E27FC236}">
+                <a16:creationId xmlns:a16="http://schemas.microsoft.com/office/drawing/2014/main" id="{ECFD2B82-10CF-446C-D144-08D7D5C762FC}"/>
+              </a:ext>
+            </a:extLst>
+          </p:cNvPr>
+          <p:cNvSpPr txBox="1"/>
+          <p:nvPr/>
+        </p:nvSpPr>
+        <p:spPr>
+          <a:xfrm>
+            <a:off x="314090" y="5944753"/>
+            <a:ext cx="8352928" cy="400110"/>
+          </a:xfrm>
+          <a:prstGeom prst="rect">
+            <a:avLst/>
+          </a:prstGeom>
+          <a:noFill/>
+          <a:ln>
+            <a:noFill/>
+          </a:ln>
+        </p:spPr>
+        <p:txBody>
+          <a:bodyPr wrap="square" rtlCol="0">
+            <a:spAutoFit/>
+          </a:bodyPr>
+          <a:lstStyle/>
+          <a:p>
+            <a:r>
+              <a:rPr lang="en-CA" sz="2000" dirty="0"/>
+              <a:t>Six data points!</a:t>
+            </a:r>
+            <a:endParaRPr lang="en-US" sz="2000" dirty="0"/>
           </a:p>
         </p:txBody>
       </p:sp>

--- a/Lectures/Lecture 7 - Molecular Epidemiology.pptx
+++ b/Lectures/Lecture 7 - Molecular Epidemiology.pptx
@@ -2,7 +2,7 @@
 <file path=ppt/presentation.xml><?xml version="1.0" encoding="utf-8"?>
 <p:presentation xmlns:a="http://schemas.openxmlformats.org/drawingml/2006/main" xmlns:r="http://schemas.openxmlformats.org/officeDocument/2006/relationships" xmlns:p="http://schemas.openxmlformats.org/presentationml/2006/main" strictFirstAndLastChars="0" saveSubsetFonts="1" autoCompressPictures="0">
   <p:sldMasterIdLst>
-    <p:sldMasterId id="2147483649" r:id="rId1"/>
+    <p:sldMasterId id="2147483673" r:id="rId1"/>
   </p:sldMasterIdLst>
   <p:notesMasterIdLst>
     <p:notesMasterId r:id="rId40"/>
@@ -53,122 +53,92 @@
     <a:defPPr>
       <a:defRPr lang="en-US"/>
     </a:defPPr>
-    <a:lvl1pPr algn="l" rtl="0" eaLnBrk="0" fontAlgn="base" hangingPunct="0">
-      <a:spcBef>
-        <a:spcPct val="0"/>
-      </a:spcBef>
-      <a:spcAft>
-        <a:spcPct val="0"/>
-      </a:spcAft>
-      <a:defRPr sz="2400" kern="1200">
+    <a:lvl1pPr marL="0" algn="l" defTabSz="914400" rtl="0" eaLnBrk="1" latinLnBrk="0" hangingPunct="1">
+      <a:defRPr sz="1800" kern="1200">
         <a:solidFill>
           <a:schemeClr val="tx1"/>
         </a:solidFill>
-        <a:latin typeface="Times" charset="0"/>
+        <a:latin typeface="+mn-lt"/>
         <a:ea typeface="+mn-ea"/>
         <a:cs typeface="+mn-cs"/>
       </a:defRPr>
     </a:lvl1pPr>
-    <a:lvl2pPr marL="457200" algn="l" rtl="0" eaLnBrk="0" fontAlgn="base" hangingPunct="0">
-      <a:spcBef>
-        <a:spcPct val="0"/>
-      </a:spcBef>
-      <a:spcAft>
-        <a:spcPct val="0"/>
-      </a:spcAft>
-      <a:defRPr sz="2400" kern="1200">
+    <a:lvl2pPr marL="457200" algn="l" defTabSz="914400" rtl="0" eaLnBrk="1" latinLnBrk="0" hangingPunct="1">
+      <a:defRPr sz="1800" kern="1200">
         <a:solidFill>
           <a:schemeClr val="tx1"/>
         </a:solidFill>
-        <a:latin typeface="Times" charset="0"/>
+        <a:latin typeface="+mn-lt"/>
         <a:ea typeface="+mn-ea"/>
         <a:cs typeface="+mn-cs"/>
       </a:defRPr>
     </a:lvl2pPr>
-    <a:lvl3pPr marL="914400" algn="l" rtl="0" eaLnBrk="0" fontAlgn="base" hangingPunct="0">
-      <a:spcBef>
-        <a:spcPct val="0"/>
-      </a:spcBef>
-      <a:spcAft>
-        <a:spcPct val="0"/>
-      </a:spcAft>
-      <a:defRPr sz="2400" kern="1200">
+    <a:lvl3pPr marL="914400" algn="l" defTabSz="914400" rtl="0" eaLnBrk="1" latinLnBrk="0" hangingPunct="1">
+      <a:defRPr sz="1800" kern="1200">
         <a:solidFill>
           <a:schemeClr val="tx1"/>
         </a:solidFill>
-        <a:latin typeface="Times" charset="0"/>
+        <a:latin typeface="+mn-lt"/>
         <a:ea typeface="+mn-ea"/>
         <a:cs typeface="+mn-cs"/>
       </a:defRPr>
     </a:lvl3pPr>
-    <a:lvl4pPr marL="1371600" algn="l" rtl="0" eaLnBrk="0" fontAlgn="base" hangingPunct="0">
-      <a:spcBef>
-        <a:spcPct val="0"/>
-      </a:spcBef>
-      <a:spcAft>
-        <a:spcPct val="0"/>
-      </a:spcAft>
-      <a:defRPr sz="2400" kern="1200">
+    <a:lvl4pPr marL="1371600" algn="l" defTabSz="914400" rtl="0" eaLnBrk="1" latinLnBrk="0" hangingPunct="1">
+      <a:defRPr sz="1800" kern="1200">
         <a:solidFill>
           <a:schemeClr val="tx1"/>
         </a:solidFill>
-        <a:latin typeface="Times" charset="0"/>
+        <a:latin typeface="+mn-lt"/>
         <a:ea typeface="+mn-ea"/>
         <a:cs typeface="+mn-cs"/>
       </a:defRPr>
     </a:lvl4pPr>
-    <a:lvl5pPr marL="1828800" algn="l" rtl="0" eaLnBrk="0" fontAlgn="base" hangingPunct="0">
-      <a:spcBef>
-        <a:spcPct val="0"/>
-      </a:spcBef>
-      <a:spcAft>
-        <a:spcPct val="0"/>
-      </a:spcAft>
-      <a:defRPr sz="2400" kern="1200">
+    <a:lvl5pPr marL="1828800" algn="l" defTabSz="914400" rtl="0" eaLnBrk="1" latinLnBrk="0" hangingPunct="1">
+      <a:defRPr sz="1800" kern="1200">
         <a:solidFill>
           <a:schemeClr val="tx1"/>
         </a:solidFill>
-        <a:latin typeface="Times" charset="0"/>
+        <a:latin typeface="+mn-lt"/>
         <a:ea typeface="+mn-ea"/>
         <a:cs typeface="+mn-cs"/>
       </a:defRPr>
     </a:lvl5pPr>
-    <a:lvl6pPr marL="2286000" algn="l" defTabSz="457200" rtl="0" eaLnBrk="1" latinLnBrk="0" hangingPunct="1">
-      <a:defRPr sz="2400" kern="1200">
+    <a:lvl6pPr marL="2286000" algn="l" defTabSz="914400" rtl="0" eaLnBrk="1" latinLnBrk="0" hangingPunct="1">
+      <a:defRPr sz="1800" kern="1200">
         <a:solidFill>
           <a:schemeClr val="tx1"/>
         </a:solidFill>
-        <a:latin typeface="Times" charset="0"/>
+        <a:latin typeface="+mn-lt"/>
         <a:ea typeface="+mn-ea"/>
         <a:cs typeface="+mn-cs"/>
       </a:defRPr>
     </a:lvl6pPr>
-    <a:lvl7pPr marL="2743200" algn="l" defTabSz="457200" rtl="0" eaLnBrk="1" latinLnBrk="0" hangingPunct="1">
-      <a:defRPr sz="2400" kern="1200">
+    <a:lvl7pPr marL="2743200" algn="l" defTabSz="914400" rtl="0" eaLnBrk="1" latinLnBrk="0" hangingPunct="1">
+      <a:defRPr sz="1800" kern="1200">
         <a:solidFill>
           <a:schemeClr val="tx1"/>
         </a:solidFill>
-        <a:latin typeface="Times" charset="0"/>
+        <a:latin typeface="+mn-lt"/>
         <a:ea typeface="+mn-ea"/>
         <a:cs typeface="+mn-cs"/>
       </a:defRPr>
     </a:lvl7pPr>
-    <a:lvl8pPr marL="3200400" algn="l" defTabSz="457200" rtl="0" eaLnBrk="1" latinLnBrk="0" hangingPunct="1">
-      <a:defRPr sz="2400" kern="1200">
+    <a:lvl8pPr marL="3200400" algn="l" defTabSz="914400" rtl="0" eaLnBrk="1" latinLnBrk="0" hangingPunct="1">
+      <a:defRPr sz="1800" kern="1200">
         <a:solidFill>
           <a:schemeClr val="tx1"/>
         </a:solidFill>
-        <a:latin typeface="Times" charset="0"/>
+        <a:latin typeface="+mn-lt"/>
         <a:ea typeface="+mn-ea"/>
         <a:cs typeface="+mn-cs"/>
       </a:defRPr>
     </a:lvl8pPr>
-    <a:lvl9pPr marL="3657600" algn="l" defTabSz="457200" rtl="0" eaLnBrk="1" latinLnBrk="0" hangingPunct="1">
-      <a:defRPr sz="2400" kern="1200">
+    <a:lvl9pPr marL="3657600" algn="l" defTabSz="914400" rtl="0" eaLnBrk="1" latinLnBrk="0" hangingPunct="1">
+      <a:defRPr sz="1800" kern="1200">
         <a:solidFill>
           <a:schemeClr val="tx1"/>
         </a:solidFill>
-        <a:latin typeface="Times" charset="0"/>
+        <a:latin typeface="+mn-lt"/>
         <a:ea typeface="+mn-ea"/>
         <a:cs typeface="+mn-cs"/>
       </a:defRPr>
@@ -4030,25 +4000,31 @@
       </p:grpSpPr>
       <p:sp>
         <p:nvSpPr>
-          <p:cNvPr id="4098" name="Rectangle 2"/>
+          <p:cNvPr id="2" name="Title 1">
+            <a:extLst>
+              <a:ext uri="{FF2B5EF4-FFF2-40B4-BE49-F238E27FC236}">
+                <a16:creationId xmlns:a16="http://schemas.microsoft.com/office/drawing/2014/main" id="{AEDDC372-71C7-D5B7-DFC3-40550AF2A58E}"/>
+              </a:ext>
+            </a:extLst>
+          </p:cNvPr>
           <p:cNvSpPr>
-            <a:spLocks noGrp="1" noChangeArrowheads="1"/>
+            <a:spLocks noGrp="1"/>
           </p:cNvSpPr>
           <p:nvPr>
-            <p:ph type="ctrTitle" sz="quarter"/>
+            <p:ph type="ctrTitle"/>
           </p:nvPr>
         </p:nvSpPr>
         <p:spPr>
           <a:xfrm>
-            <a:off x="685800" y="2057400"/>
-            <a:ext cx="7772400" cy="1143000"/>
-          </a:xfrm>
-        </p:spPr>
-        <p:txBody>
-          <a:bodyPr/>
+            <a:off x="1143000" y="1122363"/>
+            <a:ext cx="6858000" cy="2387600"/>
+          </a:xfrm>
+        </p:spPr>
+        <p:txBody>
+          <a:bodyPr anchor="b"/>
           <a:lstStyle>
-            <a:lvl1pPr>
-              <a:defRPr/>
+            <a:lvl1pPr algn="ctr">
+              <a:defRPr sz="4500"/>
             </a:lvl1pPr>
           </a:lstStyle>
           <a:p>
@@ -4061,28 +4037,65 @@
       </p:sp>
       <p:sp>
         <p:nvSpPr>
-          <p:cNvPr id="4099" name="Rectangle 3"/>
+          <p:cNvPr id="3" name="Subtitle 2">
+            <a:extLst>
+              <a:ext uri="{FF2B5EF4-FFF2-40B4-BE49-F238E27FC236}">
+                <a16:creationId xmlns:a16="http://schemas.microsoft.com/office/drawing/2014/main" id="{8B501418-859C-9DF2-6FF2-5178B85796AB}"/>
+              </a:ext>
+            </a:extLst>
+          </p:cNvPr>
           <p:cNvSpPr>
-            <a:spLocks noGrp="1" noChangeArrowheads="1"/>
+            <a:spLocks noGrp="1"/>
           </p:cNvSpPr>
           <p:nvPr>
-            <p:ph type="subTitle" sz="quarter" idx="1"/>
+            <p:ph type="subTitle" idx="1"/>
           </p:nvPr>
         </p:nvSpPr>
         <p:spPr>
           <a:xfrm>
-            <a:off x="1371600" y="3886200"/>
-            <a:ext cx="6400800" cy="1752600"/>
+            <a:off x="1143000" y="3602038"/>
+            <a:ext cx="6858000" cy="1655762"/>
           </a:xfrm>
         </p:spPr>
         <p:txBody>
           <a:bodyPr/>
           <a:lstStyle>
             <a:lvl1pPr marL="0" indent="0" algn="ctr">
-              <a:buFontTx/>
               <a:buNone/>
-              <a:defRPr/>
+              <a:defRPr sz="1800"/>
             </a:lvl1pPr>
+            <a:lvl2pPr marL="342900" indent="0" algn="ctr">
+              <a:buNone/>
+              <a:defRPr sz="1500"/>
+            </a:lvl2pPr>
+            <a:lvl3pPr marL="685800" indent="0" algn="ctr">
+              <a:buNone/>
+              <a:defRPr sz="1350"/>
+            </a:lvl3pPr>
+            <a:lvl4pPr marL="1028700" indent="0" algn="ctr">
+              <a:buNone/>
+              <a:defRPr sz="1200"/>
+            </a:lvl4pPr>
+            <a:lvl5pPr marL="1371600" indent="0" algn="ctr">
+              <a:buNone/>
+              <a:defRPr sz="1200"/>
+            </a:lvl5pPr>
+            <a:lvl6pPr marL="1714500" indent="0" algn="ctr">
+              <a:buNone/>
+              <a:defRPr sz="1200"/>
+            </a:lvl6pPr>
+            <a:lvl7pPr marL="2057400" indent="0" algn="ctr">
+              <a:buNone/>
+              <a:defRPr sz="1200"/>
+            </a:lvl7pPr>
+            <a:lvl8pPr marL="2400300" indent="0" algn="ctr">
+              <a:buNone/>
+              <a:defRPr sz="1200"/>
+            </a:lvl8pPr>
+            <a:lvl9pPr marL="2743200" indent="0" algn="ctr">
+              <a:buNone/>
+              <a:defRPr sz="1200"/>
+            </a:lvl9pPr>
           </a:lstStyle>
           <a:p>
             <a:r>
@@ -4092,7 +4105,95 @@
           </a:p>
         </p:txBody>
       </p:sp>
+      <p:sp>
+        <p:nvSpPr>
+          <p:cNvPr id="4" name="Date Placeholder 3">
+            <a:extLst>
+              <a:ext uri="{FF2B5EF4-FFF2-40B4-BE49-F238E27FC236}">
+                <a16:creationId xmlns:a16="http://schemas.microsoft.com/office/drawing/2014/main" id="{193EDB57-6D6E-CB5C-23F1-C662DFF68E8A}"/>
+              </a:ext>
+            </a:extLst>
+          </p:cNvPr>
+          <p:cNvSpPr>
+            <a:spLocks noGrp="1"/>
+          </p:cNvSpPr>
+          <p:nvPr>
+            <p:ph type="dt" sz="half" idx="10"/>
+          </p:nvPr>
+        </p:nvSpPr>
+        <p:spPr/>
+        <p:txBody>
+          <a:bodyPr/>
+          <a:lstStyle/>
+          <a:p>
+            <a:fld id="{5D247DDD-6987-E645-833E-C459B421A24D}" type="datetimeFigureOut">
+              <a:rPr lang="en-US" smtClean="0"/>
+              <a:t>8/8/25</a:t>
+            </a:fld>
+            <a:endParaRPr lang="en-US"/>
+          </a:p>
+        </p:txBody>
+      </p:sp>
+      <p:sp>
+        <p:nvSpPr>
+          <p:cNvPr id="5" name="Footer Placeholder 4">
+            <a:extLst>
+              <a:ext uri="{FF2B5EF4-FFF2-40B4-BE49-F238E27FC236}">
+                <a16:creationId xmlns:a16="http://schemas.microsoft.com/office/drawing/2014/main" id="{A0C5B9FB-59FA-30AF-178E-4A120FCBE43A}"/>
+              </a:ext>
+            </a:extLst>
+          </p:cNvPr>
+          <p:cNvSpPr>
+            <a:spLocks noGrp="1"/>
+          </p:cNvSpPr>
+          <p:nvPr>
+            <p:ph type="ftr" sz="quarter" idx="11"/>
+          </p:nvPr>
+        </p:nvSpPr>
+        <p:spPr/>
+        <p:txBody>
+          <a:bodyPr/>
+          <a:lstStyle/>
+          <a:p>
+            <a:endParaRPr lang="en-US"/>
+          </a:p>
+        </p:txBody>
+      </p:sp>
+      <p:sp>
+        <p:nvSpPr>
+          <p:cNvPr id="6" name="Slide Number Placeholder 5">
+            <a:extLst>
+              <a:ext uri="{FF2B5EF4-FFF2-40B4-BE49-F238E27FC236}">
+                <a16:creationId xmlns:a16="http://schemas.microsoft.com/office/drawing/2014/main" id="{4754E490-E211-A20D-29B1-3F2BCADDF33F}"/>
+              </a:ext>
+            </a:extLst>
+          </p:cNvPr>
+          <p:cNvSpPr>
+            <a:spLocks noGrp="1"/>
+          </p:cNvSpPr>
+          <p:nvPr>
+            <p:ph type="sldNum" sz="quarter" idx="12"/>
+          </p:nvPr>
+        </p:nvSpPr>
+        <p:spPr/>
+        <p:txBody>
+          <a:bodyPr/>
+          <a:lstStyle/>
+          <a:p>
+            <a:fld id="{D748AFB7-1DC8-A349-AE3F-497BEDB669A4}" type="slidenum">
+              <a:rPr lang="en-US" smtClean="0"/>
+              <a:t>‹#›</a:t>
+            </a:fld>
+            <a:endParaRPr lang="en-US"/>
+          </a:p>
+        </p:txBody>
+      </p:sp>
     </p:spTree>
+    <p:extLst>
+      <p:ext uri="{BB962C8B-B14F-4D97-AF65-F5344CB8AC3E}">
+        <p14:creationId xmlns:p14="http://schemas.microsoft.com/office/powerpoint/2010/main" val="1873405339"/>
+      </p:ext>
+    </p:extLst>
   </p:cSld>
   <p:clrMapOvr>
     <a:masterClrMapping/>
@@ -4119,7 +4220,13 @@
       </p:grpSpPr>
       <p:sp>
         <p:nvSpPr>
-          <p:cNvPr id="2" name="Title 1"/>
+          <p:cNvPr id="2" name="Title 1">
+            <a:extLst>
+              <a:ext uri="{FF2B5EF4-FFF2-40B4-BE49-F238E27FC236}">
+                <a16:creationId xmlns:a16="http://schemas.microsoft.com/office/drawing/2014/main" id="{8039B8AF-FF8C-2FD7-7C36-2EBB41F43F7B}"/>
+              </a:ext>
+            </a:extLst>
+          </p:cNvPr>
           <p:cNvSpPr>
             <a:spLocks noGrp="1"/>
           </p:cNvSpPr>
@@ -4141,7 +4248,13 @@
       </p:sp>
       <p:sp>
         <p:nvSpPr>
-          <p:cNvPr id="3" name="Vertical Text Placeholder 2"/>
+          <p:cNvPr id="3" name="Vertical Text Placeholder 2">
+            <a:extLst>
+              <a:ext uri="{FF2B5EF4-FFF2-40B4-BE49-F238E27FC236}">
+                <a16:creationId xmlns:a16="http://schemas.microsoft.com/office/drawing/2014/main" id="{2BFDDC2A-7C72-15D4-FF37-239716F103C0}"/>
+              </a:ext>
+            </a:extLst>
+          </p:cNvPr>
           <p:cNvSpPr>
             <a:spLocks noGrp="1"/>
           </p:cNvSpPr>
@@ -4192,24 +4305,24 @@
       </p:sp>
       <p:sp>
         <p:nvSpPr>
-          <p:cNvPr id="4" name="Rectangle 14"/>
+          <p:cNvPr id="4" name="Date Placeholder 3">
+            <a:extLst>
+              <a:ext uri="{FF2B5EF4-FFF2-40B4-BE49-F238E27FC236}">
+                <a16:creationId xmlns:a16="http://schemas.microsoft.com/office/drawing/2014/main" id="{C1D98325-0824-FF27-4C81-14171F68975B}"/>
+              </a:ext>
+            </a:extLst>
+          </p:cNvPr>
           <p:cNvSpPr>
-            <a:spLocks noGrp="1" noChangeArrowheads="1"/>
+            <a:spLocks noGrp="1"/>
           </p:cNvSpPr>
           <p:nvPr>
             <p:ph type="dt" sz="half" idx="10"/>
           </p:nvPr>
         </p:nvSpPr>
-        <p:spPr>
-          <a:ln/>
-        </p:spPr>
+        <p:spPr/>
         <p:txBody>
           <a:bodyPr/>
-          <a:lstStyle>
-            <a:lvl1pPr>
-              <a:defRPr/>
-            </a:lvl1pPr>
-          </a:lstStyle>
+          <a:lstStyle/>
           <a:p>
             <a:pPr>
               <a:defRPr/>
@@ -4220,24 +4333,24 @@
       </p:sp>
       <p:sp>
         <p:nvSpPr>
-          <p:cNvPr id="5" name="Rectangle 15"/>
+          <p:cNvPr id="5" name="Footer Placeholder 4">
+            <a:extLst>
+              <a:ext uri="{FF2B5EF4-FFF2-40B4-BE49-F238E27FC236}">
+                <a16:creationId xmlns:a16="http://schemas.microsoft.com/office/drawing/2014/main" id="{F64E770C-B430-0DCB-D9CD-C8DBBDCEEE12}"/>
+              </a:ext>
+            </a:extLst>
+          </p:cNvPr>
           <p:cNvSpPr>
-            <a:spLocks noGrp="1" noChangeArrowheads="1"/>
+            <a:spLocks noGrp="1"/>
           </p:cNvSpPr>
           <p:nvPr>
             <p:ph type="ftr" sz="quarter" idx="11"/>
           </p:nvPr>
         </p:nvSpPr>
-        <p:spPr>
-          <a:ln/>
-        </p:spPr>
+        <p:spPr/>
         <p:txBody>
           <a:bodyPr/>
-          <a:lstStyle>
-            <a:lvl1pPr>
-              <a:defRPr/>
-            </a:lvl1pPr>
-          </a:lstStyle>
+          <a:lstStyle/>
           <a:p>
             <a:pPr>
               <a:defRPr/>
@@ -4248,30 +4361,30 @@
       </p:sp>
       <p:sp>
         <p:nvSpPr>
-          <p:cNvPr id="6" name="Rectangle 16"/>
+          <p:cNvPr id="6" name="Slide Number Placeholder 5">
+            <a:extLst>
+              <a:ext uri="{FF2B5EF4-FFF2-40B4-BE49-F238E27FC236}">
+                <a16:creationId xmlns:a16="http://schemas.microsoft.com/office/drawing/2014/main" id="{CA7C8AEC-709A-004A-86E3-9AAB2DFFAB7C}"/>
+              </a:ext>
+            </a:extLst>
+          </p:cNvPr>
           <p:cNvSpPr>
-            <a:spLocks noGrp="1" noChangeArrowheads="1"/>
+            <a:spLocks noGrp="1"/>
           </p:cNvSpPr>
           <p:nvPr>
             <p:ph type="sldNum" sz="quarter" idx="12"/>
           </p:nvPr>
         </p:nvSpPr>
-        <p:spPr>
-          <a:ln/>
-        </p:spPr>
+        <p:spPr/>
         <p:txBody>
           <a:bodyPr/>
-          <a:lstStyle>
-            <a:lvl1pPr>
-              <a:defRPr/>
-            </a:lvl1pPr>
-          </a:lstStyle>
+          <a:lstStyle/>
           <a:p>
             <a:pPr>
               <a:defRPr/>
             </a:pPr>
             <a:fld id="{A5A5E3B6-6E25-8746-A1EF-0C61A376E09C}" type="slidenum">
-              <a:rPr lang="en-US"/>
+              <a:rPr lang="en-US" smtClean="0"/>
               <a:pPr>
                 <a:defRPr/>
               </a:pPr>
@@ -4282,6 +4395,11 @@
         </p:txBody>
       </p:sp>
     </p:spTree>
+    <p:extLst>
+      <p:ext uri="{BB962C8B-B14F-4D97-AF65-F5344CB8AC3E}">
+        <p14:creationId xmlns:p14="http://schemas.microsoft.com/office/powerpoint/2010/main" val="4259303327"/>
+      </p:ext>
+    </p:extLst>
   </p:cSld>
   <p:clrMapOvr>
     <a:masterClrMapping/>
@@ -4308,7 +4426,13 @@
       </p:grpSpPr>
       <p:sp>
         <p:nvSpPr>
-          <p:cNvPr id="2" name="Vertical Title 1"/>
+          <p:cNvPr id="2" name="Vertical Title 1">
+            <a:extLst>
+              <a:ext uri="{FF2B5EF4-FFF2-40B4-BE49-F238E27FC236}">
+                <a16:creationId xmlns:a16="http://schemas.microsoft.com/office/drawing/2014/main" id="{DE0B6096-B63D-B105-42D9-600D1A7B8E70}"/>
+              </a:ext>
+            </a:extLst>
+          </p:cNvPr>
           <p:cNvSpPr>
             <a:spLocks noGrp="1"/>
           </p:cNvSpPr>
@@ -4318,8 +4442,8 @@
         </p:nvSpPr>
         <p:spPr>
           <a:xfrm>
-            <a:off x="6343650" y="0"/>
-            <a:ext cx="2114550" cy="6096000"/>
+            <a:off x="6543675" y="365125"/>
+            <a:ext cx="1971675" cy="5811838"/>
           </a:xfrm>
         </p:spPr>
         <p:txBody>
@@ -4335,7 +4459,13 @@
       </p:sp>
       <p:sp>
         <p:nvSpPr>
-          <p:cNvPr id="3" name="Vertical Text Placeholder 2"/>
+          <p:cNvPr id="3" name="Vertical Text Placeholder 2">
+            <a:extLst>
+              <a:ext uri="{FF2B5EF4-FFF2-40B4-BE49-F238E27FC236}">
+                <a16:creationId xmlns:a16="http://schemas.microsoft.com/office/drawing/2014/main" id="{290208C8-43EA-9DBE-1328-009119757FA8}"/>
+              </a:ext>
+            </a:extLst>
+          </p:cNvPr>
           <p:cNvSpPr>
             <a:spLocks noGrp="1"/>
           </p:cNvSpPr>
@@ -4345,8 +4475,8 @@
         </p:nvSpPr>
         <p:spPr>
           <a:xfrm>
-            <a:off x="0" y="0"/>
-            <a:ext cx="6191250" cy="6096000"/>
+            <a:off x="628650" y="365125"/>
+            <a:ext cx="5800725" cy="5811838"/>
           </a:xfrm>
         </p:spPr>
         <p:txBody>
@@ -4391,24 +4521,24 @@
       </p:sp>
       <p:sp>
         <p:nvSpPr>
-          <p:cNvPr id="4" name="Rectangle 14"/>
+          <p:cNvPr id="4" name="Date Placeholder 3">
+            <a:extLst>
+              <a:ext uri="{FF2B5EF4-FFF2-40B4-BE49-F238E27FC236}">
+                <a16:creationId xmlns:a16="http://schemas.microsoft.com/office/drawing/2014/main" id="{BBC56159-B1F4-0A17-F9E4-C3002985FDBD}"/>
+              </a:ext>
+            </a:extLst>
+          </p:cNvPr>
           <p:cNvSpPr>
-            <a:spLocks noGrp="1" noChangeArrowheads="1"/>
+            <a:spLocks noGrp="1"/>
           </p:cNvSpPr>
           <p:nvPr>
             <p:ph type="dt" sz="half" idx="10"/>
           </p:nvPr>
         </p:nvSpPr>
-        <p:spPr>
-          <a:ln/>
-        </p:spPr>
+        <p:spPr/>
         <p:txBody>
           <a:bodyPr/>
-          <a:lstStyle>
-            <a:lvl1pPr>
-              <a:defRPr/>
-            </a:lvl1pPr>
-          </a:lstStyle>
+          <a:lstStyle/>
           <a:p>
             <a:pPr>
               <a:defRPr/>
@@ -4419,24 +4549,24 @@
       </p:sp>
       <p:sp>
         <p:nvSpPr>
-          <p:cNvPr id="5" name="Rectangle 15"/>
+          <p:cNvPr id="5" name="Footer Placeholder 4">
+            <a:extLst>
+              <a:ext uri="{FF2B5EF4-FFF2-40B4-BE49-F238E27FC236}">
+                <a16:creationId xmlns:a16="http://schemas.microsoft.com/office/drawing/2014/main" id="{3A04F5F9-DB0F-2B1C-86F3-2605AB1DAF39}"/>
+              </a:ext>
+            </a:extLst>
+          </p:cNvPr>
           <p:cNvSpPr>
-            <a:spLocks noGrp="1" noChangeArrowheads="1"/>
+            <a:spLocks noGrp="1"/>
           </p:cNvSpPr>
           <p:nvPr>
             <p:ph type="ftr" sz="quarter" idx="11"/>
           </p:nvPr>
         </p:nvSpPr>
-        <p:spPr>
-          <a:ln/>
-        </p:spPr>
+        <p:spPr/>
         <p:txBody>
           <a:bodyPr/>
-          <a:lstStyle>
-            <a:lvl1pPr>
-              <a:defRPr/>
-            </a:lvl1pPr>
-          </a:lstStyle>
+          <a:lstStyle/>
           <a:p>
             <a:pPr>
               <a:defRPr/>
@@ -4447,30 +4577,30 @@
       </p:sp>
       <p:sp>
         <p:nvSpPr>
-          <p:cNvPr id="6" name="Rectangle 16"/>
+          <p:cNvPr id="6" name="Slide Number Placeholder 5">
+            <a:extLst>
+              <a:ext uri="{FF2B5EF4-FFF2-40B4-BE49-F238E27FC236}">
+                <a16:creationId xmlns:a16="http://schemas.microsoft.com/office/drawing/2014/main" id="{F6736F15-329A-0948-64C9-BD6E51A70979}"/>
+              </a:ext>
+            </a:extLst>
+          </p:cNvPr>
           <p:cNvSpPr>
-            <a:spLocks noGrp="1" noChangeArrowheads="1"/>
+            <a:spLocks noGrp="1"/>
           </p:cNvSpPr>
           <p:nvPr>
             <p:ph type="sldNum" sz="quarter" idx="12"/>
           </p:nvPr>
         </p:nvSpPr>
-        <p:spPr>
-          <a:ln/>
-        </p:spPr>
+        <p:spPr/>
         <p:txBody>
           <a:bodyPr/>
-          <a:lstStyle>
-            <a:lvl1pPr>
-              <a:defRPr/>
-            </a:lvl1pPr>
-          </a:lstStyle>
+          <a:lstStyle/>
           <a:p>
             <a:pPr>
               <a:defRPr/>
             </a:pPr>
             <a:fld id="{E34BA3A9-4E0B-FD49-BE1E-B8179035C6A1}" type="slidenum">
-              <a:rPr lang="en-US"/>
+              <a:rPr lang="en-US" smtClean="0"/>
               <a:pPr>
                 <a:defRPr/>
               </a:pPr>
@@ -4481,6 +4611,11 @@
         </p:txBody>
       </p:sp>
     </p:spTree>
+    <p:extLst>
+      <p:ext uri="{BB962C8B-B14F-4D97-AF65-F5344CB8AC3E}">
+        <p14:creationId xmlns:p14="http://schemas.microsoft.com/office/powerpoint/2010/main" val="4197681445"/>
+      </p:ext>
+    </p:extLst>
   </p:cSld>
   <p:clrMapOvr>
     <a:masterClrMapping/>
@@ -4507,7 +4642,13 @@
       </p:grpSpPr>
       <p:sp>
         <p:nvSpPr>
-          <p:cNvPr id="2" name="Title 1"/>
+          <p:cNvPr id="2" name="Title 1">
+            <a:extLst>
+              <a:ext uri="{FF2B5EF4-FFF2-40B4-BE49-F238E27FC236}">
+                <a16:creationId xmlns:a16="http://schemas.microsoft.com/office/drawing/2014/main" id="{54B9C159-3520-3F68-E232-ECED21C4D43A}"/>
+              </a:ext>
+            </a:extLst>
+          </p:cNvPr>
           <p:cNvSpPr>
             <a:spLocks noGrp="1"/>
           </p:cNvSpPr>
@@ -4529,7 +4670,13 @@
       </p:sp>
       <p:sp>
         <p:nvSpPr>
-          <p:cNvPr id="3" name="Content Placeholder 2"/>
+          <p:cNvPr id="3" name="Content Placeholder 2">
+            <a:extLst>
+              <a:ext uri="{FF2B5EF4-FFF2-40B4-BE49-F238E27FC236}">
+                <a16:creationId xmlns:a16="http://schemas.microsoft.com/office/drawing/2014/main" id="{7EDB8339-C699-BE27-CB8C-9B5ED300F660}"/>
+              </a:ext>
+            </a:extLst>
+          </p:cNvPr>
           <p:cNvSpPr>
             <a:spLocks noGrp="1"/>
           </p:cNvSpPr>
@@ -4580,24 +4727,24 @@
       </p:sp>
       <p:sp>
         <p:nvSpPr>
-          <p:cNvPr id="4" name="Rectangle 14"/>
+          <p:cNvPr id="4" name="Date Placeholder 3">
+            <a:extLst>
+              <a:ext uri="{FF2B5EF4-FFF2-40B4-BE49-F238E27FC236}">
+                <a16:creationId xmlns:a16="http://schemas.microsoft.com/office/drawing/2014/main" id="{5EBED45A-E85A-2CBA-63F4-DC5EE25C85E2}"/>
+              </a:ext>
+            </a:extLst>
+          </p:cNvPr>
           <p:cNvSpPr>
-            <a:spLocks noGrp="1" noChangeArrowheads="1"/>
+            <a:spLocks noGrp="1"/>
           </p:cNvSpPr>
           <p:nvPr>
             <p:ph type="dt" sz="half" idx="10"/>
           </p:nvPr>
         </p:nvSpPr>
-        <p:spPr>
-          <a:ln/>
-        </p:spPr>
+        <p:spPr/>
         <p:txBody>
           <a:bodyPr/>
-          <a:lstStyle>
-            <a:lvl1pPr>
-              <a:defRPr/>
-            </a:lvl1pPr>
-          </a:lstStyle>
+          <a:lstStyle/>
           <a:p>
             <a:pPr>
               <a:defRPr/>
@@ -4608,24 +4755,24 @@
       </p:sp>
       <p:sp>
         <p:nvSpPr>
-          <p:cNvPr id="5" name="Rectangle 15"/>
+          <p:cNvPr id="5" name="Footer Placeholder 4">
+            <a:extLst>
+              <a:ext uri="{FF2B5EF4-FFF2-40B4-BE49-F238E27FC236}">
+                <a16:creationId xmlns:a16="http://schemas.microsoft.com/office/drawing/2014/main" id="{80AD21C9-4FE2-47AD-25F9-499F94729DD9}"/>
+              </a:ext>
+            </a:extLst>
+          </p:cNvPr>
           <p:cNvSpPr>
-            <a:spLocks noGrp="1" noChangeArrowheads="1"/>
+            <a:spLocks noGrp="1"/>
           </p:cNvSpPr>
           <p:nvPr>
             <p:ph type="ftr" sz="quarter" idx="11"/>
           </p:nvPr>
         </p:nvSpPr>
-        <p:spPr>
-          <a:ln/>
-        </p:spPr>
+        <p:spPr/>
         <p:txBody>
           <a:bodyPr/>
-          <a:lstStyle>
-            <a:lvl1pPr>
-              <a:defRPr/>
-            </a:lvl1pPr>
-          </a:lstStyle>
+          <a:lstStyle/>
           <a:p>
             <a:pPr>
               <a:defRPr/>
@@ -4636,30 +4783,30 @@
       </p:sp>
       <p:sp>
         <p:nvSpPr>
-          <p:cNvPr id="6" name="Rectangle 16"/>
+          <p:cNvPr id="6" name="Slide Number Placeholder 5">
+            <a:extLst>
+              <a:ext uri="{FF2B5EF4-FFF2-40B4-BE49-F238E27FC236}">
+                <a16:creationId xmlns:a16="http://schemas.microsoft.com/office/drawing/2014/main" id="{A15AFB05-FDAD-63F6-F401-9106B02EBAE9}"/>
+              </a:ext>
+            </a:extLst>
+          </p:cNvPr>
           <p:cNvSpPr>
-            <a:spLocks noGrp="1" noChangeArrowheads="1"/>
+            <a:spLocks noGrp="1"/>
           </p:cNvSpPr>
           <p:nvPr>
             <p:ph type="sldNum" sz="quarter" idx="12"/>
           </p:nvPr>
         </p:nvSpPr>
-        <p:spPr>
-          <a:ln/>
-        </p:spPr>
+        <p:spPr/>
         <p:txBody>
           <a:bodyPr/>
-          <a:lstStyle>
-            <a:lvl1pPr>
-              <a:defRPr/>
-            </a:lvl1pPr>
-          </a:lstStyle>
+          <a:lstStyle/>
           <a:p>
             <a:pPr>
               <a:defRPr/>
             </a:pPr>
             <a:fld id="{18470F46-84F3-4841-A00A-8EAA56A98436}" type="slidenum">
-              <a:rPr lang="en-US"/>
+              <a:rPr lang="en-US" smtClean="0"/>
               <a:pPr>
                 <a:defRPr/>
               </a:pPr>
@@ -4670,6 +4817,11 @@
         </p:txBody>
       </p:sp>
     </p:spTree>
+    <p:extLst>
+      <p:ext uri="{BB962C8B-B14F-4D97-AF65-F5344CB8AC3E}">
+        <p14:creationId xmlns:p14="http://schemas.microsoft.com/office/powerpoint/2010/main" val="8025044"/>
+      </p:ext>
+    </p:extLst>
   </p:cSld>
   <p:clrMapOvr>
     <a:masterClrMapping/>
@@ -4696,7 +4848,13 @@
       </p:grpSpPr>
       <p:sp>
         <p:nvSpPr>
-          <p:cNvPr id="2" name="Title 1"/>
+          <p:cNvPr id="2" name="Title 1">
+            <a:extLst>
+              <a:ext uri="{FF2B5EF4-FFF2-40B4-BE49-F238E27FC236}">
+                <a16:creationId xmlns:a16="http://schemas.microsoft.com/office/drawing/2014/main" id="{08F05D97-0764-8D87-C287-00255E6D2E22}"/>
+              </a:ext>
+            </a:extLst>
+          </p:cNvPr>
           <p:cNvSpPr>
             <a:spLocks noGrp="1"/>
           </p:cNvSpPr>
@@ -4706,15 +4864,15 @@
         </p:nvSpPr>
         <p:spPr>
           <a:xfrm>
-            <a:off x="722313" y="4406900"/>
-            <a:ext cx="7772400" cy="1362075"/>
-          </a:xfrm>
-        </p:spPr>
-        <p:txBody>
-          <a:bodyPr anchor="t"/>
+            <a:off x="623887" y="1709738"/>
+            <a:ext cx="7886700" cy="2852737"/>
+          </a:xfrm>
+        </p:spPr>
+        <p:txBody>
+          <a:bodyPr anchor="b"/>
           <a:lstStyle>
-            <a:lvl1pPr algn="l">
-              <a:defRPr sz="4000" b="1" cap="all"/>
+            <a:lvl1pPr>
+              <a:defRPr sz="4500"/>
             </a:lvl1pPr>
           </a:lstStyle>
           <a:p>
@@ -4727,7 +4885,13 @@
       </p:sp>
       <p:sp>
         <p:nvSpPr>
-          <p:cNvPr id="3" name="Text Placeholder 2"/>
+          <p:cNvPr id="3" name="Text Placeholder 2">
+            <a:extLst>
+              <a:ext uri="{FF2B5EF4-FFF2-40B4-BE49-F238E27FC236}">
+                <a16:creationId xmlns:a16="http://schemas.microsoft.com/office/drawing/2014/main" id="{59EDF294-D358-7EC2-5F16-ED571BEFEBDB}"/>
+              </a:ext>
+            </a:extLst>
+          </p:cNvPr>
           <p:cNvSpPr>
             <a:spLocks noGrp="1"/>
           </p:cNvSpPr>
@@ -4737,48 +4901,102 @@
         </p:nvSpPr>
         <p:spPr>
           <a:xfrm>
-            <a:off x="722313" y="2906713"/>
-            <a:ext cx="7772400" cy="1500187"/>
-          </a:xfrm>
-        </p:spPr>
-        <p:txBody>
-          <a:bodyPr anchor="b"/>
+            <a:off x="623887" y="4589464"/>
+            <a:ext cx="7886700" cy="1500187"/>
+          </a:xfrm>
+        </p:spPr>
+        <p:txBody>
+          <a:bodyPr/>
           <a:lstStyle>
             <a:lvl1pPr marL="0" indent="0">
               <a:buNone/>
-              <a:defRPr sz="2000"/>
+              <a:defRPr sz="1800">
+                <a:solidFill>
+                  <a:schemeClr val="tx1">
+                    <a:tint val="82000"/>
+                  </a:schemeClr>
+                </a:solidFill>
+              </a:defRPr>
             </a:lvl1pPr>
-            <a:lvl2pPr marL="457200" indent="0">
+            <a:lvl2pPr marL="342900" indent="0">
               <a:buNone/>
-              <a:defRPr sz="1800"/>
+              <a:defRPr sz="1500">
+                <a:solidFill>
+                  <a:schemeClr val="tx1">
+                    <a:tint val="82000"/>
+                  </a:schemeClr>
+                </a:solidFill>
+              </a:defRPr>
             </a:lvl2pPr>
-            <a:lvl3pPr marL="914400" indent="0">
+            <a:lvl3pPr marL="685800" indent="0">
               <a:buNone/>
-              <a:defRPr sz="1600"/>
+              <a:defRPr sz="1350">
+                <a:solidFill>
+                  <a:schemeClr val="tx1">
+                    <a:tint val="82000"/>
+                  </a:schemeClr>
+                </a:solidFill>
+              </a:defRPr>
             </a:lvl3pPr>
-            <a:lvl4pPr marL="1371600" indent="0">
+            <a:lvl4pPr marL="1028700" indent="0">
               <a:buNone/>
-              <a:defRPr sz="1400"/>
+              <a:defRPr sz="1200">
+                <a:solidFill>
+                  <a:schemeClr val="tx1">
+                    <a:tint val="82000"/>
+                  </a:schemeClr>
+                </a:solidFill>
+              </a:defRPr>
             </a:lvl4pPr>
-            <a:lvl5pPr marL="1828800" indent="0">
+            <a:lvl5pPr marL="1371600" indent="0">
               <a:buNone/>
-              <a:defRPr sz="1400"/>
+              <a:defRPr sz="1200">
+                <a:solidFill>
+                  <a:schemeClr val="tx1">
+                    <a:tint val="82000"/>
+                  </a:schemeClr>
+                </a:solidFill>
+              </a:defRPr>
             </a:lvl5pPr>
-            <a:lvl6pPr marL="2286000" indent="0">
+            <a:lvl6pPr marL="1714500" indent="0">
               <a:buNone/>
-              <a:defRPr sz="1400"/>
+              <a:defRPr sz="1200">
+                <a:solidFill>
+                  <a:schemeClr val="tx1">
+                    <a:tint val="82000"/>
+                  </a:schemeClr>
+                </a:solidFill>
+              </a:defRPr>
             </a:lvl6pPr>
-            <a:lvl7pPr marL="2743200" indent="0">
+            <a:lvl7pPr marL="2057400" indent="0">
               <a:buNone/>
-              <a:defRPr sz="1400"/>
+              <a:defRPr sz="1200">
+                <a:solidFill>
+                  <a:schemeClr val="tx1">
+                    <a:tint val="82000"/>
+                  </a:schemeClr>
+                </a:solidFill>
+              </a:defRPr>
             </a:lvl7pPr>
-            <a:lvl8pPr marL="3200400" indent="0">
+            <a:lvl8pPr marL="2400300" indent="0">
               <a:buNone/>
-              <a:defRPr sz="1400"/>
+              <a:defRPr sz="1200">
+                <a:solidFill>
+                  <a:schemeClr val="tx1">
+                    <a:tint val="82000"/>
+                  </a:schemeClr>
+                </a:solidFill>
+              </a:defRPr>
             </a:lvl8pPr>
-            <a:lvl9pPr marL="3657600" indent="0">
+            <a:lvl9pPr marL="2743200" indent="0">
               <a:buNone/>
-              <a:defRPr sz="1400"/>
+              <a:defRPr sz="1200">
+                <a:solidFill>
+                  <a:schemeClr val="tx1">
+                    <a:tint val="82000"/>
+                  </a:schemeClr>
+                </a:solidFill>
+              </a:defRPr>
             </a:lvl9pPr>
           </a:lstStyle>
           <a:p>
@@ -4792,24 +5010,24 @@
       </p:sp>
       <p:sp>
         <p:nvSpPr>
-          <p:cNvPr id="4" name="Rectangle 14"/>
+          <p:cNvPr id="4" name="Date Placeholder 3">
+            <a:extLst>
+              <a:ext uri="{FF2B5EF4-FFF2-40B4-BE49-F238E27FC236}">
+                <a16:creationId xmlns:a16="http://schemas.microsoft.com/office/drawing/2014/main" id="{3DFC2D04-F830-CF85-71CA-0FD87D78B691}"/>
+              </a:ext>
+            </a:extLst>
+          </p:cNvPr>
           <p:cNvSpPr>
-            <a:spLocks noGrp="1" noChangeArrowheads="1"/>
+            <a:spLocks noGrp="1"/>
           </p:cNvSpPr>
           <p:nvPr>
             <p:ph type="dt" sz="half" idx="10"/>
           </p:nvPr>
         </p:nvSpPr>
-        <p:spPr>
-          <a:ln/>
-        </p:spPr>
+        <p:spPr/>
         <p:txBody>
           <a:bodyPr/>
-          <a:lstStyle>
-            <a:lvl1pPr>
-              <a:defRPr/>
-            </a:lvl1pPr>
-          </a:lstStyle>
+          <a:lstStyle/>
           <a:p>
             <a:pPr>
               <a:defRPr/>
@@ -4820,24 +5038,24 @@
       </p:sp>
       <p:sp>
         <p:nvSpPr>
-          <p:cNvPr id="5" name="Rectangle 15"/>
+          <p:cNvPr id="5" name="Footer Placeholder 4">
+            <a:extLst>
+              <a:ext uri="{FF2B5EF4-FFF2-40B4-BE49-F238E27FC236}">
+                <a16:creationId xmlns:a16="http://schemas.microsoft.com/office/drawing/2014/main" id="{032E171A-AFDE-56BD-A1DB-217C53F67969}"/>
+              </a:ext>
+            </a:extLst>
+          </p:cNvPr>
           <p:cNvSpPr>
-            <a:spLocks noGrp="1" noChangeArrowheads="1"/>
+            <a:spLocks noGrp="1"/>
           </p:cNvSpPr>
           <p:nvPr>
             <p:ph type="ftr" sz="quarter" idx="11"/>
           </p:nvPr>
         </p:nvSpPr>
-        <p:spPr>
-          <a:ln/>
-        </p:spPr>
+        <p:spPr/>
         <p:txBody>
           <a:bodyPr/>
-          <a:lstStyle>
-            <a:lvl1pPr>
-              <a:defRPr/>
-            </a:lvl1pPr>
-          </a:lstStyle>
+          <a:lstStyle/>
           <a:p>
             <a:pPr>
               <a:defRPr/>
@@ -4848,30 +5066,30 @@
       </p:sp>
       <p:sp>
         <p:nvSpPr>
-          <p:cNvPr id="6" name="Rectangle 16"/>
+          <p:cNvPr id="6" name="Slide Number Placeholder 5">
+            <a:extLst>
+              <a:ext uri="{FF2B5EF4-FFF2-40B4-BE49-F238E27FC236}">
+                <a16:creationId xmlns:a16="http://schemas.microsoft.com/office/drawing/2014/main" id="{E87DB25A-044C-AF98-63C4-64A8E98B564C}"/>
+              </a:ext>
+            </a:extLst>
+          </p:cNvPr>
           <p:cNvSpPr>
-            <a:spLocks noGrp="1" noChangeArrowheads="1"/>
+            <a:spLocks noGrp="1"/>
           </p:cNvSpPr>
           <p:nvPr>
             <p:ph type="sldNum" sz="quarter" idx="12"/>
           </p:nvPr>
         </p:nvSpPr>
-        <p:spPr>
-          <a:ln/>
-        </p:spPr>
+        <p:spPr/>
         <p:txBody>
           <a:bodyPr/>
-          <a:lstStyle>
-            <a:lvl1pPr>
-              <a:defRPr/>
-            </a:lvl1pPr>
-          </a:lstStyle>
+          <a:lstStyle/>
           <a:p>
             <a:pPr>
               <a:defRPr/>
             </a:pPr>
             <a:fld id="{E91B18E3-807F-A74B-B9B0-A9E08F586304}" type="slidenum">
-              <a:rPr lang="en-US"/>
+              <a:rPr lang="en-US" smtClean="0"/>
               <a:pPr>
                 <a:defRPr/>
               </a:pPr>
@@ -4882,6 +5100,11 @@
         </p:txBody>
       </p:sp>
     </p:spTree>
+    <p:extLst>
+      <p:ext uri="{BB962C8B-B14F-4D97-AF65-F5344CB8AC3E}">
+        <p14:creationId xmlns:p14="http://schemas.microsoft.com/office/powerpoint/2010/main" val="2817354029"/>
+      </p:ext>
+    </p:extLst>
   </p:cSld>
   <p:clrMapOvr>
     <a:masterClrMapping/>
@@ -4908,7 +5131,13 @@
       </p:grpSpPr>
       <p:sp>
         <p:nvSpPr>
-          <p:cNvPr id="2" name="Title 1"/>
+          <p:cNvPr id="2" name="Title 1">
+            <a:extLst>
+              <a:ext uri="{FF2B5EF4-FFF2-40B4-BE49-F238E27FC236}">
+                <a16:creationId xmlns:a16="http://schemas.microsoft.com/office/drawing/2014/main" id="{40BB4E82-9B46-E537-5D31-470ECE8D8642}"/>
+              </a:ext>
+            </a:extLst>
+          </p:cNvPr>
           <p:cNvSpPr>
             <a:spLocks noGrp="1"/>
           </p:cNvSpPr>
@@ -4930,7 +5159,13 @@
       </p:sp>
       <p:sp>
         <p:nvSpPr>
-          <p:cNvPr id="3" name="Content Placeholder 2"/>
+          <p:cNvPr id="3" name="Content Placeholder 2">
+            <a:extLst>
+              <a:ext uri="{FF2B5EF4-FFF2-40B4-BE49-F238E27FC236}">
+                <a16:creationId xmlns:a16="http://schemas.microsoft.com/office/drawing/2014/main" id="{3A7D4301-5B88-117C-D782-F6D3DA48FE78}"/>
+              </a:ext>
+            </a:extLst>
+          </p:cNvPr>
           <p:cNvSpPr>
             <a:spLocks noGrp="1"/>
           </p:cNvSpPr>
@@ -4940,41 +5175,13 @@
         </p:nvSpPr>
         <p:spPr>
           <a:xfrm>
-            <a:off x="685800" y="1981200"/>
-            <a:ext cx="3810000" cy="4114800"/>
+            <a:off x="628650" y="1825625"/>
+            <a:ext cx="3886200" cy="4351338"/>
           </a:xfrm>
         </p:spPr>
         <p:txBody>
           <a:bodyPr/>
-          <a:lstStyle>
-            <a:lvl1pPr>
-              <a:defRPr sz="2800"/>
-            </a:lvl1pPr>
-            <a:lvl2pPr>
-              <a:defRPr sz="2400"/>
-            </a:lvl2pPr>
-            <a:lvl3pPr>
-              <a:defRPr sz="2000"/>
-            </a:lvl3pPr>
-            <a:lvl4pPr>
-              <a:defRPr sz="1800"/>
-            </a:lvl4pPr>
-            <a:lvl5pPr>
-              <a:defRPr sz="1800"/>
-            </a:lvl5pPr>
-            <a:lvl6pPr>
-              <a:defRPr sz="1800"/>
-            </a:lvl6pPr>
-            <a:lvl7pPr>
-              <a:defRPr sz="1800"/>
-            </a:lvl7pPr>
-            <a:lvl8pPr>
-              <a:defRPr sz="1800"/>
-            </a:lvl8pPr>
-            <a:lvl9pPr>
-              <a:defRPr sz="1800"/>
-            </a:lvl9pPr>
-          </a:lstStyle>
+          <a:lstStyle/>
           <a:p>
             <a:pPr lvl="0"/>
             <a:r>
@@ -5014,7 +5221,13 @@
       </p:sp>
       <p:sp>
         <p:nvSpPr>
-          <p:cNvPr id="4" name="Content Placeholder 3"/>
+          <p:cNvPr id="4" name="Content Placeholder 3">
+            <a:extLst>
+              <a:ext uri="{FF2B5EF4-FFF2-40B4-BE49-F238E27FC236}">
+                <a16:creationId xmlns:a16="http://schemas.microsoft.com/office/drawing/2014/main" id="{68A81EB7-5171-F9ED-7B30-CC4684D8B617}"/>
+              </a:ext>
+            </a:extLst>
+          </p:cNvPr>
           <p:cNvSpPr>
             <a:spLocks noGrp="1"/>
           </p:cNvSpPr>
@@ -5024,41 +5237,13 @@
         </p:nvSpPr>
         <p:spPr>
           <a:xfrm>
-            <a:off x="4648200" y="1981200"/>
-            <a:ext cx="3810000" cy="4114800"/>
+            <a:off x="4629150" y="1825625"/>
+            <a:ext cx="3886200" cy="4351338"/>
           </a:xfrm>
         </p:spPr>
         <p:txBody>
           <a:bodyPr/>
-          <a:lstStyle>
-            <a:lvl1pPr>
-              <a:defRPr sz="2800"/>
-            </a:lvl1pPr>
-            <a:lvl2pPr>
-              <a:defRPr sz="2400"/>
-            </a:lvl2pPr>
-            <a:lvl3pPr>
-              <a:defRPr sz="2000"/>
-            </a:lvl3pPr>
-            <a:lvl4pPr>
-              <a:defRPr sz="1800"/>
-            </a:lvl4pPr>
-            <a:lvl5pPr>
-              <a:defRPr sz="1800"/>
-            </a:lvl5pPr>
-            <a:lvl6pPr>
-              <a:defRPr sz="1800"/>
-            </a:lvl6pPr>
-            <a:lvl7pPr>
-              <a:defRPr sz="1800"/>
-            </a:lvl7pPr>
-            <a:lvl8pPr>
-              <a:defRPr sz="1800"/>
-            </a:lvl8pPr>
-            <a:lvl9pPr>
-              <a:defRPr sz="1800"/>
-            </a:lvl9pPr>
-          </a:lstStyle>
+          <a:lstStyle/>
           <a:p>
             <a:pPr lvl="0"/>
             <a:r>
@@ -5098,24 +5283,24 @@
       </p:sp>
       <p:sp>
         <p:nvSpPr>
-          <p:cNvPr id="5" name="Rectangle 14"/>
+          <p:cNvPr id="5" name="Date Placeholder 4">
+            <a:extLst>
+              <a:ext uri="{FF2B5EF4-FFF2-40B4-BE49-F238E27FC236}">
+                <a16:creationId xmlns:a16="http://schemas.microsoft.com/office/drawing/2014/main" id="{22A03101-3A27-9261-BED5-E84F9D43FF46}"/>
+              </a:ext>
+            </a:extLst>
+          </p:cNvPr>
           <p:cNvSpPr>
-            <a:spLocks noGrp="1" noChangeArrowheads="1"/>
+            <a:spLocks noGrp="1"/>
           </p:cNvSpPr>
           <p:nvPr>
             <p:ph type="dt" sz="half" idx="10"/>
           </p:nvPr>
         </p:nvSpPr>
-        <p:spPr>
-          <a:ln/>
-        </p:spPr>
+        <p:spPr/>
         <p:txBody>
           <a:bodyPr/>
-          <a:lstStyle>
-            <a:lvl1pPr>
-              <a:defRPr/>
-            </a:lvl1pPr>
-          </a:lstStyle>
+          <a:lstStyle/>
           <a:p>
             <a:pPr>
               <a:defRPr/>
@@ -5126,24 +5311,24 @@
       </p:sp>
       <p:sp>
         <p:nvSpPr>
-          <p:cNvPr id="6" name="Rectangle 15"/>
+          <p:cNvPr id="6" name="Footer Placeholder 5">
+            <a:extLst>
+              <a:ext uri="{FF2B5EF4-FFF2-40B4-BE49-F238E27FC236}">
+                <a16:creationId xmlns:a16="http://schemas.microsoft.com/office/drawing/2014/main" id="{8BEC0A62-38B7-D1ED-F892-9979444E0C3E}"/>
+              </a:ext>
+            </a:extLst>
+          </p:cNvPr>
           <p:cNvSpPr>
-            <a:spLocks noGrp="1" noChangeArrowheads="1"/>
+            <a:spLocks noGrp="1"/>
           </p:cNvSpPr>
           <p:nvPr>
             <p:ph type="ftr" sz="quarter" idx="11"/>
           </p:nvPr>
         </p:nvSpPr>
-        <p:spPr>
-          <a:ln/>
-        </p:spPr>
+        <p:spPr/>
         <p:txBody>
           <a:bodyPr/>
-          <a:lstStyle>
-            <a:lvl1pPr>
-              <a:defRPr/>
-            </a:lvl1pPr>
-          </a:lstStyle>
+          <a:lstStyle/>
           <a:p>
             <a:pPr>
               <a:defRPr/>
@@ -5154,30 +5339,30 @@
       </p:sp>
       <p:sp>
         <p:nvSpPr>
-          <p:cNvPr id="7" name="Rectangle 16"/>
+          <p:cNvPr id="7" name="Slide Number Placeholder 6">
+            <a:extLst>
+              <a:ext uri="{FF2B5EF4-FFF2-40B4-BE49-F238E27FC236}">
+                <a16:creationId xmlns:a16="http://schemas.microsoft.com/office/drawing/2014/main" id="{CBF01D80-F045-993F-7A9A-8A700F3038FC}"/>
+              </a:ext>
+            </a:extLst>
+          </p:cNvPr>
           <p:cNvSpPr>
-            <a:spLocks noGrp="1" noChangeArrowheads="1"/>
+            <a:spLocks noGrp="1"/>
           </p:cNvSpPr>
           <p:nvPr>
             <p:ph type="sldNum" sz="quarter" idx="12"/>
           </p:nvPr>
         </p:nvSpPr>
-        <p:spPr>
-          <a:ln/>
-        </p:spPr>
+        <p:spPr/>
         <p:txBody>
           <a:bodyPr/>
-          <a:lstStyle>
-            <a:lvl1pPr>
-              <a:defRPr/>
-            </a:lvl1pPr>
-          </a:lstStyle>
+          <a:lstStyle/>
           <a:p>
             <a:pPr>
               <a:defRPr/>
             </a:pPr>
             <a:fld id="{5B2A4FA1-8607-774C-AA86-B85150486884}" type="slidenum">
-              <a:rPr lang="en-US"/>
+              <a:rPr lang="en-US" smtClean="0"/>
               <a:pPr>
                 <a:defRPr/>
               </a:pPr>
@@ -5188,6 +5373,11 @@
         </p:txBody>
       </p:sp>
     </p:spTree>
+    <p:extLst>
+      <p:ext uri="{BB962C8B-B14F-4D97-AF65-F5344CB8AC3E}">
+        <p14:creationId xmlns:p14="http://schemas.microsoft.com/office/powerpoint/2010/main" val="3185594447"/>
+      </p:ext>
+    </p:extLst>
   </p:cSld>
   <p:clrMapOvr>
     <a:masterClrMapping/>
@@ -5214,7 +5404,13 @@
       </p:grpSpPr>
       <p:sp>
         <p:nvSpPr>
-          <p:cNvPr id="2" name="Title 1"/>
+          <p:cNvPr id="2" name="Title 1">
+            <a:extLst>
+              <a:ext uri="{FF2B5EF4-FFF2-40B4-BE49-F238E27FC236}">
+                <a16:creationId xmlns:a16="http://schemas.microsoft.com/office/drawing/2014/main" id="{6961C5EE-2185-0ABC-3F0C-8FB1CE316890}"/>
+              </a:ext>
+            </a:extLst>
+          </p:cNvPr>
           <p:cNvSpPr>
             <a:spLocks noGrp="1"/>
           </p:cNvSpPr>
@@ -5224,17 +5420,13 @@
         </p:nvSpPr>
         <p:spPr>
           <a:xfrm>
-            <a:off x="457200" y="274638"/>
-            <a:ext cx="8229600" cy="1143000"/>
+            <a:off x="629841" y="365126"/>
+            <a:ext cx="7886700" cy="1325563"/>
           </a:xfrm>
         </p:spPr>
         <p:txBody>
           <a:bodyPr/>
-          <a:lstStyle>
-            <a:lvl1pPr>
-              <a:defRPr/>
-            </a:lvl1pPr>
-          </a:lstStyle>
+          <a:lstStyle/>
           <a:p>
             <a:r>
               <a:rPr lang="en-US"/>
@@ -5245,7 +5437,13 @@
       </p:sp>
       <p:sp>
         <p:nvSpPr>
-          <p:cNvPr id="3" name="Text Placeholder 2"/>
+          <p:cNvPr id="3" name="Text Placeholder 2">
+            <a:extLst>
+              <a:ext uri="{FF2B5EF4-FFF2-40B4-BE49-F238E27FC236}">
+                <a16:creationId xmlns:a16="http://schemas.microsoft.com/office/drawing/2014/main" id="{76E5008F-869A-4115-117A-641199ABC333}"/>
+              </a:ext>
+            </a:extLst>
+          </p:cNvPr>
           <p:cNvSpPr>
             <a:spLocks noGrp="1"/>
           </p:cNvSpPr>
@@ -5255,8 +5453,8 @@
         </p:nvSpPr>
         <p:spPr>
           <a:xfrm>
-            <a:off x="457200" y="1535113"/>
-            <a:ext cx="4040188" cy="639762"/>
+            <a:off x="629842" y="1681163"/>
+            <a:ext cx="3868340" cy="823912"/>
           </a:xfrm>
         </p:spPr>
         <p:txBody>
@@ -5264,39 +5462,39 @@
           <a:lstStyle>
             <a:lvl1pPr marL="0" indent="0">
               <a:buNone/>
-              <a:defRPr sz="2400" b="1"/>
+              <a:defRPr sz="1800" b="1"/>
             </a:lvl1pPr>
-            <a:lvl2pPr marL="457200" indent="0">
+            <a:lvl2pPr marL="342900" indent="0">
               <a:buNone/>
-              <a:defRPr sz="2000" b="1"/>
+              <a:defRPr sz="1500" b="1"/>
             </a:lvl2pPr>
-            <a:lvl3pPr marL="914400" indent="0">
+            <a:lvl3pPr marL="685800" indent="0">
               <a:buNone/>
-              <a:defRPr sz="1800" b="1"/>
+              <a:defRPr sz="1350" b="1"/>
             </a:lvl3pPr>
-            <a:lvl4pPr marL="1371600" indent="0">
+            <a:lvl4pPr marL="1028700" indent="0">
               <a:buNone/>
-              <a:defRPr sz="1600" b="1"/>
+              <a:defRPr sz="1200" b="1"/>
             </a:lvl4pPr>
-            <a:lvl5pPr marL="1828800" indent="0">
+            <a:lvl5pPr marL="1371600" indent="0">
               <a:buNone/>
-              <a:defRPr sz="1600" b="1"/>
+              <a:defRPr sz="1200" b="1"/>
             </a:lvl5pPr>
-            <a:lvl6pPr marL="2286000" indent="0">
+            <a:lvl6pPr marL="1714500" indent="0">
               <a:buNone/>
-              <a:defRPr sz="1600" b="1"/>
+              <a:defRPr sz="1200" b="1"/>
             </a:lvl6pPr>
-            <a:lvl7pPr marL="2743200" indent="0">
+            <a:lvl7pPr marL="2057400" indent="0">
               <a:buNone/>
-              <a:defRPr sz="1600" b="1"/>
+              <a:defRPr sz="1200" b="1"/>
             </a:lvl7pPr>
-            <a:lvl8pPr marL="3200400" indent="0">
+            <a:lvl8pPr marL="2400300" indent="0">
               <a:buNone/>
-              <a:defRPr sz="1600" b="1"/>
+              <a:defRPr sz="1200" b="1"/>
             </a:lvl8pPr>
-            <a:lvl9pPr marL="3657600" indent="0">
+            <a:lvl9pPr marL="2743200" indent="0">
               <a:buNone/>
-              <a:defRPr sz="1600" b="1"/>
+              <a:defRPr sz="1200" b="1"/>
             </a:lvl9pPr>
           </a:lstStyle>
           <a:p>
@@ -5310,7 +5508,13 @@
       </p:sp>
       <p:sp>
         <p:nvSpPr>
-          <p:cNvPr id="4" name="Content Placeholder 3"/>
+          <p:cNvPr id="4" name="Content Placeholder 3">
+            <a:extLst>
+              <a:ext uri="{FF2B5EF4-FFF2-40B4-BE49-F238E27FC236}">
+                <a16:creationId xmlns:a16="http://schemas.microsoft.com/office/drawing/2014/main" id="{8D5EF527-2B1B-E437-EF66-8CFDF486B83B}"/>
+              </a:ext>
+            </a:extLst>
+          </p:cNvPr>
           <p:cNvSpPr>
             <a:spLocks noGrp="1"/>
           </p:cNvSpPr>
@@ -5320,41 +5524,13 @@
         </p:nvSpPr>
         <p:spPr>
           <a:xfrm>
-            <a:off x="457200" y="2174875"/>
-            <a:ext cx="4040188" cy="3951288"/>
+            <a:off x="629842" y="2505075"/>
+            <a:ext cx="3868340" cy="3684588"/>
           </a:xfrm>
         </p:spPr>
         <p:txBody>
           <a:bodyPr/>
-          <a:lstStyle>
-            <a:lvl1pPr>
-              <a:defRPr sz="2400"/>
-            </a:lvl1pPr>
-            <a:lvl2pPr>
-              <a:defRPr sz="2000"/>
-            </a:lvl2pPr>
-            <a:lvl3pPr>
-              <a:defRPr sz="1800"/>
-            </a:lvl3pPr>
-            <a:lvl4pPr>
-              <a:defRPr sz="1600"/>
-            </a:lvl4pPr>
-            <a:lvl5pPr>
-              <a:defRPr sz="1600"/>
-            </a:lvl5pPr>
-            <a:lvl6pPr>
-              <a:defRPr sz="1600"/>
-            </a:lvl6pPr>
-            <a:lvl7pPr>
-              <a:defRPr sz="1600"/>
-            </a:lvl7pPr>
-            <a:lvl8pPr>
-              <a:defRPr sz="1600"/>
-            </a:lvl8pPr>
-            <a:lvl9pPr>
-              <a:defRPr sz="1600"/>
-            </a:lvl9pPr>
-          </a:lstStyle>
+          <a:lstStyle/>
           <a:p>
             <a:pPr lvl="0"/>
             <a:r>
@@ -5394,7 +5570,13 @@
       </p:sp>
       <p:sp>
         <p:nvSpPr>
-          <p:cNvPr id="5" name="Text Placeholder 4"/>
+          <p:cNvPr id="5" name="Text Placeholder 4">
+            <a:extLst>
+              <a:ext uri="{FF2B5EF4-FFF2-40B4-BE49-F238E27FC236}">
+                <a16:creationId xmlns:a16="http://schemas.microsoft.com/office/drawing/2014/main" id="{6BF4C7DB-7910-5137-474D-91D33362976E}"/>
+              </a:ext>
+            </a:extLst>
+          </p:cNvPr>
           <p:cNvSpPr>
             <a:spLocks noGrp="1"/>
           </p:cNvSpPr>
@@ -5404,8 +5586,8 @@
         </p:nvSpPr>
         <p:spPr>
           <a:xfrm>
-            <a:off x="4645025" y="1535113"/>
-            <a:ext cx="4041775" cy="639762"/>
+            <a:off x="4629150" y="1681163"/>
+            <a:ext cx="3887391" cy="823912"/>
           </a:xfrm>
         </p:spPr>
         <p:txBody>
@@ -5413,39 +5595,39 @@
           <a:lstStyle>
             <a:lvl1pPr marL="0" indent="0">
               <a:buNone/>
-              <a:defRPr sz="2400" b="1"/>
+              <a:defRPr sz="1800" b="1"/>
             </a:lvl1pPr>
-            <a:lvl2pPr marL="457200" indent="0">
+            <a:lvl2pPr marL="342900" indent="0">
               <a:buNone/>
-              <a:defRPr sz="2000" b="1"/>
+              <a:defRPr sz="1500" b="1"/>
             </a:lvl2pPr>
-            <a:lvl3pPr marL="914400" indent="0">
+            <a:lvl3pPr marL="685800" indent="0">
               <a:buNone/>
-              <a:defRPr sz="1800" b="1"/>
+              <a:defRPr sz="1350" b="1"/>
             </a:lvl3pPr>
-            <a:lvl4pPr marL="1371600" indent="0">
+            <a:lvl4pPr marL="1028700" indent="0">
               <a:buNone/>
-              <a:defRPr sz="1600" b="1"/>
+              <a:defRPr sz="1200" b="1"/>
             </a:lvl4pPr>
-            <a:lvl5pPr marL="1828800" indent="0">
+            <a:lvl5pPr marL="1371600" indent="0">
               <a:buNone/>
-              <a:defRPr sz="1600" b="1"/>
+              <a:defRPr sz="1200" b="1"/>
             </a:lvl5pPr>
-            <a:lvl6pPr marL="2286000" indent="0">
+            <a:lvl6pPr marL="1714500" indent="0">
               <a:buNone/>
-              <a:defRPr sz="1600" b="1"/>
+              <a:defRPr sz="1200" b="1"/>
             </a:lvl6pPr>
-            <a:lvl7pPr marL="2743200" indent="0">
+            <a:lvl7pPr marL="2057400" indent="0">
               <a:buNone/>
-              <a:defRPr sz="1600" b="1"/>
+              <a:defRPr sz="1200" b="1"/>
             </a:lvl7pPr>
-            <a:lvl8pPr marL="3200400" indent="0">
+            <a:lvl8pPr marL="2400300" indent="0">
               <a:buNone/>
-              <a:defRPr sz="1600" b="1"/>
+              <a:defRPr sz="1200" b="1"/>
             </a:lvl8pPr>
-            <a:lvl9pPr marL="3657600" indent="0">
+            <a:lvl9pPr marL="2743200" indent="0">
               <a:buNone/>
-              <a:defRPr sz="1600" b="1"/>
+              <a:defRPr sz="1200" b="1"/>
             </a:lvl9pPr>
           </a:lstStyle>
           <a:p>
@@ -5459,7 +5641,13 @@
       </p:sp>
       <p:sp>
         <p:nvSpPr>
-          <p:cNvPr id="6" name="Content Placeholder 5"/>
+          <p:cNvPr id="6" name="Content Placeholder 5">
+            <a:extLst>
+              <a:ext uri="{FF2B5EF4-FFF2-40B4-BE49-F238E27FC236}">
+                <a16:creationId xmlns:a16="http://schemas.microsoft.com/office/drawing/2014/main" id="{378B88D5-9CEE-A329-0B2F-792A052ED7F0}"/>
+              </a:ext>
+            </a:extLst>
+          </p:cNvPr>
           <p:cNvSpPr>
             <a:spLocks noGrp="1"/>
           </p:cNvSpPr>
@@ -5469,41 +5657,13 @@
         </p:nvSpPr>
         <p:spPr>
           <a:xfrm>
-            <a:off x="4645025" y="2174875"/>
-            <a:ext cx="4041775" cy="3951288"/>
+            <a:off x="4629150" y="2505075"/>
+            <a:ext cx="3887391" cy="3684588"/>
           </a:xfrm>
         </p:spPr>
         <p:txBody>
           <a:bodyPr/>
-          <a:lstStyle>
-            <a:lvl1pPr>
-              <a:defRPr sz="2400"/>
-            </a:lvl1pPr>
-            <a:lvl2pPr>
-              <a:defRPr sz="2000"/>
-            </a:lvl2pPr>
-            <a:lvl3pPr>
-              <a:defRPr sz="1800"/>
-            </a:lvl3pPr>
-            <a:lvl4pPr>
-              <a:defRPr sz="1600"/>
-            </a:lvl4pPr>
-            <a:lvl5pPr>
-              <a:defRPr sz="1600"/>
-            </a:lvl5pPr>
-            <a:lvl6pPr>
-              <a:defRPr sz="1600"/>
-            </a:lvl6pPr>
-            <a:lvl7pPr>
-              <a:defRPr sz="1600"/>
-            </a:lvl7pPr>
-            <a:lvl8pPr>
-              <a:defRPr sz="1600"/>
-            </a:lvl8pPr>
-            <a:lvl9pPr>
-              <a:defRPr sz="1600"/>
-            </a:lvl9pPr>
-          </a:lstStyle>
+          <a:lstStyle/>
           <a:p>
             <a:pPr lvl="0"/>
             <a:r>
@@ -5543,24 +5703,24 @@
       </p:sp>
       <p:sp>
         <p:nvSpPr>
-          <p:cNvPr id="7" name="Rectangle 14"/>
+          <p:cNvPr id="7" name="Date Placeholder 6">
+            <a:extLst>
+              <a:ext uri="{FF2B5EF4-FFF2-40B4-BE49-F238E27FC236}">
+                <a16:creationId xmlns:a16="http://schemas.microsoft.com/office/drawing/2014/main" id="{0E9793CD-5C0C-930A-970D-D74407CCB333}"/>
+              </a:ext>
+            </a:extLst>
+          </p:cNvPr>
           <p:cNvSpPr>
-            <a:spLocks noGrp="1" noChangeArrowheads="1"/>
+            <a:spLocks noGrp="1"/>
           </p:cNvSpPr>
           <p:nvPr>
             <p:ph type="dt" sz="half" idx="10"/>
           </p:nvPr>
         </p:nvSpPr>
-        <p:spPr>
-          <a:ln/>
-        </p:spPr>
+        <p:spPr/>
         <p:txBody>
           <a:bodyPr/>
-          <a:lstStyle>
-            <a:lvl1pPr>
-              <a:defRPr/>
-            </a:lvl1pPr>
-          </a:lstStyle>
+          <a:lstStyle/>
           <a:p>
             <a:pPr>
               <a:defRPr/>
@@ -5571,24 +5731,24 @@
       </p:sp>
       <p:sp>
         <p:nvSpPr>
-          <p:cNvPr id="8" name="Rectangle 15"/>
+          <p:cNvPr id="8" name="Footer Placeholder 7">
+            <a:extLst>
+              <a:ext uri="{FF2B5EF4-FFF2-40B4-BE49-F238E27FC236}">
+                <a16:creationId xmlns:a16="http://schemas.microsoft.com/office/drawing/2014/main" id="{9B2E7392-DEA6-6E22-A3D6-444F7D51D92C}"/>
+              </a:ext>
+            </a:extLst>
+          </p:cNvPr>
           <p:cNvSpPr>
-            <a:spLocks noGrp="1" noChangeArrowheads="1"/>
+            <a:spLocks noGrp="1"/>
           </p:cNvSpPr>
           <p:nvPr>
             <p:ph type="ftr" sz="quarter" idx="11"/>
           </p:nvPr>
         </p:nvSpPr>
-        <p:spPr>
-          <a:ln/>
-        </p:spPr>
+        <p:spPr/>
         <p:txBody>
           <a:bodyPr/>
-          <a:lstStyle>
-            <a:lvl1pPr>
-              <a:defRPr/>
-            </a:lvl1pPr>
-          </a:lstStyle>
+          <a:lstStyle/>
           <a:p>
             <a:pPr>
               <a:defRPr/>
@@ -5599,30 +5759,30 @@
       </p:sp>
       <p:sp>
         <p:nvSpPr>
-          <p:cNvPr id="9" name="Rectangle 16"/>
+          <p:cNvPr id="9" name="Slide Number Placeholder 8">
+            <a:extLst>
+              <a:ext uri="{FF2B5EF4-FFF2-40B4-BE49-F238E27FC236}">
+                <a16:creationId xmlns:a16="http://schemas.microsoft.com/office/drawing/2014/main" id="{CEDD583C-8839-1709-09D7-C7EE63C3C721}"/>
+              </a:ext>
+            </a:extLst>
+          </p:cNvPr>
           <p:cNvSpPr>
-            <a:spLocks noGrp="1" noChangeArrowheads="1"/>
+            <a:spLocks noGrp="1"/>
           </p:cNvSpPr>
           <p:nvPr>
             <p:ph type="sldNum" sz="quarter" idx="12"/>
           </p:nvPr>
         </p:nvSpPr>
-        <p:spPr>
-          <a:ln/>
-        </p:spPr>
+        <p:spPr/>
         <p:txBody>
           <a:bodyPr/>
-          <a:lstStyle>
-            <a:lvl1pPr>
-              <a:defRPr/>
-            </a:lvl1pPr>
-          </a:lstStyle>
+          <a:lstStyle/>
           <a:p>
             <a:pPr>
               <a:defRPr/>
             </a:pPr>
             <a:fld id="{E8DEFB5A-64A6-F140-A391-B0801BFA2F38}" type="slidenum">
-              <a:rPr lang="en-US"/>
+              <a:rPr lang="en-US" smtClean="0"/>
               <a:pPr>
                 <a:defRPr/>
               </a:pPr>
@@ -5633,6 +5793,11 @@
         </p:txBody>
       </p:sp>
     </p:spTree>
+    <p:extLst>
+      <p:ext uri="{BB962C8B-B14F-4D97-AF65-F5344CB8AC3E}">
+        <p14:creationId xmlns:p14="http://schemas.microsoft.com/office/powerpoint/2010/main" val="2426829448"/>
+      </p:ext>
+    </p:extLst>
   </p:cSld>
   <p:clrMapOvr>
     <a:masterClrMapping/>
@@ -5659,7 +5824,13 @@
       </p:grpSpPr>
       <p:sp>
         <p:nvSpPr>
-          <p:cNvPr id="2" name="Title 1"/>
+          <p:cNvPr id="2" name="Title 1">
+            <a:extLst>
+              <a:ext uri="{FF2B5EF4-FFF2-40B4-BE49-F238E27FC236}">
+                <a16:creationId xmlns:a16="http://schemas.microsoft.com/office/drawing/2014/main" id="{B2F62AFC-1B1B-8658-51F6-344E02F09EB7}"/>
+              </a:ext>
+            </a:extLst>
+          </p:cNvPr>
           <p:cNvSpPr>
             <a:spLocks noGrp="1"/>
           </p:cNvSpPr>
@@ -5681,24 +5852,24 @@
       </p:sp>
       <p:sp>
         <p:nvSpPr>
-          <p:cNvPr id="3" name="Rectangle 14"/>
+          <p:cNvPr id="3" name="Date Placeholder 2">
+            <a:extLst>
+              <a:ext uri="{FF2B5EF4-FFF2-40B4-BE49-F238E27FC236}">
+                <a16:creationId xmlns:a16="http://schemas.microsoft.com/office/drawing/2014/main" id="{48B1F478-6092-DACB-BCF9-E9BC520F119B}"/>
+              </a:ext>
+            </a:extLst>
+          </p:cNvPr>
           <p:cNvSpPr>
-            <a:spLocks noGrp="1" noChangeArrowheads="1"/>
+            <a:spLocks noGrp="1"/>
           </p:cNvSpPr>
           <p:nvPr>
             <p:ph type="dt" sz="half" idx="10"/>
           </p:nvPr>
         </p:nvSpPr>
-        <p:spPr>
-          <a:ln/>
-        </p:spPr>
+        <p:spPr/>
         <p:txBody>
           <a:bodyPr/>
-          <a:lstStyle>
-            <a:lvl1pPr>
-              <a:defRPr/>
-            </a:lvl1pPr>
-          </a:lstStyle>
+          <a:lstStyle/>
           <a:p>
             <a:pPr>
               <a:defRPr/>
@@ -5709,24 +5880,24 @@
       </p:sp>
       <p:sp>
         <p:nvSpPr>
-          <p:cNvPr id="4" name="Rectangle 15"/>
+          <p:cNvPr id="4" name="Footer Placeholder 3">
+            <a:extLst>
+              <a:ext uri="{FF2B5EF4-FFF2-40B4-BE49-F238E27FC236}">
+                <a16:creationId xmlns:a16="http://schemas.microsoft.com/office/drawing/2014/main" id="{9648E342-4F61-F697-E457-2BB1CA7F5F56}"/>
+              </a:ext>
+            </a:extLst>
+          </p:cNvPr>
           <p:cNvSpPr>
-            <a:spLocks noGrp="1" noChangeArrowheads="1"/>
+            <a:spLocks noGrp="1"/>
           </p:cNvSpPr>
           <p:nvPr>
             <p:ph type="ftr" sz="quarter" idx="11"/>
           </p:nvPr>
         </p:nvSpPr>
-        <p:spPr>
-          <a:ln/>
-        </p:spPr>
+        <p:spPr/>
         <p:txBody>
           <a:bodyPr/>
-          <a:lstStyle>
-            <a:lvl1pPr>
-              <a:defRPr/>
-            </a:lvl1pPr>
-          </a:lstStyle>
+          <a:lstStyle/>
           <a:p>
             <a:pPr>
               <a:defRPr/>
@@ -5737,30 +5908,30 @@
       </p:sp>
       <p:sp>
         <p:nvSpPr>
-          <p:cNvPr id="5" name="Rectangle 16"/>
+          <p:cNvPr id="5" name="Slide Number Placeholder 4">
+            <a:extLst>
+              <a:ext uri="{FF2B5EF4-FFF2-40B4-BE49-F238E27FC236}">
+                <a16:creationId xmlns:a16="http://schemas.microsoft.com/office/drawing/2014/main" id="{D894758C-9840-9247-7BA9-5763B758CF0C}"/>
+              </a:ext>
+            </a:extLst>
+          </p:cNvPr>
           <p:cNvSpPr>
-            <a:spLocks noGrp="1" noChangeArrowheads="1"/>
+            <a:spLocks noGrp="1"/>
           </p:cNvSpPr>
           <p:nvPr>
             <p:ph type="sldNum" sz="quarter" idx="12"/>
           </p:nvPr>
         </p:nvSpPr>
-        <p:spPr>
-          <a:ln/>
-        </p:spPr>
+        <p:spPr/>
         <p:txBody>
           <a:bodyPr/>
-          <a:lstStyle>
-            <a:lvl1pPr>
-              <a:defRPr/>
-            </a:lvl1pPr>
-          </a:lstStyle>
+          <a:lstStyle/>
           <a:p>
             <a:pPr>
               <a:defRPr/>
             </a:pPr>
             <a:fld id="{4EC0F981-277B-684F-AAEB-A34E77847A0A}" type="slidenum">
-              <a:rPr lang="en-US"/>
+              <a:rPr lang="en-US" smtClean="0"/>
               <a:pPr>
                 <a:defRPr/>
               </a:pPr>
@@ -5771,6 +5942,11 @@
         </p:txBody>
       </p:sp>
     </p:spTree>
+    <p:extLst>
+      <p:ext uri="{BB962C8B-B14F-4D97-AF65-F5344CB8AC3E}">
+        <p14:creationId xmlns:p14="http://schemas.microsoft.com/office/powerpoint/2010/main" val="2560103759"/>
+      </p:ext>
+    </p:extLst>
   </p:cSld>
   <p:clrMapOvr>
     <a:masterClrMapping/>
@@ -5797,24 +5973,24 @@
       </p:grpSpPr>
       <p:sp>
         <p:nvSpPr>
-          <p:cNvPr id="2" name="Rectangle 14"/>
+          <p:cNvPr id="2" name="Date Placeholder 1">
+            <a:extLst>
+              <a:ext uri="{FF2B5EF4-FFF2-40B4-BE49-F238E27FC236}">
+                <a16:creationId xmlns:a16="http://schemas.microsoft.com/office/drawing/2014/main" id="{EF249711-EF80-059E-86EA-40C35E4EA96D}"/>
+              </a:ext>
+            </a:extLst>
+          </p:cNvPr>
           <p:cNvSpPr>
-            <a:spLocks noGrp="1" noChangeArrowheads="1"/>
+            <a:spLocks noGrp="1"/>
           </p:cNvSpPr>
           <p:nvPr>
             <p:ph type="dt" sz="half" idx="10"/>
           </p:nvPr>
         </p:nvSpPr>
-        <p:spPr>
-          <a:ln/>
-        </p:spPr>
+        <p:spPr/>
         <p:txBody>
           <a:bodyPr/>
-          <a:lstStyle>
-            <a:lvl1pPr>
-              <a:defRPr/>
-            </a:lvl1pPr>
-          </a:lstStyle>
+          <a:lstStyle/>
           <a:p>
             <a:pPr>
               <a:defRPr/>
@@ -5825,24 +6001,24 @@
       </p:sp>
       <p:sp>
         <p:nvSpPr>
-          <p:cNvPr id="3" name="Rectangle 15"/>
+          <p:cNvPr id="3" name="Footer Placeholder 2">
+            <a:extLst>
+              <a:ext uri="{FF2B5EF4-FFF2-40B4-BE49-F238E27FC236}">
+                <a16:creationId xmlns:a16="http://schemas.microsoft.com/office/drawing/2014/main" id="{BF858D5A-CA61-8C62-1D0A-DCAAD5359AEA}"/>
+              </a:ext>
+            </a:extLst>
+          </p:cNvPr>
           <p:cNvSpPr>
-            <a:spLocks noGrp="1" noChangeArrowheads="1"/>
+            <a:spLocks noGrp="1"/>
           </p:cNvSpPr>
           <p:nvPr>
             <p:ph type="ftr" sz="quarter" idx="11"/>
           </p:nvPr>
         </p:nvSpPr>
-        <p:spPr>
-          <a:ln/>
-        </p:spPr>
+        <p:spPr/>
         <p:txBody>
           <a:bodyPr/>
-          <a:lstStyle>
-            <a:lvl1pPr>
-              <a:defRPr/>
-            </a:lvl1pPr>
-          </a:lstStyle>
+          <a:lstStyle/>
           <a:p>
             <a:pPr>
               <a:defRPr/>
@@ -5853,30 +6029,30 @@
       </p:sp>
       <p:sp>
         <p:nvSpPr>
-          <p:cNvPr id="4" name="Rectangle 16"/>
+          <p:cNvPr id="4" name="Slide Number Placeholder 3">
+            <a:extLst>
+              <a:ext uri="{FF2B5EF4-FFF2-40B4-BE49-F238E27FC236}">
+                <a16:creationId xmlns:a16="http://schemas.microsoft.com/office/drawing/2014/main" id="{BA3BB1BA-527D-1BA2-53EA-B232C352CE7D}"/>
+              </a:ext>
+            </a:extLst>
+          </p:cNvPr>
           <p:cNvSpPr>
-            <a:spLocks noGrp="1" noChangeArrowheads="1"/>
+            <a:spLocks noGrp="1"/>
           </p:cNvSpPr>
           <p:nvPr>
             <p:ph type="sldNum" sz="quarter" idx="12"/>
           </p:nvPr>
         </p:nvSpPr>
-        <p:spPr>
-          <a:ln/>
-        </p:spPr>
+        <p:spPr/>
         <p:txBody>
           <a:bodyPr/>
-          <a:lstStyle>
-            <a:lvl1pPr>
-              <a:defRPr/>
-            </a:lvl1pPr>
-          </a:lstStyle>
+          <a:lstStyle/>
           <a:p>
             <a:pPr>
               <a:defRPr/>
             </a:pPr>
             <a:fld id="{33276C80-C17C-B849-A7BB-D707942CF59E}" type="slidenum">
-              <a:rPr lang="en-US"/>
+              <a:rPr lang="en-US" smtClean="0"/>
               <a:pPr>
                 <a:defRPr/>
               </a:pPr>
@@ -5887,6 +6063,11 @@
         </p:txBody>
       </p:sp>
     </p:spTree>
+    <p:extLst>
+      <p:ext uri="{BB962C8B-B14F-4D97-AF65-F5344CB8AC3E}">
+        <p14:creationId xmlns:p14="http://schemas.microsoft.com/office/powerpoint/2010/main" val="1534574252"/>
+      </p:ext>
+    </p:extLst>
   </p:cSld>
   <p:clrMapOvr>
     <a:masterClrMapping/>
@@ -5913,7 +6094,13 @@
       </p:grpSpPr>
       <p:sp>
         <p:nvSpPr>
-          <p:cNvPr id="2" name="Title 1"/>
+          <p:cNvPr id="2" name="Title 1">
+            <a:extLst>
+              <a:ext uri="{FF2B5EF4-FFF2-40B4-BE49-F238E27FC236}">
+                <a16:creationId xmlns:a16="http://schemas.microsoft.com/office/drawing/2014/main" id="{B8B3AE5A-E41D-3D8F-C0CC-07309295CC70}"/>
+              </a:ext>
+            </a:extLst>
+          </p:cNvPr>
           <p:cNvSpPr>
             <a:spLocks noGrp="1"/>
           </p:cNvSpPr>
@@ -5923,15 +6110,15 @@
         </p:nvSpPr>
         <p:spPr>
           <a:xfrm>
-            <a:off x="457200" y="273050"/>
-            <a:ext cx="3008313" cy="1162050"/>
+            <a:off x="629841" y="457200"/>
+            <a:ext cx="2949178" cy="1600200"/>
           </a:xfrm>
         </p:spPr>
         <p:txBody>
           <a:bodyPr anchor="b"/>
           <a:lstStyle>
-            <a:lvl1pPr algn="l">
-              <a:defRPr sz="2000" b="1"/>
+            <a:lvl1pPr>
+              <a:defRPr sz="2400"/>
             </a:lvl1pPr>
           </a:lstStyle>
           <a:p>
@@ -5944,7 +6131,13 @@
       </p:sp>
       <p:sp>
         <p:nvSpPr>
-          <p:cNvPr id="3" name="Content Placeholder 2"/>
+          <p:cNvPr id="3" name="Content Placeholder 2">
+            <a:extLst>
+              <a:ext uri="{FF2B5EF4-FFF2-40B4-BE49-F238E27FC236}">
+                <a16:creationId xmlns:a16="http://schemas.microsoft.com/office/drawing/2014/main" id="{60A20DC0-0273-9BD4-C732-2E24690DB892}"/>
+              </a:ext>
+            </a:extLst>
+          </p:cNvPr>
           <p:cNvSpPr>
             <a:spLocks noGrp="1"/>
           </p:cNvSpPr>
@@ -5954,39 +6147,39 @@
         </p:nvSpPr>
         <p:spPr>
           <a:xfrm>
-            <a:off x="3575050" y="273050"/>
-            <a:ext cx="5111750" cy="5853113"/>
+            <a:off x="3887391" y="987426"/>
+            <a:ext cx="4629150" cy="4873625"/>
           </a:xfrm>
         </p:spPr>
         <p:txBody>
           <a:bodyPr/>
           <a:lstStyle>
             <a:lvl1pPr>
-              <a:defRPr sz="3200"/>
+              <a:defRPr sz="2400"/>
             </a:lvl1pPr>
             <a:lvl2pPr>
-              <a:defRPr sz="2800"/>
+              <a:defRPr sz="2100"/>
             </a:lvl2pPr>
             <a:lvl3pPr>
-              <a:defRPr sz="2400"/>
+              <a:defRPr sz="1800"/>
             </a:lvl3pPr>
             <a:lvl4pPr>
-              <a:defRPr sz="2000"/>
+              <a:defRPr sz="1500"/>
             </a:lvl4pPr>
             <a:lvl5pPr>
-              <a:defRPr sz="2000"/>
+              <a:defRPr sz="1500"/>
             </a:lvl5pPr>
             <a:lvl6pPr>
-              <a:defRPr sz="2000"/>
+              <a:defRPr sz="1500"/>
             </a:lvl6pPr>
             <a:lvl7pPr>
-              <a:defRPr sz="2000"/>
+              <a:defRPr sz="1500"/>
             </a:lvl7pPr>
             <a:lvl8pPr>
-              <a:defRPr sz="2000"/>
+              <a:defRPr sz="1500"/>
             </a:lvl8pPr>
             <a:lvl9pPr>
-              <a:defRPr sz="2000"/>
+              <a:defRPr sz="1500"/>
             </a:lvl9pPr>
           </a:lstStyle>
           <a:p>
@@ -6028,7 +6221,13 @@
       </p:sp>
       <p:sp>
         <p:nvSpPr>
-          <p:cNvPr id="4" name="Text Placeholder 3"/>
+          <p:cNvPr id="4" name="Text Placeholder 3">
+            <a:extLst>
+              <a:ext uri="{FF2B5EF4-FFF2-40B4-BE49-F238E27FC236}">
+                <a16:creationId xmlns:a16="http://schemas.microsoft.com/office/drawing/2014/main" id="{F09F46B1-6347-6F1F-033F-7E87EBFAC808}"/>
+              </a:ext>
+            </a:extLst>
+          </p:cNvPr>
           <p:cNvSpPr>
             <a:spLocks noGrp="1"/>
           </p:cNvSpPr>
@@ -6038,8 +6237,8 @@
         </p:nvSpPr>
         <p:spPr>
           <a:xfrm>
-            <a:off x="457200" y="1435100"/>
-            <a:ext cx="3008313" cy="4691063"/>
+            <a:off x="629841" y="2057400"/>
+            <a:ext cx="2949178" cy="3811588"/>
           </a:xfrm>
         </p:spPr>
         <p:txBody>
@@ -6047,39 +6246,39 @@
           <a:lstStyle>
             <a:lvl1pPr marL="0" indent="0">
               <a:buNone/>
-              <a:defRPr sz="1400"/>
+              <a:defRPr sz="1200"/>
             </a:lvl1pPr>
-            <a:lvl2pPr marL="457200" indent="0">
+            <a:lvl2pPr marL="342900" indent="0">
               <a:buNone/>
-              <a:defRPr sz="1200"/>
+              <a:defRPr sz="1050"/>
             </a:lvl2pPr>
-            <a:lvl3pPr marL="914400" indent="0">
-              <a:buNone/>
-              <a:defRPr sz="1000"/>
-            </a:lvl3pPr>
-            <a:lvl4pPr marL="1371600" indent="0">
+            <a:lvl3pPr marL="685800" indent="0">
               <a:buNone/>
               <a:defRPr sz="900"/>
+            </a:lvl3pPr>
+            <a:lvl4pPr marL="1028700" indent="0">
+              <a:buNone/>
+              <a:defRPr sz="750"/>
             </a:lvl4pPr>
-            <a:lvl5pPr marL="1828800" indent="0">
+            <a:lvl5pPr marL="1371600" indent="0">
               <a:buNone/>
-              <a:defRPr sz="900"/>
+              <a:defRPr sz="750"/>
             </a:lvl5pPr>
-            <a:lvl6pPr marL="2286000" indent="0">
+            <a:lvl6pPr marL="1714500" indent="0">
               <a:buNone/>
-              <a:defRPr sz="900"/>
+              <a:defRPr sz="750"/>
             </a:lvl6pPr>
-            <a:lvl7pPr marL="2743200" indent="0">
+            <a:lvl7pPr marL="2057400" indent="0">
               <a:buNone/>
-              <a:defRPr sz="900"/>
+              <a:defRPr sz="750"/>
             </a:lvl7pPr>
-            <a:lvl8pPr marL="3200400" indent="0">
+            <a:lvl8pPr marL="2400300" indent="0">
               <a:buNone/>
-              <a:defRPr sz="900"/>
+              <a:defRPr sz="750"/>
             </a:lvl8pPr>
-            <a:lvl9pPr marL="3657600" indent="0">
+            <a:lvl9pPr marL="2743200" indent="0">
               <a:buNone/>
-              <a:defRPr sz="900"/>
+              <a:defRPr sz="750"/>
             </a:lvl9pPr>
           </a:lstStyle>
           <a:p>
@@ -6093,24 +6292,24 @@
       </p:sp>
       <p:sp>
         <p:nvSpPr>
-          <p:cNvPr id="5" name="Rectangle 14"/>
+          <p:cNvPr id="5" name="Date Placeholder 4">
+            <a:extLst>
+              <a:ext uri="{FF2B5EF4-FFF2-40B4-BE49-F238E27FC236}">
+                <a16:creationId xmlns:a16="http://schemas.microsoft.com/office/drawing/2014/main" id="{DF565221-D7B2-CD4B-0E53-9047985475DA}"/>
+              </a:ext>
+            </a:extLst>
+          </p:cNvPr>
           <p:cNvSpPr>
-            <a:spLocks noGrp="1" noChangeArrowheads="1"/>
+            <a:spLocks noGrp="1"/>
           </p:cNvSpPr>
           <p:nvPr>
             <p:ph type="dt" sz="half" idx="10"/>
           </p:nvPr>
         </p:nvSpPr>
-        <p:spPr>
-          <a:ln/>
-        </p:spPr>
+        <p:spPr/>
         <p:txBody>
           <a:bodyPr/>
-          <a:lstStyle>
-            <a:lvl1pPr>
-              <a:defRPr/>
-            </a:lvl1pPr>
-          </a:lstStyle>
+          <a:lstStyle/>
           <a:p>
             <a:pPr>
               <a:defRPr/>
@@ -6121,24 +6320,24 @@
       </p:sp>
       <p:sp>
         <p:nvSpPr>
-          <p:cNvPr id="6" name="Rectangle 15"/>
+          <p:cNvPr id="6" name="Footer Placeholder 5">
+            <a:extLst>
+              <a:ext uri="{FF2B5EF4-FFF2-40B4-BE49-F238E27FC236}">
+                <a16:creationId xmlns:a16="http://schemas.microsoft.com/office/drawing/2014/main" id="{CA2F81AD-8E0D-6F1D-FE5F-284F69803D96}"/>
+              </a:ext>
+            </a:extLst>
+          </p:cNvPr>
           <p:cNvSpPr>
-            <a:spLocks noGrp="1" noChangeArrowheads="1"/>
+            <a:spLocks noGrp="1"/>
           </p:cNvSpPr>
           <p:nvPr>
             <p:ph type="ftr" sz="quarter" idx="11"/>
           </p:nvPr>
         </p:nvSpPr>
-        <p:spPr>
-          <a:ln/>
-        </p:spPr>
+        <p:spPr/>
         <p:txBody>
           <a:bodyPr/>
-          <a:lstStyle>
-            <a:lvl1pPr>
-              <a:defRPr/>
-            </a:lvl1pPr>
-          </a:lstStyle>
+          <a:lstStyle/>
           <a:p>
             <a:pPr>
               <a:defRPr/>
@@ -6149,30 +6348,30 @@
       </p:sp>
       <p:sp>
         <p:nvSpPr>
-          <p:cNvPr id="7" name="Rectangle 16"/>
+          <p:cNvPr id="7" name="Slide Number Placeholder 6">
+            <a:extLst>
+              <a:ext uri="{FF2B5EF4-FFF2-40B4-BE49-F238E27FC236}">
+                <a16:creationId xmlns:a16="http://schemas.microsoft.com/office/drawing/2014/main" id="{0103AAE8-F0F5-C30A-D647-0E46DC097B71}"/>
+              </a:ext>
+            </a:extLst>
+          </p:cNvPr>
           <p:cNvSpPr>
-            <a:spLocks noGrp="1" noChangeArrowheads="1"/>
+            <a:spLocks noGrp="1"/>
           </p:cNvSpPr>
           <p:nvPr>
             <p:ph type="sldNum" sz="quarter" idx="12"/>
           </p:nvPr>
         </p:nvSpPr>
-        <p:spPr>
-          <a:ln/>
-        </p:spPr>
+        <p:spPr/>
         <p:txBody>
           <a:bodyPr/>
-          <a:lstStyle>
-            <a:lvl1pPr>
-              <a:defRPr/>
-            </a:lvl1pPr>
-          </a:lstStyle>
+          <a:lstStyle/>
           <a:p>
             <a:pPr>
               <a:defRPr/>
             </a:pPr>
             <a:fld id="{4E9B9732-B1FD-164D-AD68-D75168F368FF}" type="slidenum">
-              <a:rPr lang="en-US"/>
+              <a:rPr lang="en-US" smtClean="0"/>
               <a:pPr>
                 <a:defRPr/>
               </a:pPr>
@@ -6183,6 +6382,11 @@
         </p:txBody>
       </p:sp>
     </p:spTree>
+    <p:extLst>
+      <p:ext uri="{BB962C8B-B14F-4D97-AF65-F5344CB8AC3E}">
+        <p14:creationId xmlns:p14="http://schemas.microsoft.com/office/powerpoint/2010/main" val="766914375"/>
+      </p:ext>
+    </p:extLst>
   </p:cSld>
   <p:clrMapOvr>
     <a:masterClrMapping/>
@@ -6209,7 +6413,13 @@
       </p:grpSpPr>
       <p:sp>
         <p:nvSpPr>
-          <p:cNvPr id="2" name="Title 1"/>
+          <p:cNvPr id="2" name="Title 1">
+            <a:extLst>
+              <a:ext uri="{FF2B5EF4-FFF2-40B4-BE49-F238E27FC236}">
+                <a16:creationId xmlns:a16="http://schemas.microsoft.com/office/drawing/2014/main" id="{45AFF9A3-309F-1858-23B8-0EA2A620E1F3}"/>
+              </a:ext>
+            </a:extLst>
+          </p:cNvPr>
           <p:cNvSpPr>
             <a:spLocks noGrp="1"/>
           </p:cNvSpPr>
@@ -6219,15 +6429,15 @@
         </p:nvSpPr>
         <p:spPr>
           <a:xfrm>
-            <a:off x="1792288" y="4800600"/>
-            <a:ext cx="5486400" cy="566738"/>
+            <a:off x="629841" y="457200"/>
+            <a:ext cx="2949178" cy="1600200"/>
           </a:xfrm>
         </p:spPr>
         <p:txBody>
           <a:bodyPr anchor="b"/>
           <a:lstStyle>
-            <a:lvl1pPr algn="l">
-              <a:defRPr sz="2000" b="1"/>
+            <a:lvl1pPr>
+              <a:defRPr sz="2400"/>
             </a:lvl1pPr>
           </a:lstStyle>
           <a:p>
@@ -6240,7 +6450,13 @@
       </p:sp>
       <p:sp>
         <p:nvSpPr>
-          <p:cNvPr id="3" name="Picture Placeholder 2"/>
+          <p:cNvPr id="3" name="Picture Placeholder 2">
+            <a:extLst>
+              <a:ext uri="{FF2B5EF4-FFF2-40B4-BE49-F238E27FC236}">
+                <a16:creationId xmlns:a16="http://schemas.microsoft.com/office/drawing/2014/main" id="{E7FEC4AC-8F75-48A7-D533-B716A09B50E8}"/>
+              </a:ext>
+            </a:extLst>
+          </p:cNvPr>
           <p:cNvSpPr>
             <a:spLocks noGrp="1"/>
           </p:cNvSpPr>
@@ -6250,8 +6466,8 @@
         </p:nvSpPr>
         <p:spPr>
           <a:xfrm>
-            <a:off x="1792288" y="612775"/>
-            <a:ext cx="5486400" cy="4114800"/>
+            <a:off x="3887391" y="987426"/>
+            <a:ext cx="4629150" cy="4873625"/>
           </a:xfrm>
         </p:spPr>
         <p:txBody>
@@ -6259,50 +6475,55 @@
           <a:lstStyle>
             <a:lvl1pPr marL="0" indent="0">
               <a:buNone/>
-              <a:defRPr sz="3200"/>
+              <a:defRPr sz="2400"/>
             </a:lvl1pPr>
-            <a:lvl2pPr marL="457200" indent="0">
+            <a:lvl2pPr marL="342900" indent="0">
               <a:buNone/>
-              <a:defRPr sz="2800"/>
+              <a:defRPr sz="2100"/>
             </a:lvl2pPr>
-            <a:lvl3pPr marL="914400" indent="0">
+            <a:lvl3pPr marL="685800" indent="0">
               <a:buNone/>
-              <a:defRPr sz="2400"/>
+              <a:defRPr sz="1800"/>
             </a:lvl3pPr>
-            <a:lvl4pPr marL="1371600" indent="0">
+            <a:lvl4pPr marL="1028700" indent="0">
               <a:buNone/>
-              <a:defRPr sz="2000"/>
+              <a:defRPr sz="1500"/>
             </a:lvl4pPr>
-            <a:lvl5pPr marL="1828800" indent="0">
+            <a:lvl5pPr marL="1371600" indent="0">
               <a:buNone/>
-              <a:defRPr sz="2000"/>
+              <a:defRPr sz="1500"/>
             </a:lvl5pPr>
-            <a:lvl6pPr marL="2286000" indent="0">
+            <a:lvl6pPr marL="1714500" indent="0">
               <a:buNone/>
-              <a:defRPr sz="2000"/>
+              <a:defRPr sz="1500"/>
             </a:lvl6pPr>
-            <a:lvl7pPr marL="2743200" indent="0">
+            <a:lvl7pPr marL="2057400" indent="0">
               <a:buNone/>
-              <a:defRPr sz="2000"/>
+              <a:defRPr sz="1500"/>
             </a:lvl7pPr>
-            <a:lvl8pPr marL="3200400" indent="0">
+            <a:lvl8pPr marL="2400300" indent="0">
               <a:buNone/>
-              <a:defRPr sz="2000"/>
+              <a:defRPr sz="1500"/>
             </a:lvl8pPr>
-            <a:lvl9pPr marL="3657600" indent="0">
+            <a:lvl9pPr marL="2743200" indent="0">
               <a:buNone/>
-              <a:defRPr sz="2000"/>
+              <a:defRPr sz="1500"/>
             </a:lvl9pPr>
           </a:lstStyle>
           <a:p>
-            <a:pPr lvl="0"/>
-            <a:endParaRPr lang="en-US" noProof="0"/>
-          </a:p>
-        </p:txBody>
-      </p:sp>
-      <p:sp>
-        <p:nvSpPr>
-          <p:cNvPr id="4" name="Text Placeholder 3"/>
+            <a:endParaRPr lang="en-US"/>
+          </a:p>
+        </p:txBody>
+      </p:sp>
+      <p:sp>
+        <p:nvSpPr>
+          <p:cNvPr id="4" name="Text Placeholder 3">
+            <a:extLst>
+              <a:ext uri="{FF2B5EF4-FFF2-40B4-BE49-F238E27FC236}">
+                <a16:creationId xmlns:a16="http://schemas.microsoft.com/office/drawing/2014/main" id="{D1F98C99-D904-DE64-80DF-852B9B922C2E}"/>
+              </a:ext>
+            </a:extLst>
+          </p:cNvPr>
           <p:cNvSpPr>
             <a:spLocks noGrp="1"/>
           </p:cNvSpPr>
@@ -6312,8 +6533,8 @@
         </p:nvSpPr>
         <p:spPr>
           <a:xfrm>
-            <a:off x="1792288" y="5367338"/>
-            <a:ext cx="5486400" cy="804862"/>
+            <a:off x="629841" y="2057400"/>
+            <a:ext cx="2949178" cy="3811588"/>
           </a:xfrm>
         </p:spPr>
         <p:txBody>
@@ -6321,39 +6542,39 @@
           <a:lstStyle>
             <a:lvl1pPr marL="0" indent="0">
               <a:buNone/>
-              <a:defRPr sz="1400"/>
+              <a:defRPr sz="1200"/>
             </a:lvl1pPr>
-            <a:lvl2pPr marL="457200" indent="0">
+            <a:lvl2pPr marL="342900" indent="0">
               <a:buNone/>
-              <a:defRPr sz="1200"/>
+              <a:defRPr sz="1050"/>
             </a:lvl2pPr>
-            <a:lvl3pPr marL="914400" indent="0">
-              <a:buNone/>
-              <a:defRPr sz="1000"/>
-            </a:lvl3pPr>
-            <a:lvl4pPr marL="1371600" indent="0">
+            <a:lvl3pPr marL="685800" indent="0">
               <a:buNone/>
               <a:defRPr sz="900"/>
+            </a:lvl3pPr>
+            <a:lvl4pPr marL="1028700" indent="0">
+              <a:buNone/>
+              <a:defRPr sz="750"/>
             </a:lvl4pPr>
-            <a:lvl5pPr marL="1828800" indent="0">
+            <a:lvl5pPr marL="1371600" indent="0">
               <a:buNone/>
-              <a:defRPr sz="900"/>
+              <a:defRPr sz="750"/>
             </a:lvl5pPr>
-            <a:lvl6pPr marL="2286000" indent="0">
+            <a:lvl6pPr marL="1714500" indent="0">
               <a:buNone/>
-              <a:defRPr sz="900"/>
+              <a:defRPr sz="750"/>
             </a:lvl6pPr>
-            <a:lvl7pPr marL="2743200" indent="0">
+            <a:lvl7pPr marL="2057400" indent="0">
               <a:buNone/>
-              <a:defRPr sz="900"/>
+              <a:defRPr sz="750"/>
             </a:lvl7pPr>
-            <a:lvl8pPr marL="3200400" indent="0">
+            <a:lvl8pPr marL="2400300" indent="0">
               <a:buNone/>
-              <a:defRPr sz="900"/>
+              <a:defRPr sz="750"/>
             </a:lvl8pPr>
-            <a:lvl9pPr marL="3657600" indent="0">
+            <a:lvl9pPr marL="2743200" indent="0">
               <a:buNone/>
-              <a:defRPr sz="900"/>
+              <a:defRPr sz="750"/>
             </a:lvl9pPr>
           </a:lstStyle>
           <a:p>
@@ -6367,24 +6588,24 @@
       </p:sp>
       <p:sp>
         <p:nvSpPr>
-          <p:cNvPr id="5" name="Rectangle 14"/>
+          <p:cNvPr id="5" name="Date Placeholder 4">
+            <a:extLst>
+              <a:ext uri="{FF2B5EF4-FFF2-40B4-BE49-F238E27FC236}">
+                <a16:creationId xmlns:a16="http://schemas.microsoft.com/office/drawing/2014/main" id="{92A07D90-5BD1-D116-25E4-DD8943CC39D6}"/>
+              </a:ext>
+            </a:extLst>
+          </p:cNvPr>
           <p:cNvSpPr>
-            <a:spLocks noGrp="1" noChangeArrowheads="1"/>
+            <a:spLocks noGrp="1"/>
           </p:cNvSpPr>
           <p:nvPr>
             <p:ph type="dt" sz="half" idx="10"/>
           </p:nvPr>
         </p:nvSpPr>
-        <p:spPr>
-          <a:ln/>
-        </p:spPr>
+        <p:spPr/>
         <p:txBody>
           <a:bodyPr/>
-          <a:lstStyle>
-            <a:lvl1pPr>
-              <a:defRPr/>
-            </a:lvl1pPr>
-          </a:lstStyle>
+          <a:lstStyle/>
           <a:p>
             <a:pPr>
               <a:defRPr/>
@@ -6395,24 +6616,24 @@
       </p:sp>
       <p:sp>
         <p:nvSpPr>
-          <p:cNvPr id="6" name="Rectangle 15"/>
+          <p:cNvPr id="6" name="Footer Placeholder 5">
+            <a:extLst>
+              <a:ext uri="{FF2B5EF4-FFF2-40B4-BE49-F238E27FC236}">
+                <a16:creationId xmlns:a16="http://schemas.microsoft.com/office/drawing/2014/main" id="{BFF3C499-AFE4-F8DD-63B2-FE4399B73048}"/>
+              </a:ext>
+            </a:extLst>
+          </p:cNvPr>
           <p:cNvSpPr>
-            <a:spLocks noGrp="1" noChangeArrowheads="1"/>
+            <a:spLocks noGrp="1"/>
           </p:cNvSpPr>
           <p:nvPr>
             <p:ph type="ftr" sz="quarter" idx="11"/>
           </p:nvPr>
         </p:nvSpPr>
-        <p:spPr>
-          <a:ln/>
-        </p:spPr>
+        <p:spPr/>
         <p:txBody>
           <a:bodyPr/>
-          <a:lstStyle>
-            <a:lvl1pPr>
-              <a:defRPr/>
-            </a:lvl1pPr>
-          </a:lstStyle>
+          <a:lstStyle/>
           <a:p>
             <a:pPr>
               <a:defRPr/>
@@ -6423,30 +6644,30 @@
       </p:sp>
       <p:sp>
         <p:nvSpPr>
-          <p:cNvPr id="7" name="Rectangle 16"/>
+          <p:cNvPr id="7" name="Slide Number Placeholder 6">
+            <a:extLst>
+              <a:ext uri="{FF2B5EF4-FFF2-40B4-BE49-F238E27FC236}">
+                <a16:creationId xmlns:a16="http://schemas.microsoft.com/office/drawing/2014/main" id="{407B9D7A-FE03-8A70-1220-B5677D0B2AFD}"/>
+              </a:ext>
+            </a:extLst>
+          </p:cNvPr>
           <p:cNvSpPr>
-            <a:spLocks noGrp="1" noChangeArrowheads="1"/>
+            <a:spLocks noGrp="1"/>
           </p:cNvSpPr>
           <p:nvPr>
             <p:ph type="sldNum" sz="quarter" idx="12"/>
           </p:nvPr>
         </p:nvSpPr>
-        <p:spPr>
-          <a:ln/>
-        </p:spPr>
+        <p:spPr/>
         <p:txBody>
           <a:bodyPr/>
-          <a:lstStyle>
-            <a:lvl1pPr>
-              <a:defRPr/>
-            </a:lvl1pPr>
-          </a:lstStyle>
+          <a:lstStyle/>
           <a:p>
             <a:pPr>
               <a:defRPr/>
             </a:pPr>
             <a:fld id="{B1F60BCE-8921-4E48-960B-3B67C08157ED}" type="slidenum">
-              <a:rPr lang="en-US"/>
+              <a:rPr lang="en-US" smtClean="0"/>
               <a:pPr>
                 <a:defRPr/>
               </a:pPr>
@@ -6457,6 +6678,11 @@
         </p:txBody>
       </p:sp>
     </p:spTree>
+    <p:extLst>
+      <p:ext uri="{BB962C8B-B14F-4D97-AF65-F5344CB8AC3E}">
+        <p14:creationId xmlns:p14="http://schemas.microsoft.com/office/powerpoint/2010/main" val="2176023054"/>
+      </p:ext>
+    </p:extLst>
   </p:cSld>
   <p:clrMapOvr>
     <a:masterClrMapping/>
@@ -6467,21 +6693,10 @@
 <file path=ppt/slideMasters/slideMaster1.xml><?xml version="1.0" encoding="utf-8"?>
 <p:sldMaster xmlns:a="http://schemas.openxmlformats.org/drawingml/2006/main" xmlns:r="http://schemas.openxmlformats.org/officeDocument/2006/relationships" xmlns:p="http://schemas.openxmlformats.org/presentationml/2006/main">
   <p:cSld>
-    <p:bg bwMode="invGray">
-      <p:bgPr>
-        <a:gradFill rotWithShape="0">
-          <a:gsLst>
-            <a:gs pos="0">
-              <a:schemeClr val="bg2"/>
-            </a:gs>
-            <a:gs pos="100000">
-              <a:schemeClr val="bg1"/>
-            </a:gs>
-          </a:gsLst>
-          <a:lin ang="0" scaled="1"/>
-        </a:gradFill>
-        <a:effectLst/>
-      </p:bgPr>
+    <p:bg>
+      <p:bgRef idx="1001">
+        <a:schemeClr val="bg1"/>
+      </p:bgRef>
     </p:bg>
     <p:spTree>
       <p:nvGrpSpPr>
@@ -6499,39 +6714,35 @@
       </p:grpSpPr>
       <p:sp>
         <p:nvSpPr>
-          <p:cNvPr id="1026" name="Rectangle 12"/>
+          <p:cNvPr id="2" name="Title Placeholder 1">
+            <a:extLst>
+              <a:ext uri="{FF2B5EF4-FFF2-40B4-BE49-F238E27FC236}">
+                <a16:creationId xmlns:a16="http://schemas.microsoft.com/office/drawing/2014/main" id="{4A3FDA2B-4896-7AA7-49D8-8798CDB2AAC3}"/>
+              </a:ext>
+            </a:extLst>
+          </p:cNvPr>
           <p:cNvSpPr>
-            <a:spLocks noGrp="1" noChangeArrowheads="1"/>
+            <a:spLocks noGrp="1"/>
           </p:cNvSpPr>
           <p:nvPr>
             <p:ph type="title"/>
           </p:nvPr>
         </p:nvSpPr>
-        <p:spPr bwMode="auto">
-          <a:xfrm>
-            <a:off x="0" y="0"/>
-            <a:ext cx="7772400" cy="1143000"/>
+        <p:spPr>
+          <a:xfrm>
+            <a:off x="628650" y="365126"/>
+            <a:ext cx="7886700" cy="1325563"/>
           </a:xfrm>
           <a:prstGeom prst="rect">
             <a:avLst/>
           </a:prstGeom>
-          <a:noFill/>
-          <a:ln w="9525">
-            <a:noFill/>
-            <a:miter lim="800000"/>
-            <a:headEnd/>
-            <a:tailEnd/>
-          </a:ln>
-        </p:spPr>
-        <p:txBody>
-          <a:bodyPr vert="horz" wrap="square" lIns="91440" tIns="45720" rIns="91440" bIns="45720" numCol="1" anchor="ctr" anchorCtr="0" compatLnSpc="1">
-            <a:prstTxWarp prst="textNoShape">
-              <a:avLst/>
-            </a:prstTxWarp>
+        </p:spPr>
+        <p:txBody>
+          <a:bodyPr vert="horz" lIns="91440" tIns="45720" rIns="91440" bIns="45720" rtlCol="0" anchor="ctr">
+            <a:normAutofit/>
           </a:bodyPr>
           <a:lstStyle/>
           <a:p>
-            <a:pPr lvl="0"/>
             <a:r>
               <a:rPr lang="en-US"/>
               <a:t>Click to edit Master title style</a:t>
@@ -6541,35 +6752,32 @@
       </p:sp>
       <p:sp>
         <p:nvSpPr>
-          <p:cNvPr id="1027" name="Rectangle 13"/>
+          <p:cNvPr id="3" name="Text Placeholder 2">
+            <a:extLst>
+              <a:ext uri="{FF2B5EF4-FFF2-40B4-BE49-F238E27FC236}">
+                <a16:creationId xmlns:a16="http://schemas.microsoft.com/office/drawing/2014/main" id="{E0DD4128-65B2-99AA-60EE-EEFF87E6A566}"/>
+              </a:ext>
+            </a:extLst>
+          </p:cNvPr>
           <p:cNvSpPr>
-            <a:spLocks noGrp="1" noChangeArrowheads="1"/>
+            <a:spLocks noGrp="1"/>
           </p:cNvSpPr>
           <p:nvPr>
             <p:ph type="body" idx="1"/>
           </p:nvPr>
         </p:nvSpPr>
-        <p:spPr bwMode="auto">
-          <a:xfrm>
-            <a:off x="685800" y="1981200"/>
-            <a:ext cx="7772400" cy="4114800"/>
+        <p:spPr>
+          <a:xfrm>
+            <a:off x="628650" y="1825625"/>
+            <a:ext cx="7886700" cy="4351338"/>
           </a:xfrm>
           <a:prstGeom prst="rect">
             <a:avLst/>
           </a:prstGeom>
-          <a:noFill/>
-          <a:ln w="9525">
-            <a:noFill/>
-            <a:miter lim="800000"/>
-            <a:headEnd/>
-            <a:tailEnd/>
-          </a:ln>
-        </p:spPr>
-        <p:txBody>
-          <a:bodyPr vert="horz" wrap="square" lIns="91440" tIns="45720" rIns="91440" bIns="45720" numCol="1" anchor="t" anchorCtr="0" compatLnSpc="1">
-            <a:prstTxWarp prst="textNoShape">
-              <a:avLst/>
-            </a:prstTxWarp>
+        </p:spPr>
+        <p:txBody>
+          <a:bodyPr vert="horz" lIns="91440" tIns="45720" rIns="91440" bIns="45720" rtlCol="0">
+            <a:normAutofit/>
           </a:bodyPr>
           <a:lstStyle/>
           <a:p>
@@ -6611,41 +6819,39 @@
       </p:sp>
       <p:sp>
         <p:nvSpPr>
-          <p:cNvPr id="3086" name="Rectangle 14"/>
+          <p:cNvPr id="4" name="Date Placeholder 3">
+            <a:extLst>
+              <a:ext uri="{FF2B5EF4-FFF2-40B4-BE49-F238E27FC236}">
+                <a16:creationId xmlns:a16="http://schemas.microsoft.com/office/drawing/2014/main" id="{73C80730-29B4-6D41-1F1D-A7735385D925}"/>
+              </a:ext>
+            </a:extLst>
+          </p:cNvPr>
           <p:cNvSpPr>
-            <a:spLocks noGrp="1" noChangeArrowheads="1"/>
+            <a:spLocks noGrp="1"/>
           </p:cNvSpPr>
           <p:nvPr>
             <p:ph type="dt" sz="half" idx="2"/>
           </p:nvPr>
         </p:nvSpPr>
-        <p:spPr bwMode="auto">
-          <a:xfrm>
-            <a:off x="685800" y="6248400"/>
-            <a:ext cx="1905000" cy="457200"/>
+        <p:spPr>
+          <a:xfrm>
+            <a:off x="628650" y="6356351"/>
+            <a:ext cx="2057400" cy="365125"/>
           </a:xfrm>
           <a:prstGeom prst="rect">
             <a:avLst/>
           </a:prstGeom>
-          <a:noFill/>
-          <a:ln w="9525">
-            <a:noFill/>
-            <a:miter lim="800000"/>
-            <a:headEnd/>
-            <a:tailEnd/>
-          </a:ln>
-          <a:effectLst/>
-        </p:spPr>
-        <p:txBody>
-          <a:bodyPr vert="horz" wrap="square" lIns="91440" tIns="45720" rIns="91440" bIns="45720" numCol="1" anchor="b" anchorCtr="0" compatLnSpc="1">
-            <a:prstTxWarp prst="textNoShape">
-              <a:avLst/>
-            </a:prstTxWarp>
-          </a:bodyPr>
+        </p:spPr>
+        <p:txBody>
+          <a:bodyPr vert="horz" lIns="91440" tIns="45720" rIns="91440" bIns="45720" rtlCol="0" anchor="ctr"/>
           <a:lstStyle>
-            <a:lvl1pPr eaLnBrk="1" hangingPunct="1">
-              <a:defRPr sz="1400">
-                <a:latin typeface="+mn-lt"/>
+            <a:lvl1pPr algn="l">
+              <a:defRPr sz="900">
+                <a:solidFill>
+                  <a:schemeClr val="tx1">
+                    <a:tint val="82000"/>
+                  </a:schemeClr>
+                </a:solidFill>
               </a:defRPr>
             </a:lvl1pPr>
           </a:lstStyle>
@@ -6659,41 +6865,39 @@
       </p:sp>
       <p:sp>
         <p:nvSpPr>
-          <p:cNvPr id="3087" name="Rectangle 15"/>
+          <p:cNvPr id="5" name="Footer Placeholder 4">
+            <a:extLst>
+              <a:ext uri="{FF2B5EF4-FFF2-40B4-BE49-F238E27FC236}">
+                <a16:creationId xmlns:a16="http://schemas.microsoft.com/office/drawing/2014/main" id="{63824DFE-E342-90B4-C2BD-F34B6D650F54}"/>
+              </a:ext>
+            </a:extLst>
+          </p:cNvPr>
           <p:cNvSpPr>
-            <a:spLocks noGrp="1" noChangeArrowheads="1"/>
+            <a:spLocks noGrp="1"/>
           </p:cNvSpPr>
           <p:nvPr>
             <p:ph type="ftr" sz="quarter" idx="3"/>
           </p:nvPr>
         </p:nvSpPr>
-        <p:spPr bwMode="auto">
-          <a:xfrm>
-            <a:off x="3124200" y="6248400"/>
-            <a:ext cx="2895600" cy="457200"/>
+        <p:spPr>
+          <a:xfrm>
+            <a:off x="3028950" y="6356351"/>
+            <a:ext cx="3086100" cy="365125"/>
           </a:xfrm>
           <a:prstGeom prst="rect">
             <a:avLst/>
           </a:prstGeom>
-          <a:noFill/>
-          <a:ln w="9525">
-            <a:noFill/>
-            <a:miter lim="800000"/>
-            <a:headEnd/>
-            <a:tailEnd/>
-          </a:ln>
-          <a:effectLst/>
-        </p:spPr>
-        <p:txBody>
-          <a:bodyPr vert="horz" wrap="square" lIns="91440" tIns="45720" rIns="91440" bIns="45720" numCol="1" anchor="b" anchorCtr="0" compatLnSpc="1">
-            <a:prstTxWarp prst="textNoShape">
-              <a:avLst/>
-            </a:prstTxWarp>
-          </a:bodyPr>
+        </p:spPr>
+        <p:txBody>
+          <a:bodyPr vert="horz" lIns="91440" tIns="45720" rIns="91440" bIns="45720" rtlCol="0" anchor="ctr"/>
           <a:lstStyle>
-            <a:lvl1pPr algn="ctr" eaLnBrk="1" hangingPunct="1">
-              <a:defRPr sz="1400">
-                <a:latin typeface="+mn-lt"/>
+            <a:lvl1pPr algn="ctr">
+              <a:defRPr sz="900">
+                <a:solidFill>
+                  <a:schemeClr val="tx1">
+                    <a:tint val="82000"/>
+                  </a:schemeClr>
+                </a:solidFill>
               </a:defRPr>
             </a:lvl1pPr>
           </a:lstStyle>
@@ -6707,41 +6911,39 @@
       </p:sp>
       <p:sp>
         <p:nvSpPr>
-          <p:cNvPr id="3088" name="Rectangle 16"/>
+          <p:cNvPr id="6" name="Slide Number Placeholder 5">
+            <a:extLst>
+              <a:ext uri="{FF2B5EF4-FFF2-40B4-BE49-F238E27FC236}">
+                <a16:creationId xmlns:a16="http://schemas.microsoft.com/office/drawing/2014/main" id="{03FE9BCE-CE43-558E-9B18-9DEF9C804CA5}"/>
+              </a:ext>
+            </a:extLst>
+          </p:cNvPr>
           <p:cNvSpPr>
-            <a:spLocks noGrp="1" noChangeArrowheads="1"/>
+            <a:spLocks noGrp="1"/>
           </p:cNvSpPr>
           <p:nvPr>
             <p:ph type="sldNum" sz="quarter" idx="4"/>
           </p:nvPr>
         </p:nvSpPr>
-        <p:spPr bwMode="auto">
-          <a:xfrm>
-            <a:off x="6553200" y="6248400"/>
-            <a:ext cx="1905000" cy="457200"/>
+        <p:spPr>
+          <a:xfrm>
+            <a:off x="6457950" y="6356351"/>
+            <a:ext cx="2057400" cy="365125"/>
           </a:xfrm>
           <a:prstGeom prst="rect">
             <a:avLst/>
           </a:prstGeom>
-          <a:noFill/>
-          <a:ln w="9525">
-            <a:noFill/>
-            <a:miter lim="800000"/>
-            <a:headEnd/>
-            <a:tailEnd/>
-          </a:ln>
-          <a:effectLst/>
-        </p:spPr>
-        <p:txBody>
-          <a:bodyPr vert="horz" wrap="square" lIns="91440" tIns="45720" rIns="91440" bIns="45720" numCol="1" anchor="b" anchorCtr="0" compatLnSpc="1">
-            <a:prstTxWarp prst="textNoShape">
-              <a:avLst/>
-            </a:prstTxWarp>
-          </a:bodyPr>
+        </p:spPr>
+        <p:txBody>
+          <a:bodyPr vert="horz" lIns="91440" tIns="45720" rIns="91440" bIns="45720" rtlCol="0" anchor="ctr"/>
           <a:lstStyle>
-            <a:lvl1pPr algn="r" eaLnBrk="1" hangingPunct="1">
-              <a:defRPr sz="1400">
-                <a:latin typeface="+mn-lt"/>
+            <a:lvl1pPr algn="r">
+              <a:defRPr sz="900">
+                <a:solidFill>
+                  <a:schemeClr val="tx1">
+                    <a:tint val="82000"/>
+                  </a:schemeClr>
+                </a:solidFill>
               </a:defRPr>
             </a:lvl1pPr>
           </a:lstStyle>
@@ -6750,7 +6952,7 @@
               <a:defRPr/>
             </a:pPr>
             <a:fld id="{2CFD5FCD-E7F1-EF43-8B4F-0EEE40AC401C}" type="slidenum">
-              <a:rPr lang="en-US"/>
+              <a:rPr lang="en-US" smtClean="0"/>
               <a:pPr>
                 <a:defRPr/>
               </a:pPr>
@@ -6761,313 +6963,57 @@
         </p:txBody>
       </p:sp>
     </p:spTree>
+    <p:extLst>
+      <p:ext uri="{BB962C8B-B14F-4D97-AF65-F5344CB8AC3E}">
+        <p14:creationId xmlns:p14="http://schemas.microsoft.com/office/powerpoint/2010/main" val="2803387434"/>
+      </p:ext>
+    </p:extLst>
   </p:cSld>
-  <p:clrMap bg1="dk2" tx1="lt1" bg2="dk1" tx2="lt2" accent1="accent1" accent2="accent2" accent3="accent3" accent4="accent4" accent5="accent5" accent6="accent6" hlink="hlink" folHlink="folHlink"/>
+  <p:clrMap bg1="lt1" tx1="dk1" bg2="lt2" tx2="dk2" accent1="accent1" accent2="accent2" accent3="accent3" accent4="accent4" accent5="accent5" accent6="accent6" hlink="hlink" folHlink="folHlink"/>
   <p:sldLayoutIdLst>
-    <p:sldLayoutId id="2147483672" r:id="rId1"/>
-    <p:sldLayoutId id="2147483662" r:id="rId2"/>
-    <p:sldLayoutId id="2147483663" r:id="rId3"/>
-    <p:sldLayoutId id="2147483664" r:id="rId4"/>
-    <p:sldLayoutId id="2147483665" r:id="rId5"/>
-    <p:sldLayoutId id="2147483666" r:id="rId6"/>
-    <p:sldLayoutId id="2147483667" r:id="rId7"/>
-    <p:sldLayoutId id="2147483668" r:id="rId8"/>
-    <p:sldLayoutId id="2147483669" r:id="rId9"/>
-    <p:sldLayoutId id="2147483670" r:id="rId10"/>
-    <p:sldLayoutId id="2147483671" r:id="rId11"/>
+    <p:sldLayoutId id="2147483674" r:id="rId1"/>
+    <p:sldLayoutId id="2147483675" r:id="rId2"/>
+    <p:sldLayoutId id="2147483676" r:id="rId3"/>
+    <p:sldLayoutId id="2147483677" r:id="rId4"/>
+    <p:sldLayoutId id="2147483678" r:id="rId5"/>
+    <p:sldLayoutId id="2147483679" r:id="rId6"/>
+    <p:sldLayoutId id="2147483680" r:id="rId7"/>
+    <p:sldLayoutId id="2147483681" r:id="rId8"/>
+    <p:sldLayoutId id="2147483682" r:id="rId9"/>
+    <p:sldLayoutId id="2147483683" r:id="rId10"/>
+    <p:sldLayoutId id="2147483684" r:id="rId11"/>
   </p:sldLayoutIdLst>
   <p:txStyles>
     <p:titleStyle>
-      <a:lvl1pPr algn="ctr" rtl="0" eaLnBrk="0" fontAlgn="base" hangingPunct="0">
+      <a:lvl1pPr algn="l" defTabSz="685800" rtl="0" eaLnBrk="1" latinLnBrk="0" hangingPunct="1">
+        <a:lnSpc>
+          <a:spcPct val="90000"/>
+        </a:lnSpc>
         <a:spcBef>
           <a:spcPct val="0"/>
         </a:spcBef>
-        <a:spcAft>
-          <a:spcPct val="0"/>
-        </a:spcAft>
-        <a:defRPr sz="4400">
-          <a:solidFill>
-            <a:schemeClr val="tx2"/>
-          </a:solidFill>
-          <a:latin typeface="+mj-lt"/>
-          <a:ea typeface="ＭＳ Ｐゴシック" charset="-128"/>
-          <a:cs typeface="ＭＳ Ｐゴシック" charset="-128"/>
-        </a:defRPr>
-      </a:lvl1pPr>
-      <a:lvl2pPr algn="ctr" rtl="0" eaLnBrk="0" fontAlgn="base" hangingPunct="0">
-        <a:spcBef>
-          <a:spcPct val="0"/>
-        </a:spcBef>
-        <a:spcAft>
-          <a:spcPct val="0"/>
-        </a:spcAft>
-        <a:defRPr sz="4400">
-          <a:solidFill>
-            <a:schemeClr val="tx2"/>
-          </a:solidFill>
-          <a:latin typeface="Times New Roman" charset="0"/>
-          <a:ea typeface="ＭＳ Ｐゴシック" charset="-128"/>
-          <a:cs typeface="ＭＳ Ｐゴシック" charset="-128"/>
-        </a:defRPr>
-      </a:lvl2pPr>
-      <a:lvl3pPr algn="ctr" rtl="0" eaLnBrk="0" fontAlgn="base" hangingPunct="0">
-        <a:spcBef>
-          <a:spcPct val="0"/>
-        </a:spcBef>
-        <a:spcAft>
-          <a:spcPct val="0"/>
-        </a:spcAft>
-        <a:defRPr sz="4400">
-          <a:solidFill>
-            <a:schemeClr val="tx2"/>
-          </a:solidFill>
-          <a:latin typeface="Times New Roman" charset="0"/>
-          <a:ea typeface="ＭＳ Ｐゴシック" charset="-128"/>
-          <a:cs typeface="ＭＳ Ｐゴシック" charset="-128"/>
-        </a:defRPr>
-      </a:lvl3pPr>
-      <a:lvl4pPr algn="ctr" rtl="0" eaLnBrk="0" fontAlgn="base" hangingPunct="0">
-        <a:spcBef>
-          <a:spcPct val="0"/>
-        </a:spcBef>
-        <a:spcAft>
-          <a:spcPct val="0"/>
-        </a:spcAft>
-        <a:defRPr sz="4400">
-          <a:solidFill>
-            <a:schemeClr val="tx2"/>
-          </a:solidFill>
-          <a:latin typeface="Times New Roman" charset="0"/>
-          <a:ea typeface="ＭＳ Ｐゴシック" charset="-128"/>
-          <a:cs typeface="ＭＳ Ｐゴシック" charset="-128"/>
-        </a:defRPr>
-      </a:lvl4pPr>
-      <a:lvl5pPr algn="ctr" rtl="0" eaLnBrk="0" fontAlgn="base" hangingPunct="0">
-        <a:spcBef>
-          <a:spcPct val="0"/>
-        </a:spcBef>
-        <a:spcAft>
-          <a:spcPct val="0"/>
-        </a:spcAft>
-        <a:defRPr sz="4400">
-          <a:solidFill>
-            <a:schemeClr val="tx2"/>
-          </a:solidFill>
-          <a:latin typeface="Times New Roman" charset="0"/>
-          <a:ea typeface="ＭＳ Ｐゴシック" charset="-128"/>
-          <a:cs typeface="ＭＳ Ｐゴシック" charset="-128"/>
-        </a:defRPr>
-      </a:lvl5pPr>
-      <a:lvl6pPr marL="457200" algn="ctr" rtl="0" fontAlgn="base">
-        <a:spcBef>
-          <a:spcPct val="0"/>
-        </a:spcBef>
-        <a:spcAft>
-          <a:spcPct val="0"/>
-        </a:spcAft>
-        <a:defRPr sz="4400">
-          <a:solidFill>
-            <a:schemeClr val="tx2"/>
-          </a:solidFill>
-          <a:latin typeface="Times New Roman" charset="0"/>
-        </a:defRPr>
-      </a:lvl6pPr>
-      <a:lvl7pPr marL="914400" algn="ctr" rtl="0" fontAlgn="base">
-        <a:spcBef>
-          <a:spcPct val="0"/>
-        </a:spcBef>
-        <a:spcAft>
-          <a:spcPct val="0"/>
-        </a:spcAft>
-        <a:defRPr sz="4400">
-          <a:solidFill>
-            <a:schemeClr val="tx2"/>
-          </a:solidFill>
-          <a:latin typeface="Times New Roman" charset="0"/>
-        </a:defRPr>
-      </a:lvl7pPr>
-      <a:lvl8pPr marL="1371600" algn="ctr" rtl="0" fontAlgn="base">
-        <a:spcBef>
-          <a:spcPct val="0"/>
-        </a:spcBef>
-        <a:spcAft>
-          <a:spcPct val="0"/>
-        </a:spcAft>
-        <a:defRPr sz="4400">
-          <a:solidFill>
-            <a:schemeClr val="tx2"/>
-          </a:solidFill>
-          <a:latin typeface="Times New Roman" charset="0"/>
-        </a:defRPr>
-      </a:lvl8pPr>
-      <a:lvl9pPr marL="1828800" algn="ctr" rtl="0" fontAlgn="base">
-        <a:spcBef>
-          <a:spcPct val="0"/>
-        </a:spcBef>
-        <a:spcAft>
-          <a:spcPct val="0"/>
-        </a:spcAft>
-        <a:defRPr sz="4400">
-          <a:solidFill>
-            <a:schemeClr val="tx2"/>
-          </a:solidFill>
-          <a:latin typeface="Times New Roman" charset="0"/>
-        </a:defRPr>
-      </a:lvl9pPr>
-    </p:titleStyle>
-    <p:bodyStyle>
-      <a:lvl1pPr marL="342900" indent="-342900" algn="l" rtl="0" eaLnBrk="0" fontAlgn="base" hangingPunct="0">
-        <a:spcBef>
-          <a:spcPct val="20000"/>
-        </a:spcBef>
-        <a:spcAft>
-          <a:spcPct val="0"/>
-        </a:spcAft>
-        <a:buChar char="•"/>
-        <a:defRPr sz="3200">
+        <a:buNone/>
+        <a:defRPr sz="3300" kern="1200">
           <a:solidFill>
             <a:schemeClr val="tx1"/>
           </a:solidFill>
-          <a:latin typeface="+mn-lt"/>
-          <a:ea typeface="ＭＳ Ｐゴシック" charset="-128"/>
-          <a:cs typeface="ＭＳ Ｐゴシック" charset="-128"/>
+          <a:latin typeface="+mj-lt"/>
+          <a:ea typeface="+mj-ea"/>
+          <a:cs typeface="+mj-cs"/>
         </a:defRPr>
       </a:lvl1pPr>
-      <a:lvl2pPr marL="742950" indent="-285750" algn="l" rtl="0" eaLnBrk="0" fontAlgn="base" hangingPunct="0">
+    </p:titleStyle>
+    <p:bodyStyle>
+      <a:lvl1pPr marL="171450" indent="-171450" algn="l" defTabSz="685800" rtl="0" eaLnBrk="1" latinLnBrk="0" hangingPunct="1">
+        <a:lnSpc>
+          <a:spcPct val="90000"/>
+        </a:lnSpc>
         <a:spcBef>
-          <a:spcPct val="20000"/>
+          <a:spcPts val="750"/>
         </a:spcBef>
-        <a:spcAft>
-          <a:spcPct val="0"/>
-        </a:spcAft>
-        <a:buChar char="–"/>
-        <a:defRPr sz="2800">
-          <a:solidFill>
-            <a:schemeClr val="tx1"/>
-          </a:solidFill>
-          <a:latin typeface="+mn-lt"/>
-          <a:ea typeface="ＭＳ Ｐゴシック" charset="-128"/>
-        </a:defRPr>
-      </a:lvl2pPr>
-      <a:lvl3pPr marL="1143000" indent="-228600" algn="l" rtl="0" eaLnBrk="0" fontAlgn="base" hangingPunct="0">
-        <a:spcBef>
-          <a:spcPct val="20000"/>
-        </a:spcBef>
-        <a:spcAft>
-          <a:spcPct val="0"/>
-        </a:spcAft>
+        <a:buFont typeface="Arial" panose="020B0604020202020204" pitchFamily="34" charset="0"/>
         <a:buChar char="•"/>
-        <a:defRPr sz="2400">
-          <a:solidFill>
-            <a:schemeClr val="tx1"/>
-          </a:solidFill>
-          <a:latin typeface="+mn-lt"/>
-          <a:ea typeface="ＭＳ Ｐゴシック" charset="-128"/>
-        </a:defRPr>
-      </a:lvl3pPr>
-      <a:lvl4pPr marL="1600200" indent="-228600" algn="l" rtl="0" eaLnBrk="0" fontAlgn="base" hangingPunct="0">
-        <a:spcBef>
-          <a:spcPct val="20000"/>
-        </a:spcBef>
-        <a:spcAft>
-          <a:spcPct val="0"/>
-        </a:spcAft>
-        <a:buChar char="–"/>
-        <a:defRPr sz="2000">
-          <a:solidFill>
-            <a:schemeClr val="tx1"/>
-          </a:solidFill>
-          <a:latin typeface="+mn-lt"/>
-          <a:ea typeface="ＭＳ Ｐゴシック" charset="-128"/>
-        </a:defRPr>
-      </a:lvl4pPr>
-      <a:lvl5pPr marL="2057400" indent="-228600" algn="l" rtl="0" eaLnBrk="0" fontAlgn="base" hangingPunct="0">
-        <a:spcBef>
-          <a:spcPct val="20000"/>
-        </a:spcBef>
-        <a:spcAft>
-          <a:spcPct val="0"/>
-        </a:spcAft>
-        <a:buChar char="»"/>
-        <a:defRPr sz="2000">
-          <a:solidFill>
-            <a:schemeClr val="tx1"/>
-          </a:solidFill>
-          <a:latin typeface="+mn-lt"/>
-          <a:ea typeface="ＭＳ Ｐゴシック" charset="-128"/>
-        </a:defRPr>
-      </a:lvl5pPr>
-      <a:lvl6pPr marL="2514600" indent="-228600" algn="l" rtl="0" fontAlgn="base">
-        <a:spcBef>
-          <a:spcPct val="20000"/>
-        </a:spcBef>
-        <a:spcAft>
-          <a:spcPct val="0"/>
-        </a:spcAft>
-        <a:buChar char="»"/>
-        <a:defRPr sz="2000">
-          <a:solidFill>
-            <a:schemeClr val="tx1"/>
-          </a:solidFill>
-          <a:latin typeface="+mn-lt"/>
-          <a:ea typeface="ＭＳ Ｐゴシック" charset="-128"/>
-        </a:defRPr>
-      </a:lvl6pPr>
-      <a:lvl7pPr marL="2971800" indent="-228600" algn="l" rtl="0" fontAlgn="base">
-        <a:spcBef>
-          <a:spcPct val="20000"/>
-        </a:spcBef>
-        <a:spcAft>
-          <a:spcPct val="0"/>
-        </a:spcAft>
-        <a:buChar char="»"/>
-        <a:defRPr sz="2000">
-          <a:solidFill>
-            <a:schemeClr val="tx1"/>
-          </a:solidFill>
-          <a:latin typeface="+mn-lt"/>
-          <a:ea typeface="ＭＳ Ｐゴシック" charset="-128"/>
-        </a:defRPr>
-      </a:lvl7pPr>
-      <a:lvl8pPr marL="3429000" indent="-228600" algn="l" rtl="0" fontAlgn="base">
-        <a:spcBef>
-          <a:spcPct val="20000"/>
-        </a:spcBef>
-        <a:spcAft>
-          <a:spcPct val="0"/>
-        </a:spcAft>
-        <a:buChar char="»"/>
-        <a:defRPr sz="2000">
-          <a:solidFill>
-            <a:schemeClr val="tx1"/>
-          </a:solidFill>
-          <a:latin typeface="+mn-lt"/>
-          <a:ea typeface="ＭＳ Ｐゴシック" charset="-128"/>
-        </a:defRPr>
-      </a:lvl8pPr>
-      <a:lvl9pPr marL="3886200" indent="-228600" algn="l" rtl="0" fontAlgn="base">
-        <a:spcBef>
-          <a:spcPct val="20000"/>
-        </a:spcBef>
-        <a:spcAft>
-          <a:spcPct val="0"/>
-        </a:spcAft>
-        <a:buChar char="»"/>
-        <a:defRPr sz="2000">
-          <a:solidFill>
-            <a:schemeClr val="tx1"/>
-          </a:solidFill>
-          <a:latin typeface="+mn-lt"/>
-          <a:ea typeface="ＭＳ Ｐゴシック" charset="-128"/>
-        </a:defRPr>
-      </a:lvl9pPr>
-    </p:bodyStyle>
-    <p:otherStyle>
-      <a:defPPr>
-        <a:defRPr lang="en-US"/>
-      </a:defPPr>
-      <a:lvl1pPr marL="0" algn="l" defTabSz="457200" rtl="0" eaLnBrk="1" latinLnBrk="0" hangingPunct="1">
-        <a:defRPr sz="1800" kern="1200">
+        <a:defRPr sz="2100" kern="1200">
           <a:solidFill>
             <a:schemeClr val="tx1"/>
           </a:solidFill>
@@ -7076,7 +7022,15 @@
           <a:cs typeface="+mn-cs"/>
         </a:defRPr>
       </a:lvl1pPr>
-      <a:lvl2pPr marL="457200" algn="l" defTabSz="457200" rtl="0" eaLnBrk="1" latinLnBrk="0" hangingPunct="1">
+      <a:lvl2pPr marL="514350" indent="-171450" algn="l" defTabSz="685800" rtl="0" eaLnBrk="1" latinLnBrk="0" hangingPunct="1">
+        <a:lnSpc>
+          <a:spcPct val="90000"/>
+        </a:lnSpc>
+        <a:spcBef>
+          <a:spcPts val="375"/>
+        </a:spcBef>
+        <a:buFont typeface="Arial" panose="020B0604020202020204" pitchFamily="34" charset="0"/>
+        <a:buChar char="•"/>
         <a:defRPr sz="1800" kern="1200">
           <a:solidFill>
             <a:schemeClr val="tx1"/>
@@ -7086,8 +7040,16 @@
           <a:cs typeface="+mn-cs"/>
         </a:defRPr>
       </a:lvl2pPr>
-      <a:lvl3pPr marL="914400" algn="l" defTabSz="457200" rtl="0" eaLnBrk="1" latinLnBrk="0" hangingPunct="1">
-        <a:defRPr sz="1800" kern="1200">
+      <a:lvl3pPr marL="857250" indent="-171450" algn="l" defTabSz="685800" rtl="0" eaLnBrk="1" latinLnBrk="0" hangingPunct="1">
+        <a:lnSpc>
+          <a:spcPct val="90000"/>
+        </a:lnSpc>
+        <a:spcBef>
+          <a:spcPts val="375"/>
+        </a:spcBef>
+        <a:buFont typeface="Arial" panose="020B0604020202020204" pitchFamily="34" charset="0"/>
+        <a:buChar char="•"/>
+        <a:defRPr sz="1500" kern="1200">
           <a:solidFill>
             <a:schemeClr val="tx1"/>
           </a:solidFill>
@@ -7096,8 +7058,16 @@
           <a:cs typeface="+mn-cs"/>
         </a:defRPr>
       </a:lvl3pPr>
-      <a:lvl4pPr marL="1371600" algn="l" defTabSz="457200" rtl="0" eaLnBrk="1" latinLnBrk="0" hangingPunct="1">
-        <a:defRPr sz="1800" kern="1200">
+      <a:lvl4pPr marL="1200150" indent="-171450" algn="l" defTabSz="685800" rtl="0" eaLnBrk="1" latinLnBrk="0" hangingPunct="1">
+        <a:lnSpc>
+          <a:spcPct val="90000"/>
+        </a:lnSpc>
+        <a:spcBef>
+          <a:spcPts val="375"/>
+        </a:spcBef>
+        <a:buFont typeface="Arial" panose="020B0604020202020204" pitchFamily="34" charset="0"/>
+        <a:buChar char="•"/>
+        <a:defRPr sz="1350" kern="1200">
           <a:solidFill>
             <a:schemeClr val="tx1"/>
           </a:solidFill>
@@ -7106,8 +7076,16 @@
           <a:cs typeface="+mn-cs"/>
         </a:defRPr>
       </a:lvl4pPr>
-      <a:lvl5pPr marL="1828800" algn="l" defTabSz="457200" rtl="0" eaLnBrk="1" latinLnBrk="0" hangingPunct="1">
-        <a:defRPr sz="1800" kern="1200">
+      <a:lvl5pPr marL="1543050" indent="-171450" algn="l" defTabSz="685800" rtl="0" eaLnBrk="1" latinLnBrk="0" hangingPunct="1">
+        <a:lnSpc>
+          <a:spcPct val="90000"/>
+        </a:lnSpc>
+        <a:spcBef>
+          <a:spcPts val="375"/>
+        </a:spcBef>
+        <a:buFont typeface="Arial" panose="020B0604020202020204" pitchFamily="34" charset="0"/>
+        <a:buChar char="•"/>
+        <a:defRPr sz="1350" kern="1200">
           <a:solidFill>
             <a:schemeClr val="tx1"/>
           </a:solidFill>
@@ -7116,8 +7094,16 @@
           <a:cs typeface="+mn-cs"/>
         </a:defRPr>
       </a:lvl5pPr>
-      <a:lvl6pPr marL="2286000" algn="l" defTabSz="457200" rtl="0" eaLnBrk="1" latinLnBrk="0" hangingPunct="1">
-        <a:defRPr sz="1800" kern="1200">
+      <a:lvl6pPr marL="1885950" indent="-171450" algn="l" defTabSz="685800" rtl="0" eaLnBrk="1" latinLnBrk="0" hangingPunct="1">
+        <a:lnSpc>
+          <a:spcPct val="90000"/>
+        </a:lnSpc>
+        <a:spcBef>
+          <a:spcPts val="375"/>
+        </a:spcBef>
+        <a:buFont typeface="Arial" panose="020B0604020202020204" pitchFamily="34" charset="0"/>
+        <a:buChar char="•"/>
+        <a:defRPr sz="1350" kern="1200">
           <a:solidFill>
             <a:schemeClr val="tx1"/>
           </a:solidFill>
@@ -7126,8 +7112,16 @@
           <a:cs typeface="+mn-cs"/>
         </a:defRPr>
       </a:lvl6pPr>
-      <a:lvl7pPr marL="2743200" algn="l" defTabSz="457200" rtl="0" eaLnBrk="1" latinLnBrk="0" hangingPunct="1">
-        <a:defRPr sz="1800" kern="1200">
+      <a:lvl7pPr marL="2228850" indent="-171450" algn="l" defTabSz="685800" rtl="0" eaLnBrk="1" latinLnBrk="0" hangingPunct="1">
+        <a:lnSpc>
+          <a:spcPct val="90000"/>
+        </a:lnSpc>
+        <a:spcBef>
+          <a:spcPts val="375"/>
+        </a:spcBef>
+        <a:buFont typeface="Arial" panose="020B0604020202020204" pitchFamily="34" charset="0"/>
+        <a:buChar char="•"/>
+        <a:defRPr sz="1350" kern="1200">
           <a:solidFill>
             <a:schemeClr val="tx1"/>
           </a:solidFill>
@@ -7136,8 +7130,16 @@
           <a:cs typeface="+mn-cs"/>
         </a:defRPr>
       </a:lvl7pPr>
-      <a:lvl8pPr marL="3200400" algn="l" defTabSz="457200" rtl="0" eaLnBrk="1" latinLnBrk="0" hangingPunct="1">
-        <a:defRPr sz="1800" kern="1200">
+      <a:lvl8pPr marL="2571750" indent="-171450" algn="l" defTabSz="685800" rtl="0" eaLnBrk="1" latinLnBrk="0" hangingPunct="1">
+        <a:lnSpc>
+          <a:spcPct val="90000"/>
+        </a:lnSpc>
+        <a:spcBef>
+          <a:spcPts val="375"/>
+        </a:spcBef>
+        <a:buFont typeface="Arial" panose="020B0604020202020204" pitchFamily="34" charset="0"/>
+        <a:buChar char="•"/>
+        <a:defRPr sz="1350" kern="1200">
           <a:solidFill>
             <a:schemeClr val="tx1"/>
           </a:solidFill>
@@ -7146,8 +7148,111 @@
           <a:cs typeface="+mn-cs"/>
         </a:defRPr>
       </a:lvl8pPr>
-      <a:lvl9pPr marL="3657600" algn="l" defTabSz="457200" rtl="0" eaLnBrk="1" latinLnBrk="0" hangingPunct="1">
-        <a:defRPr sz="1800" kern="1200">
+      <a:lvl9pPr marL="2914650" indent="-171450" algn="l" defTabSz="685800" rtl="0" eaLnBrk="1" latinLnBrk="0" hangingPunct="1">
+        <a:lnSpc>
+          <a:spcPct val="90000"/>
+        </a:lnSpc>
+        <a:spcBef>
+          <a:spcPts val="375"/>
+        </a:spcBef>
+        <a:buFont typeface="Arial" panose="020B0604020202020204" pitchFamily="34" charset="0"/>
+        <a:buChar char="•"/>
+        <a:defRPr sz="1350" kern="1200">
+          <a:solidFill>
+            <a:schemeClr val="tx1"/>
+          </a:solidFill>
+          <a:latin typeface="+mn-lt"/>
+          <a:ea typeface="+mn-ea"/>
+          <a:cs typeface="+mn-cs"/>
+        </a:defRPr>
+      </a:lvl9pPr>
+    </p:bodyStyle>
+    <p:otherStyle>
+      <a:defPPr>
+        <a:defRPr lang="en-US"/>
+      </a:defPPr>
+      <a:lvl1pPr marL="0" algn="l" defTabSz="685800" rtl="0" eaLnBrk="1" latinLnBrk="0" hangingPunct="1">
+        <a:defRPr sz="1350" kern="1200">
+          <a:solidFill>
+            <a:schemeClr val="tx1"/>
+          </a:solidFill>
+          <a:latin typeface="+mn-lt"/>
+          <a:ea typeface="+mn-ea"/>
+          <a:cs typeface="+mn-cs"/>
+        </a:defRPr>
+      </a:lvl1pPr>
+      <a:lvl2pPr marL="342900" algn="l" defTabSz="685800" rtl="0" eaLnBrk="1" latinLnBrk="0" hangingPunct="1">
+        <a:defRPr sz="1350" kern="1200">
+          <a:solidFill>
+            <a:schemeClr val="tx1"/>
+          </a:solidFill>
+          <a:latin typeface="+mn-lt"/>
+          <a:ea typeface="+mn-ea"/>
+          <a:cs typeface="+mn-cs"/>
+        </a:defRPr>
+      </a:lvl2pPr>
+      <a:lvl3pPr marL="685800" algn="l" defTabSz="685800" rtl="0" eaLnBrk="1" latinLnBrk="0" hangingPunct="1">
+        <a:defRPr sz="1350" kern="1200">
+          <a:solidFill>
+            <a:schemeClr val="tx1"/>
+          </a:solidFill>
+          <a:latin typeface="+mn-lt"/>
+          <a:ea typeface="+mn-ea"/>
+          <a:cs typeface="+mn-cs"/>
+        </a:defRPr>
+      </a:lvl3pPr>
+      <a:lvl4pPr marL="1028700" algn="l" defTabSz="685800" rtl="0" eaLnBrk="1" latinLnBrk="0" hangingPunct="1">
+        <a:defRPr sz="1350" kern="1200">
+          <a:solidFill>
+            <a:schemeClr val="tx1"/>
+          </a:solidFill>
+          <a:latin typeface="+mn-lt"/>
+          <a:ea typeface="+mn-ea"/>
+          <a:cs typeface="+mn-cs"/>
+        </a:defRPr>
+      </a:lvl4pPr>
+      <a:lvl5pPr marL="1371600" algn="l" defTabSz="685800" rtl="0" eaLnBrk="1" latinLnBrk="0" hangingPunct="1">
+        <a:defRPr sz="1350" kern="1200">
+          <a:solidFill>
+            <a:schemeClr val="tx1"/>
+          </a:solidFill>
+          <a:latin typeface="+mn-lt"/>
+          <a:ea typeface="+mn-ea"/>
+          <a:cs typeface="+mn-cs"/>
+        </a:defRPr>
+      </a:lvl5pPr>
+      <a:lvl6pPr marL="1714500" algn="l" defTabSz="685800" rtl="0" eaLnBrk="1" latinLnBrk="0" hangingPunct="1">
+        <a:defRPr sz="1350" kern="1200">
+          <a:solidFill>
+            <a:schemeClr val="tx1"/>
+          </a:solidFill>
+          <a:latin typeface="+mn-lt"/>
+          <a:ea typeface="+mn-ea"/>
+          <a:cs typeface="+mn-cs"/>
+        </a:defRPr>
+      </a:lvl6pPr>
+      <a:lvl7pPr marL="2057400" algn="l" defTabSz="685800" rtl="0" eaLnBrk="1" latinLnBrk="0" hangingPunct="1">
+        <a:defRPr sz="1350" kern="1200">
+          <a:solidFill>
+            <a:schemeClr val="tx1"/>
+          </a:solidFill>
+          <a:latin typeface="+mn-lt"/>
+          <a:ea typeface="+mn-ea"/>
+          <a:cs typeface="+mn-cs"/>
+        </a:defRPr>
+      </a:lvl7pPr>
+      <a:lvl8pPr marL="2400300" algn="l" defTabSz="685800" rtl="0" eaLnBrk="1" latinLnBrk="0" hangingPunct="1">
+        <a:defRPr sz="1350" kern="1200">
+          <a:solidFill>
+            <a:schemeClr val="tx1"/>
+          </a:solidFill>
+          <a:latin typeface="+mn-lt"/>
+          <a:ea typeface="+mn-ea"/>
+          <a:cs typeface="+mn-cs"/>
+        </a:defRPr>
+      </a:lvl8pPr>
+      <a:lvl9pPr marL="2743200" algn="l" defTabSz="685800" rtl="0" eaLnBrk="1" latinLnBrk="0" hangingPunct="1">
+        <a:defRPr sz="1350" kern="1200">
           <a:solidFill>
             <a:schemeClr val="tx1"/>
           </a:solidFill>
@@ -7264,7 +7369,7 @@
         <p:spPr>
           <a:xfrm>
             <a:off x="323528" y="-171400"/>
-            <a:ext cx="8568952" cy="1535832"/>
+            <a:ext cx="8568952" cy="1120190"/>
           </a:xfrm>
         </p:spPr>
         <p:txBody>
@@ -7534,7 +7639,7 @@
         <p:spPr>
           <a:xfrm>
             <a:off x="323528" y="-171400"/>
-            <a:ext cx="8568952" cy="1535832"/>
+            <a:ext cx="8568952" cy="1152128"/>
           </a:xfrm>
         </p:spPr>
         <p:txBody>
@@ -7769,7 +7874,7 @@
         <p:spPr>
           <a:xfrm>
             <a:off x="323528" y="-171400"/>
-            <a:ext cx="8568952" cy="1535832"/>
+            <a:ext cx="8568952" cy="1224136"/>
           </a:xfrm>
         </p:spPr>
         <p:txBody>
@@ -7893,7 +7998,7 @@
         <p:spPr>
           <a:xfrm>
             <a:off x="323528" y="-171400"/>
-            <a:ext cx="8568952" cy="1535832"/>
+            <a:ext cx="8568952" cy="1213615"/>
           </a:xfrm>
         </p:spPr>
         <p:txBody>
@@ -8230,7 +8335,7 @@
         <p:spPr>
           <a:xfrm>
             <a:off x="323528" y="-171400"/>
-            <a:ext cx="8568952" cy="1535832"/>
+            <a:ext cx="8568952" cy="1368152"/>
           </a:xfrm>
         </p:spPr>
         <p:txBody>
@@ -8649,7 +8754,7 @@
         <p:spPr>
           <a:xfrm>
             <a:off x="323528" y="-171400"/>
-            <a:ext cx="8568952" cy="1535832"/>
+            <a:ext cx="8568952" cy="1152992"/>
           </a:xfrm>
         </p:spPr>
         <p:txBody>
@@ -8909,35 +9014,6 @@
       </p:grpSpPr>
       <p:sp>
         <p:nvSpPr>
-          <p:cNvPr id="9" name="Rectangle 2"/>
-          <p:cNvSpPr>
-            <a:spLocks noGrp="1" noChangeArrowheads="1"/>
-          </p:cNvSpPr>
-          <p:nvPr>
-            <p:ph type="ctrTitle"/>
-          </p:nvPr>
-        </p:nvSpPr>
-        <p:spPr>
-          <a:xfrm>
-            <a:off x="323528" y="-171400"/>
-            <a:ext cx="8568952" cy="1535832"/>
-          </a:xfrm>
-        </p:spPr>
-        <p:txBody>
-          <a:bodyPr/>
-          <a:lstStyle/>
-          <a:p>
-            <a:pPr algn="l" eaLnBrk="1" hangingPunct="1"/>
-            <a:r>
-              <a:rPr lang="en-US" sz="3200" b="1" dirty="0"/>
-              <a:t>Improving Methods, Improving Resolution</a:t>
-            </a:r>
-            <a:endParaRPr lang="en-US" sz="3200" dirty="0"/>
-          </a:p>
-        </p:txBody>
-      </p:sp>
-      <p:sp>
-        <p:nvSpPr>
           <p:cNvPr id="3" name="TextBox 2"/>
           <p:cNvSpPr txBox="1"/>
           <p:nvPr/>
@@ -9243,6 +9319,62 @@
               <a:rPr lang="en-US" sz="1600" dirty="0"/>
               <a:t> is a dangerous hyper-virulent</a:t>
             </a:r>
+          </a:p>
+        </p:txBody>
+      </p:sp>
+      <p:sp>
+        <p:nvSpPr>
+          <p:cNvPr id="10" name="Rectangle 2">
+            <a:extLst>
+              <a:ext uri="{FF2B5EF4-FFF2-40B4-BE49-F238E27FC236}">
+                <a16:creationId xmlns:a16="http://schemas.microsoft.com/office/drawing/2014/main" id="{1AAF9486-7612-2DE0-E224-3627D3CBA419}"/>
+              </a:ext>
+            </a:extLst>
+          </p:cNvPr>
+          <p:cNvSpPr txBox="1">
+            <a:spLocks noChangeArrowheads="1"/>
+          </p:cNvSpPr>
+          <p:nvPr/>
+        </p:nvSpPr>
+        <p:spPr>
+          <a:xfrm>
+            <a:off x="323528" y="-171400"/>
+            <a:ext cx="8568952" cy="1152992"/>
+          </a:xfrm>
+          <a:prstGeom prst="rect">
+            <a:avLst/>
+          </a:prstGeom>
+        </p:spPr>
+        <p:txBody>
+          <a:bodyPr vert="horz" lIns="91440" tIns="45720" rIns="91440" bIns="45720" rtlCol="0" anchor="b">
+            <a:normAutofit/>
+          </a:bodyPr>
+          <a:lstStyle>
+            <a:lvl1pPr algn="ctr" defTabSz="685800" rtl="0" eaLnBrk="1" latinLnBrk="0" hangingPunct="1">
+              <a:lnSpc>
+                <a:spcPct val="90000"/>
+              </a:lnSpc>
+              <a:spcBef>
+                <a:spcPct val="0"/>
+              </a:spcBef>
+              <a:buNone/>
+              <a:defRPr sz="4500" kern="1200">
+                <a:solidFill>
+                  <a:schemeClr val="tx1"/>
+                </a:solidFill>
+                <a:latin typeface="+mj-lt"/>
+                <a:ea typeface="+mj-ea"/>
+                <a:cs typeface="+mj-cs"/>
+              </a:defRPr>
+            </a:lvl1pPr>
+          </a:lstStyle>
+          <a:p>
+            <a:pPr algn="l"/>
+            <a:r>
+              <a:rPr lang="en-US" sz="3200" b="1"/>
+              <a:t>Improving Methods, Improving Resolution</a:t>
+            </a:r>
+            <a:endParaRPr lang="en-US" sz="3200" dirty="0"/>
           </a:p>
         </p:txBody>
       </p:sp>
@@ -9276,35 +9408,6 @@
           <a:chExt cx="0" cy="0"/>
         </a:xfrm>
       </p:grpSpPr>
-      <p:sp>
-        <p:nvSpPr>
-          <p:cNvPr id="9" name="Rectangle 2"/>
-          <p:cNvSpPr>
-            <a:spLocks noGrp="1" noChangeArrowheads="1"/>
-          </p:cNvSpPr>
-          <p:nvPr>
-            <p:ph type="ctrTitle"/>
-          </p:nvPr>
-        </p:nvSpPr>
-        <p:spPr>
-          <a:xfrm>
-            <a:off x="323528" y="-171400"/>
-            <a:ext cx="8568952" cy="1535832"/>
-          </a:xfrm>
-        </p:spPr>
-        <p:txBody>
-          <a:bodyPr/>
-          <a:lstStyle/>
-          <a:p>
-            <a:pPr algn="l" eaLnBrk="1" hangingPunct="1"/>
-            <a:r>
-              <a:rPr lang="en-US" sz="3200" b="1" dirty="0"/>
-              <a:t>Improving Methods, Improving Resolution</a:t>
-            </a:r>
-            <a:endParaRPr lang="en-US" sz="3200" dirty="0"/>
-          </a:p>
-        </p:txBody>
-      </p:sp>
       <p:sp>
         <p:nvSpPr>
           <p:cNvPr id="3" name="TextBox 2"/>
@@ -10063,6 +10166,62 @@
           </a:p>
         </p:txBody>
       </p:sp>
+      <p:sp>
+        <p:nvSpPr>
+          <p:cNvPr id="6" name="Rectangle 2">
+            <a:extLst>
+              <a:ext uri="{FF2B5EF4-FFF2-40B4-BE49-F238E27FC236}">
+                <a16:creationId xmlns:a16="http://schemas.microsoft.com/office/drawing/2014/main" id="{87A0B79D-C477-C277-A480-3DFDE418ECA7}"/>
+              </a:ext>
+            </a:extLst>
+          </p:cNvPr>
+          <p:cNvSpPr txBox="1">
+            <a:spLocks noChangeArrowheads="1"/>
+          </p:cNvSpPr>
+          <p:nvPr/>
+        </p:nvSpPr>
+        <p:spPr>
+          <a:xfrm>
+            <a:off x="323528" y="-171400"/>
+            <a:ext cx="8568952" cy="1152992"/>
+          </a:xfrm>
+          <a:prstGeom prst="rect">
+            <a:avLst/>
+          </a:prstGeom>
+        </p:spPr>
+        <p:txBody>
+          <a:bodyPr vert="horz" lIns="91440" tIns="45720" rIns="91440" bIns="45720" rtlCol="0" anchor="b">
+            <a:normAutofit/>
+          </a:bodyPr>
+          <a:lstStyle>
+            <a:lvl1pPr algn="ctr" defTabSz="685800" rtl="0" eaLnBrk="1" latinLnBrk="0" hangingPunct="1">
+              <a:lnSpc>
+                <a:spcPct val="90000"/>
+              </a:lnSpc>
+              <a:spcBef>
+                <a:spcPct val="0"/>
+              </a:spcBef>
+              <a:buNone/>
+              <a:defRPr sz="4500" kern="1200">
+                <a:solidFill>
+                  <a:schemeClr val="tx1"/>
+                </a:solidFill>
+                <a:latin typeface="+mj-lt"/>
+                <a:ea typeface="+mj-ea"/>
+                <a:cs typeface="+mj-cs"/>
+              </a:defRPr>
+            </a:lvl1pPr>
+          </a:lstStyle>
+          <a:p>
+            <a:pPr algn="l"/>
+            <a:r>
+              <a:rPr lang="en-US" sz="3200" b="1"/>
+              <a:t>Improving Methods, Improving Resolution</a:t>
+            </a:r>
+            <a:endParaRPr lang="en-US" sz="3200" dirty="0"/>
+          </a:p>
+        </p:txBody>
+      </p:sp>
     </p:spTree>
     <p:extLst>
       <p:ext uri="{BB962C8B-B14F-4D97-AF65-F5344CB8AC3E}">
@@ -10093,35 +10252,6 @@
           <a:chExt cx="0" cy="0"/>
         </a:xfrm>
       </p:grpSpPr>
-      <p:sp>
-        <p:nvSpPr>
-          <p:cNvPr id="9" name="Rectangle 2"/>
-          <p:cNvSpPr>
-            <a:spLocks noGrp="1" noChangeArrowheads="1"/>
-          </p:cNvSpPr>
-          <p:nvPr>
-            <p:ph type="ctrTitle"/>
-          </p:nvPr>
-        </p:nvSpPr>
-        <p:spPr>
-          <a:xfrm>
-            <a:off x="323528" y="-171400"/>
-            <a:ext cx="8568952" cy="1535832"/>
-          </a:xfrm>
-        </p:spPr>
-        <p:txBody>
-          <a:bodyPr/>
-          <a:lstStyle/>
-          <a:p>
-            <a:pPr algn="l" eaLnBrk="1" hangingPunct="1"/>
-            <a:r>
-              <a:rPr lang="en-US" sz="3200" b="1" dirty="0"/>
-              <a:t>Improving Methods, Improving Resolution</a:t>
-            </a:r>
-            <a:endParaRPr lang="en-US" sz="3200" dirty="0"/>
-          </a:p>
-        </p:txBody>
-      </p:sp>
       <p:sp>
         <p:nvSpPr>
           <p:cNvPr id="3" name="TextBox 2"/>
@@ -11000,6 +11130,62 @@
           </a:p>
         </p:txBody>
       </p:sp>
+      <p:sp>
+        <p:nvSpPr>
+          <p:cNvPr id="7" name="Rectangle 2">
+            <a:extLst>
+              <a:ext uri="{FF2B5EF4-FFF2-40B4-BE49-F238E27FC236}">
+                <a16:creationId xmlns:a16="http://schemas.microsoft.com/office/drawing/2014/main" id="{4E5C3B5F-25E7-E8DD-8059-BDCCFEF90DD5}"/>
+              </a:ext>
+            </a:extLst>
+          </p:cNvPr>
+          <p:cNvSpPr txBox="1">
+            <a:spLocks noChangeArrowheads="1"/>
+          </p:cNvSpPr>
+          <p:nvPr/>
+        </p:nvSpPr>
+        <p:spPr>
+          <a:xfrm>
+            <a:off x="323528" y="-171400"/>
+            <a:ext cx="8568952" cy="1152992"/>
+          </a:xfrm>
+          <a:prstGeom prst="rect">
+            <a:avLst/>
+          </a:prstGeom>
+        </p:spPr>
+        <p:txBody>
+          <a:bodyPr vert="horz" lIns="91440" tIns="45720" rIns="91440" bIns="45720" rtlCol="0" anchor="b">
+            <a:normAutofit/>
+          </a:bodyPr>
+          <a:lstStyle>
+            <a:lvl1pPr algn="ctr" defTabSz="685800" rtl="0" eaLnBrk="1" latinLnBrk="0" hangingPunct="1">
+              <a:lnSpc>
+                <a:spcPct val="90000"/>
+              </a:lnSpc>
+              <a:spcBef>
+                <a:spcPct val="0"/>
+              </a:spcBef>
+              <a:buNone/>
+              <a:defRPr sz="4500" kern="1200">
+                <a:solidFill>
+                  <a:schemeClr val="tx1"/>
+                </a:solidFill>
+                <a:latin typeface="+mj-lt"/>
+                <a:ea typeface="+mj-ea"/>
+                <a:cs typeface="+mj-cs"/>
+              </a:defRPr>
+            </a:lvl1pPr>
+          </a:lstStyle>
+          <a:p>
+            <a:pPr algn="l"/>
+            <a:r>
+              <a:rPr lang="en-US" sz="3200" b="1"/>
+              <a:t>Improving Methods, Improving Resolution</a:t>
+            </a:r>
+            <a:endParaRPr lang="en-US" sz="3200" dirty="0"/>
+          </a:p>
+        </p:txBody>
+      </p:sp>
     </p:spTree>
     <p:extLst>
       <p:ext uri="{BB962C8B-B14F-4D97-AF65-F5344CB8AC3E}">
@@ -11043,7 +11229,7 @@
         <p:spPr>
           <a:xfrm>
             <a:off x="323528" y="-171400"/>
-            <a:ext cx="8568952" cy="1535832"/>
+            <a:ext cx="8568952" cy="1224136"/>
           </a:xfrm>
         </p:spPr>
         <p:txBody>
@@ -11254,35 +11440,6 @@
       </p:grpSpPr>
       <p:sp>
         <p:nvSpPr>
-          <p:cNvPr id="9" name="Rectangle 2"/>
-          <p:cNvSpPr>
-            <a:spLocks noGrp="1" noChangeArrowheads="1"/>
-          </p:cNvSpPr>
-          <p:nvPr>
-            <p:ph type="ctrTitle"/>
-          </p:nvPr>
-        </p:nvSpPr>
-        <p:spPr>
-          <a:xfrm>
-            <a:off x="323528" y="-171400"/>
-            <a:ext cx="8568952" cy="1535832"/>
-          </a:xfrm>
-        </p:spPr>
-        <p:txBody>
-          <a:bodyPr/>
-          <a:lstStyle/>
-          <a:p>
-            <a:pPr algn="l" eaLnBrk="1" hangingPunct="1"/>
-            <a:r>
-              <a:rPr lang="en-US" sz="3200" b="1" dirty="0"/>
-              <a:t>Improving Methods, Improving Resolution</a:t>
-            </a:r>
-            <a:endParaRPr lang="en-US" sz="3200" dirty="0"/>
-          </a:p>
-        </p:txBody>
-      </p:sp>
-      <p:sp>
-        <p:nvSpPr>
           <p:cNvPr id="3" name="TextBox 2"/>
           <p:cNvSpPr txBox="1"/>
           <p:nvPr/>
@@ -11443,6 +11600,62 @@
           <a:lstStyle/>
           <a:p>
             <a:endParaRPr lang="en-US" dirty="0"/>
+          </a:p>
+        </p:txBody>
+      </p:sp>
+      <p:sp>
+        <p:nvSpPr>
+          <p:cNvPr id="6" name="Rectangle 2">
+            <a:extLst>
+              <a:ext uri="{FF2B5EF4-FFF2-40B4-BE49-F238E27FC236}">
+                <a16:creationId xmlns:a16="http://schemas.microsoft.com/office/drawing/2014/main" id="{01E7ADCD-B283-C7FD-39C1-60D4D9F76F62}"/>
+              </a:ext>
+            </a:extLst>
+          </p:cNvPr>
+          <p:cNvSpPr txBox="1">
+            <a:spLocks noChangeArrowheads="1"/>
+          </p:cNvSpPr>
+          <p:nvPr/>
+        </p:nvSpPr>
+        <p:spPr>
+          <a:xfrm>
+            <a:off x="323528" y="-171400"/>
+            <a:ext cx="8568952" cy="1152992"/>
+          </a:xfrm>
+          <a:prstGeom prst="rect">
+            <a:avLst/>
+          </a:prstGeom>
+        </p:spPr>
+        <p:txBody>
+          <a:bodyPr vert="horz" lIns="91440" tIns="45720" rIns="91440" bIns="45720" rtlCol="0" anchor="b">
+            <a:normAutofit/>
+          </a:bodyPr>
+          <a:lstStyle>
+            <a:lvl1pPr algn="ctr" defTabSz="685800" rtl="0" eaLnBrk="1" latinLnBrk="0" hangingPunct="1">
+              <a:lnSpc>
+                <a:spcPct val="90000"/>
+              </a:lnSpc>
+              <a:spcBef>
+                <a:spcPct val="0"/>
+              </a:spcBef>
+              <a:buNone/>
+              <a:defRPr sz="4500" kern="1200">
+                <a:solidFill>
+                  <a:schemeClr val="tx1"/>
+                </a:solidFill>
+                <a:latin typeface="+mj-lt"/>
+                <a:ea typeface="+mj-ea"/>
+                <a:cs typeface="+mj-cs"/>
+              </a:defRPr>
+            </a:lvl1pPr>
+          </a:lstStyle>
+          <a:p>
+            <a:pPr algn="l"/>
+            <a:r>
+              <a:rPr lang="en-US" sz="3200" b="1"/>
+              <a:t>Improving Methods, Improving Resolution</a:t>
+            </a:r>
+            <a:endParaRPr lang="en-US" sz="3200" dirty="0"/>
           </a:p>
         </p:txBody>
       </p:sp>
@@ -11478,42 +11691,13 @@
       </p:grpSpPr>
       <p:sp>
         <p:nvSpPr>
-          <p:cNvPr id="9" name="Rectangle 2"/>
-          <p:cNvSpPr>
-            <a:spLocks noGrp="1" noChangeArrowheads="1"/>
-          </p:cNvSpPr>
-          <p:nvPr>
-            <p:ph type="ctrTitle"/>
-          </p:nvPr>
-        </p:nvSpPr>
-        <p:spPr>
-          <a:xfrm>
-            <a:off x="323528" y="-171400"/>
-            <a:ext cx="8568952" cy="1535832"/>
-          </a:xfrm>
-        </p:spPr>
-        <p:txBody>
-          <a:bodyPr/>
-          <a:lstStyle/>
-          <a:p>
-            <a:pPr algn="l" eaLnBrk="1" hangingPunct="1"/>
-            <a:r>
-              <a:rPr lang="en-US" sz="3200" b="1" dirty="0"/>
-              <a:t>Improving Methods, Improving Resolution</a:t>
-            </a:r>
-            <a:endParaRPr lang="en-US" sz="3200" dirty="0"/>
-          </a:p>
-        </p:txBody>
-      </p:sp>
-      <p:sp>
-        <p:nvSpPr>
           <p:cNvPr id="3" name="TextBox 2"/>
           <p:cNvSpPr txBox="1"/>
           <p:nvPr/>
         </p:nvSpPr>
         <p:spPr>
           <a:xfrm>
-            <a:off x="323528" y="1196752"/>
+            <a:off x="323528" y="922308"/>
             <a:ext cx="8352928" cy="400110"/>
           </a:xfrm>
           <a:prstGeom prst="rect">
@@ -11971,6 +12155,62 @@
           </a:prstGeom>
         </p:spPr>
       </p:pic>
+      <p:sp>
+        <p:nvSpPr>
+          <p:cNvPr id="7" name="Rectangle 2">
+            <a:extLst>
+              <a:ext uri="{FF2B5EF4-FFF2-40B4-BE49-F238E27FC236}">
+                <a16:creationId xmlns:a16="http://schemas.microsoft.com/office/drawing/2014/main" id="{4D807B6B-182B-CE93-4B43-F415170F2A99}"/>
+              </a:ext>
+            </a:extLst>
+          </p:cNvPr>
+          <p:cNvSpPr txBox="1">
+            <a:spLocks noChangeArrowheads="1"/>
+          </p:cNvSpPr>
+          <p:nvPr/>
+        </p:nvSpPr>
+        <p:spPr>
+          <a:xfrm>
+            <a:off x="323528" y="-171400"/>
+            <a:ext cx="8568952" cy="1152992"/>
+          </a:xfrm>
+          <a:prstGeom prst="rect">
+            <a:avLst/>
+          </a:prstGeom>
+        </p:spPr>
+        <p:txBody>
+          <a:bodyPr vert="horz" lIns="91440" tIns="45720" rIns="91440" bIns="45720" rtlCol="0" anchor="b">
+            <a:normAutofit/>
+          </a:bodyPr>
+          <a:lstStyle>
+            <a:lvl1pPr algn="ctr" defTabSz="685800" rtl="0" eaLnBrk="1" latinLnBrk="0" hangingPunct="1">
+              <a:lnSpc>
+                <a:spcPct val="90000"/>
+              </a:lnSpc>
+              <a:spcBef>
+                <a:spcPct val="0"/>
+              </a:spcBef>
+              <a:buNone/>
+              <a:defRPr sz="4500" kern="1200">
+                <a:solidFill>
+                  <a:schemeClr val="tx1"/>
+                </a:solidFill>
+                <a:latin typeface="+mj-lt"/>
+                <a:ea typeface="+mj-ea"/>
+                <a:cs typeface="+mj-cs"/>
+              </a:defRPr>
+            </a:lvl1pPr>
+          </a:lstStyle>
+          <a:p>
+            <a:pPr algn="l"/>
+            <a:r>
+              <a:rPr lang="en-US" sz="3200" b="1"/>
+              <a:t>Improving Methods, Improving Resolution</a:t>
+            </a:r>
+            <a:endParaRPr lang="en-US" sz="3200" dirty="0"/>
+          </a:p>
+        </p:txBody>
+      </p:sp>
     </p:spTree>
     <p:extLst>
       <p:ext uri="{BB962C8B-B14F-4D97-AF65-F5344CB8AC3E}">
@@ -12003,42 +12243,13 @@
       </p:grpSpPr>
       <p:sp>
         <p:nvSpPr>
-          <p:cNvPr id="9" name="Rectangle 2"/>
-          <p:cNvSpPr>
-            <a:spLocks noGrp="1" noChangeArrowheads="1"/>
-          </p:cNvSpPr>
-          <p:nvPr>
-            <p:ph type="ctrTitle"/>
-          </p:nvPr>
-        </p:nvSpPr>
-        <p:spPr>
-          <a:xfrm>
-            <a:off x="323528" y="-171400"/>
-            <a:ext cx="8568952" cy="1535832"/>
-          </a:xfrm>
-        </p:spPr>
-        <p:txBody>
-          <a:bodyPr/>
-          <a:lstStyle/>
-          <a:p>
-            <a:pPr algn="l" eaLnBrk="1" hangingPunct="1"/>
-            <a:r>
-              <a:rPr lang="en-US" sz="3200" b="1" dirty="0"/>
-              <a:t>Improving Methods, Improving Resolution</a:t>
-            </a:r>
-            <a:endParaRPr lang="en-US" sz="3200" dirty="0"/>
-          </a:p>
-        </p:txBody>
-      </p:sp>
-      <p:sp>
-        <p:nvSpPr>
           <p:cNvPr id="3" name="TextBox 2"/>
           <p:cNvSpPr txBox="1"/>
           <p:nvPr/>
         </p:nvSpPr>
         <p:spPr>
           <a:xfrm>
-            <a:off x="323528" y="1196752"/>
+            <a:off x="323528" y="1228690"/>
             <a:ext cx="8352928" cy="400110"/>
           </a:xfrm>
           <a:prstGeom prst="rect">
@@ -12903,6 +13114,62 @@
               <a:rPr lang="en-US" sz="1600" dirty="0"/>
               <a:t>Relies on well established phylogenetic methods you have been learning</a:t>
             </a:r>
+          </a:p>
+        </p:txBody>
+      </p:sp>
+      <p:sp>
+        <p:nvSpPr>
+          <p:cNvPr id="8" name="Rectangle 2">
+            <a:extLst>
+              <a:ext uri="{FF2B5EF4-FFF2-40B4-BE49-F238E27FC236}">
+                <a16:creationId xmlns:a16="http://schemas.microsoft.com/office/drawing/2014/main" id="{47D4AEE8-D31E-74A0-FA18-D25E55096860}"/>
+              </a:ext>
+            </a:extLst>
+          </p:cNvPr>
+          <p:cNvSpPr txBox="1">
+            <a:spLocks noChangeArrowheads="1"/>
+          </p:cNvSpPr>
+          <p:nvPr/>
+        </p:nvSpPr>
+        <p:spPr>
+          <a:xfrm>
+            <a:off x="323528" y="-171400"/>
+            <a:ext cx="8568952" cy="1152992"/>
+          </a:xfrm>
+          <a:prstGeom prst="rect">
+            <a:avLst/>
+          </a:prstGeom>
+        </p:spPr>
+        <p:txBody>
+          <a:bodyPr vert="horz" lIns="91440" tIns="45720" rIns="91440" bIns="45720" rtlCol="0" anchor="b">
+            <a:normAutofit/>
+          </a:bodyPr>
+          <a:lstStyle>
+            <a:lvl1pPr algn="ctr" defTabSz="685800" rtl="0" eaLnBrk="1" latinLnBrk="0" hangingPunct="1">
+              <a:lnSpc>
+                <a:spcPct val="90000"/>
+              </a:lnSpc>
+              <a:spcBef>
+                <a:spcPct val="0"/>
+              </a:spcBef>
+              <a:buNone/>
+              <a:defRPr sz="4500" kern="1200">
+                <a:solidFill>
+                  <a:schemeClr val="tx1"/>
+                </a:solidFill>
+                <a:latin typeface="+mj-lt"/>
+                <a:ea typeface="+mj-ea"/>
+                <a:cs typeface="+mj-cs"/>
+              </a:defRPr>
+            </a:lvl1pPr>
+          </a:lstStyle>
+          <a:p>
+            <a:pPr algn="l"/>
+            <a:r>
+              <a:rPr lang="en-US" sz="3200" b="1"/>
+              <a:t>Improving Methods, Improving Resolution</a:t>
+            </a:r>
+            <a:endParaRPr lang="en-US" sz="3200" dirty="0"/>
           </a:p>
         </p:txBody>
       </p:sp>
@@ -12949,7 +13216,7 @@
         <p:spPr>
           <a:xfrm>
             <a:off x="323528" y="-171400"/>
-            <a:ext cx="8568952" cy="1535832"/>
+            <a:ext cx="8568952" cy="1224136"/>
           </a:xfrm>
         </p:spPr>
         <p:txBody>
@@ -13090,35 +13357,6 @@
       </p:grpSpPr>
       <p:sp>
         <p:nvSpPr>
-          <p:cNvPr id="9" name="Rectangle 2"/>
-          <p:cNvSpPr>
-            <a:spLocks noGrp="1" noChangeArrowheads="1"/>
-          </p:cNvSpPr>
-          <p:nvPr>
-            <p:ph type="ctrTitle"/>
-          </p:nvPr>
-        </p:nvSpPr>
-        <p:spPr>
-          <a:xfrm>
-            <a:off x="323528" y="-171400"/>
-            <a:ext cx="8568952" cy="1535832"/>
-          </a:xfrm>
-        </p:spPr>
-        <p:txBody>
-          <a:bodyPr/>
-          <a:lstStyle/>
-          <a:p>
-            <a:pPr algn="l" eaLnBrk="1" hangingPunct="1"/>
-            <a:r>
-              <a:rPr lang="en-US" sz="3200" b="1" dirty="0"/>
-              <a:t>Horizontal Gene Transfer</a:t>
-            </a:r>
-            <a:endParaRPr lang="en-US" sz="3200" dirty="0"/>
-          </a:p>
-        </p:txBody>
-      </p:sp>
-      <p:sp>
-        <p:nvSpPr>
           <p:cNvPr id="3" name="TextBox 2"/>
           <p:cNvSpPr txBox="1"/>
           <p:nvPr/>
@@ -13276,6 +13514,62 @@
               <a:rPr lang="en-US" sz="1600" dirty="0"/>
               <a:t>Non-homologous traits do not reflect evolutionary history but instead convergence. They can mislead inference of evolutionary relationships. Example: octopus eye versus human eye.</a:t>
             </a:r>
+          </a:p>
+        </p:txBody>
+      </p:sp>
+      <p:sp>
+        <p:nvSpPr>
+          <p:cNvPr id="7" name="Rectangle 2">
+            <a:extLst>
+              <a:ext uri="{FF2B5EF4-FFF2-40B4-BE49-F238E27FC236}">
+                <a16:creationId xmlns:a16="http://schemas.microsoft.com/office/drawing/2014/main" id="{99B5F5FB-2596-8B7A-E2AC-827716DA67FD}"/>
+              </a:ext>
+            </a:extLst>
+          </p:cNvPr>
+          <p:cNvSpPr txBox="1">
+            <a:spLocks noChangeArrowheads="1"/>
+          </p:cNvSpPr>
+          <p:nvPr/>
+        </p:nvSpPr>
+        <p:spPr>
+          <a:xfrm>
+            <a:off x="323528" y="-171400"/>
+            <a:ext cx="8568952" cy="1224136"/>
+          </a:xfrm>
+          <a:prstGeom prst="rect">
+            <a:avLst/>
+          </a:prstGeom>
+        </p:spPr>
+        <p:txBody>
+          <a:bodyPr vert="horz" lIns="91440" tIns="45720" rIns="91440" bIns="45720" rtlCol="0" anchor="b">
+            <a:normAutofit/>
+          </a:bodyPr>
+          <a:lstStyle>
+            <a:lvl1pPr algn="ctr" defTabSz="685800" rtl="0" eaLnBrk="1" latinLnBrk="0" hangingPunct="1">
+              <a:lnSpc>
+                <a:spcPct val="90000"/>
+              </a:lnSpc>
+              <a:spcBef>
+                <a:spcPct val="0"/>
+              </a:spcBef>
+              <a:buNone/>
+              <a:defRPr sz="4500" kern="1200">
+                <a:solidFill>
+                  <a:schemeClr val="tx1"/>
+                </a:solidFill>
+                <a:latin typeface="+mj-lt"/>
+                <a:ea typeface="+mj-ea"/>
+                <a:cs typeface="+mj-cs"/>
+              </a:defRPr>
+            </a:lvl1pPr>
+          </a:lstStyle>
+          <a:p>
+            <a:pPr algn="l"/>
+            <a:r>
+              <a:rPr lang="en-US" sz="3200" b="1"/>
+              <a:t>Horizontal Gene Transfer</a:t>
+            </a:r>
+            <a:endParaRPr lang="en-US" sz="3200" dirty="0"/>
           </a:p>
         </p:txBody>
       </p:sp>
@@ -13311,35 +13605,6 @@
       </p:grpSpPr>
       <p:sp>
         <p:nvSpPr>
-          <p:cNvPr id="9" name="Rectangle 2"/>
-          <p:cNvSpPr>
-            <a:spLocks noGrp="1" noChangeArrowheads="1"/>
-          </p:cNvSpPr>
-          <p:nvPr>
-            <p:ph type="ctrTitle"/>
-          </p:nvPr>
-        </p:nvSpPr>
-        <p:spPr>
-          <a:xfrm>
-            <a:off x="323528" y="-171400"/>
-            <a:ext cx="8568952" cy="1535832"/>
-          </a:xfrm>
-        </p:spPr>
-        <p:txBody>
-          <a:bodyPr/>
-          <a:lstStyle/>
-          <a:p>
-            <a:pPr algn="l" eaLnBrk="1" hangingPunct="1"/>
-            <a:r>
-              <a:rPr lang="en-US" sz="3200" b="1" dirty="0"/>
-              <a:t>Horizontal Gene Transfer</a:t>
-            </a:r>
-            <a:endParaRPr lang="en-US" sz="3200" dirty="0"/>
-          </a:p>
-        </p:txBody>
-      </p:sp>
-      <p:sp>
-        <p:nvSpPr>
           <p:cNvPr id="3" name="TextBox 2"/>
           <p:cNvSpPr txBox="1"/>
           <p:nvPr/>
@@ -13508,8 +13773,8 @@
         </p:nvSpPr>
         <p:spPr>
           <a:xfrm>
-            <a:off x="4355976" y="2060848"/>
-            <a:ext cx="4320480" cy="4770537"/>
+            <a:off x="4067944" y="2060848"/>
+            <a:ext cx="4680520" cy="4770537"/>
           </a:xfrm>
           <a:prstGeom prst="rect">
             <a:avLst/>
@@ -13617,6 +13882,62 @@
               <a:rPr lang="en-US" sz="1600" dirty="0"/>
               <a:t> or related algorithms</a:t>
             </a:r>
+          </a:p>
+        </p:txBody>
+      </p:sp>
+      <p:sp>
+        <p:nvSpPr>
+          <p:cNvPr id="8" name="Rectangle 2">
+            <a:extLst>
+              <a:ext uri="{FF2B5EF4-FFF2-40B4-BE49-F238E27FC236}">
+                <a16:creationId xmlns:a16="http://schemas.microsoft.com/office/drawing/2014/main" id="{FFBC53C4-CC89-E8F2-4507-A62B546EE05C}"/>
+              </a:ext>
+            </a:extLst>
+          </p:cNvPr>
+          <p:cNvSpPr txBox="1">
+            <a:spLocks noChangeArrowheads="1"/>
+          </p:cNvSpPr>
+          <p:nvPr/>
+        </p:nvSpPr>
+        <p:spPr>
+          <a:xfrm>
+            <a:off x="323528" y="-171400"/>
+            <a:ext cx="8568952" cy="1224136"/>
+          </a:xfrm>
+          <a:prstGeom prst="rect">
+            <a:avLst/>
+          </a:prstGeom>
+        </p:spPr>
+        <p:txBody>
+          <a:bodyPr vert="horz" lIns="91440" tIns="45720" rIns="91440" bIns="45720" rtlCol="0" anchor="b">
+            <a:normAutofit/>
+          </a:bodyPr>
+          <a:lstStyle>
+            <a:lvl1pPr algn="ctr" defTabSz="685800" rtl="0" eaLnBrk="1" latinLnBrk="0" hangingPunct="1">
+              <a:lnSpc>
+                <a:spcPct val="90000"/>
+              </a:lnSpc>
+              <a:spcBef>
+                <a:spcPct val="0"/>
+              </a:spcBef>
+              <a:buNone/>
+              <a:defRPr sz="4500" kern="1200">
+                <a:solidFill>
+                  <a:schemeClr val="tx1"/>
+                </a:solidFill>
+                <a:latin typeface="+mj-lt"/>
+                <a:ea typeface="+mj-ea"/>
+                <a:cs typeface="+mj-cs"/>
+              </a:defRPr>
+            </a:lvl1pPr>
+          </a:lstStyle>
+          <a:p>
+            <a:pPr algn="l"/>
+            <a:r>
+              <a:rPr lang="en-US" sz="3200" b="1"/>
+              <a:t>Horizontal Gene Transfer</a:t>
+            </a:r>
+            <a:endParaRPr lang="en-US" sz="3200" dirty="0"/>
           </a:p>
         </p:txBody>
       </p:sp>
@@ -13663,7 +13984,7 @@
         <p:spPr>
           <a:xfrm>
             <a:off x="323528" y="-171400"/>
-            <a:ext cx="8568952" cy="1535832"/>
+            <a:ext cx="8568952" cy="1159578"/>
           </a:xfrm>
         </p:spPr>
         <p:txBody>
@@ -14399,7 +14720,7 @@
         <p:spPr>
           <a:xfrm>
             <a:off x="323528" y="-171400"/>
-            <a:ext cx="8568952" cy="1535832"/>
+            <a:ext cx="8568952" cy="1104341"/>
           </a:xfrm>
         </p:spPr>
         <p:txBody>
@@ -15008,7 +15329,7 @@
         <p:spPr>
           <a:xfrm>
             <a:off x="323528" y="-171400"/>
-            <a:ext cx="8568952" cy="1535832"/>
+            <a:ext cx="8568952" cy="1224136"/>
           </a:xfrm>
         </p:spPr>
         <p:txBody>
@@ -15229,35 +15550,6 @@
       </p:grpSpPr>
       <p:sp>
         <p:nvSpPr>
-          <p:cNvPr id="9" name="Rectangle 2"/>
-          <p:cNvSpPr>
-            <a:spLocks noGrp="1" noChangeArrowheads="1"/>
-          </p:cNvSpPr>
-          <p:nvPr>
-            <p:ph type="ctrTitle"/>
-          </p:nvPr>
-        </p:nvSpPr>
-        <p:spPr>
-          <a:xfrm>
-            <a:off x="323528" y="-171400"/>
-            <a:ext cx="8568952" cy="1535832"/>
-          </a:xfrm>
-        </p:spPr>
-        <p:txBody>
-          <a:bodyPr/>
-          <a:lstStyle/>
-          <a:p>
-            <a:pPr algn="l" eaLnBrk="1" hangingPunct="1"/>
-            <a:r>
-              <a:rPr lang="en-US" sz="3200" b="1" dirty="0"/>
-              <a:t>Short Read Alignment / Mapping</a:t>
-            </a:r>
-            <a:endParaRPr lang="en-US" sz="3200" dirty="0"/>
-          </a:p>
-        </p:txBody>
-      </p:sp>
-      <p:sp>
-        <p:nvSpPr>
           <p:cNvPr id="4" name="TextBox 3"/>
           <p:cNvSpPr txBox="1"/>
           <p:nvPr/>
@@ -15456,6 +15748,62 @@
           </a:prstGeom>
         </p:spPr>
       </p:pic>
+      <p:sp>
+        <p:nvSpPr>
+          <p:cNvPr id="8" name="Rectangle 2">
+            <a:extLst>
+              <a:ext uri="{FF2B5EF4-FFF2-40B4-BE49-F238E27FC236}">
+                <a16:creationId xmlns:a16="http://schemas.microsoft.com/office/drawing/2014/main" id="{9DEBE5B0-F8CA-55D3-A978-554B233255EF}"/>
+              </a:ext>
+            </a:extLst>
+          </p:cNvPr>
+          <p:cNvSpPr txBox="1">
+            <a:spLocks noChangeArrowheads="1"/>
+          </p:cNvSpPr>
+          <p:nvPr/>
+        </p:nvSpPr>
+        <p:spPr>
+          <a:xfrm>
+            <a:off x="323528" y="-171400"/>
+            <a:ext cx="8568952" cy="1224136"/>
+          </a:xfrm>
+          <a:prstGeom prst="rect">
+            <a:avLst/>
+          </a:prstGeom>
+        </p:spPr>
+        <p:txBody>
+          <a:bodyPr vert="horz" lIns="91440" tIns="45720" rIns="91440" bIns="45720" rtlCol="0" anchor="b">
+            <a:normAutofit/>
+          </a:bodyPr>
+          <a:lstStyle>
+            <a:lvl1pPr algn="ctr" defTabSz="685800" rtl="0" eaLnBrk="1" latinLnBrk="0" hangingPunct="1">
+              <a:lnSpc>
+                <a:spcPct val="90000"/>
+              </a:lnSpc>
+              <a:spcBef>
+                <a:spcPct val="0"/>
+              </a:spcBef>
+              <a:buNone/>
+              <a:defRPr sz="4500" kern="1200">
+                <a:solidFill>
+                  <a:schemeClr val="tx1"/>
+                </a:solidFill>
+                <a:latin typeface="+mj-lt"/>
+                <a:ea typeface="+mj-ea"/>
+                <a:cs typeface="+mj-cs"/>
+              </a:defRPr>
+            </a:lvl1pPr>
+          </a:lstStyle>
+          <a:p>
+            <a:pPr algn="l"/>
+            <a:r>
+              <a:rPr lang="en-US" sz="3200" b="1"/>
+              <a:t>Short Read Alignment / Mapping</a:t>
+            </a:r>
+            <a:endParaRPr lang="en-US" sz="3200" dirty="0"/>
+          </a:p>
+        </p:txBody>
+      </p:sp>
     </p:spTree>
     <p:extLst>
       <p:ext uri="{BB962C8B-B14F-4D97-AF65-F5344CB8AC3E}">
@@ -15488,35 +15836,6 @@
       </p:grpSpPr>
       <p:sp>
         <p:nvSpPr>
-          <p:cNvPr id="9" name="Rectangle 2"/>
-          <p:cNvSpPr>
-            <a:spLocks noGrp="1" noChangeArrowheads="1"/>
-          </p:cNvSpPr>
-          <p:nvPr>
-            <p:ph type="ctrTitle"/>
-          </p:nvPr>
-        </p:nvSpPr>
-        <p:spPr>
-          <a:xfrm>
-            <a:off x="323528" y="-171400"/>
-            <a:ext cx="8568952" cy="1535832"/>
-          </a:xfrm>
-        </p:spPr>
-        <p:txBody>
-          <a:bodyPr/>
-          <a:lstStyle/>
-          <a:p>
-            <a:pPr algn="l" eaLnBrk="1" hangingPunct="1"/>
-            <a:r>
-              <a:rPr lang="en-US" sz="3200" b="1" dirty="0"/>
-              <a:t>Molecular Epidemiology</a:t>
-            </a:r>
-            <a:endParaRPr lang="en-US" sz="3200" dirty="0"/>
-          </a:p>
-        </p:txBody>
-      </p:sp>
-      <p:sp>
-        <p:nvSpPr>
           <p:cNvPr id="4" name="Isosceles Triangle 3"/>
           <p:cNvSpPr/>
           <p:nvPr/>
@@ -15667,6 +15986,62 @@
               </a:rPr>
               <a:t>international</a:t>
             </a:r>
+          </a:p>
+        </p:txBody>
+      </p:sp>
+      <p:sp>
+        <p:nvSpPr>
+          <p:cNvPr id="8" name="Rectangle 2">
+            <a:extLst>
+              <a:ext uri="{FF2B5EF4-FFF2-40B4-BE49-F238E27FC236}">
+                <a16:creationId xmlns:a16="http://schemas.microsoft.com/office/drawing/2014/main" id="{D2443CBD-1403-CD71-1E2E-C3E5B6401677}"/>
+              </a:ext>
+            </a:extLst>
+          </p:cNvPr>
+          <p:cNvSpPr txBox="1">
+            <a:spLocks noChangeArrowheads="1"/>
+          </p:cNvSpPr>
+          <p:nvPr/>
+        </p:nvSpPr>
+        <p:spPr>
+          <a:xfrm>
+            <a:off x="323528" y="-171400"/>
+            <a:ext cx="8568952" cy="1224136"/>
+          </a:xfrm>
+          <a:prstGeom prst="rect">
+            <a:avLst/>
+          </a:prstGeom>
+        </p:spPr>
+        <p:txBody>
+          <a:bodyPr vert="horz" lIns="91440" tIns="45720" rIns="91440" bIns="45720" rtlCol="0" anchor="b">
+            <a:normAutofit/>
+          </a:bodyPr>
+          <a:lstStyle>
+            <a:lvl1pPr algn="ctr" defTabSz="685800" rtl="0" eaLnBrk="1" latinLnBrk="0" hangingPunct="1">
+              <a:lnSpc>
+                <a:spcPct val="90000"/>
+              </a:lnSpc>
+              <a:spcBef>
+                <a:spcPct val="0"/>
+              </a:spcBef>
+              <a:buNone/>
+              <a:defRPr sz="4500" kern="1200">
+                <a:solidFill>
+                  <a:schemeClr val="tx1"/>
+                </a:solidFill>
+                <a:latin typeface="+mj-lt"/>
+                <a:ea typeface="+mj-ea"/>
+                <a:cs typeface="+mj-cs"/>
+              </a:defRPr>
+            </a:lvl1pPr>
+          </a:lstStyle>
+          <a:p>
+            <a:pPr algn="l"/>
+            <a:r>
+              <a:rPr lang="en-US" sz="3200" b="1" dirty="0"/>
+              <a:t>Molecular Epidemiology</a:t>
+            </a:r>
+            <a:endParaRPr lang="en-US" sz="3200" dirty="0"/>
           </a:p>
         </p:txBody>
       </p:sp>
@@ -15700,35 +16075,6 @@
           <a:chExt cx="0" cy="0"/>
         </a:xfrm>
       </p:grpSpPr>
-      <p:sp>
-        <p:nvSpPr>
-          <p:cNvPr id="9" name="Rectangle 2"/>
-          <p:cNvSpPr>
-            <a:spLocks noGrp="1" noChangeArrowheads="1"/>
-          </p:cNvSpPr>
-          <p:nvPr>
-            <p:ph type="ctrTitle"/>
-          </p:nvPr>
-        </p:nvSpPr>
-        <p:spPr>
-          <a:xfrm>
-            <a:off x="323528" y="-171400"/>
-            <a:ext cx="8568952" cy="1535832"/>
-          </a:xfrm>
-        </p:spPr>
-        <p:txBody>
-          <a:bodyPr/>
-          <a:lstStyle/>
-          <a:p>
-            <a:pPr algn="l" eaLnBrk="1" hangingPunct="1"/>
-            <a:r>
-              <a:rPr lang="en-US" sz="3200" b="1" dirty="0"/>
-              <a:t>Short Read Alignment / Mapping</a:t>
-            </a:r>
-            <a:endParaRPr lang="en-US" sz="3200" dirty="0"/>
-          </a:p>
-        </p:txBody>
-      </p:sp>
       <p:pic>
         <p:nvPicPr>
           <p:cNvPr id="10" name="Picture 9"/>
@@ -15758,6 +16104,87 @@
           </a:prstGeom>
         </p:spPr>
       </p:pic>
+      <p:sp>
+        <p:nvSpPr>
+          <p:cNvPr id="3" name="Title 2">
+            <a:extLst>
+              <a:ext uri="{FF2B5EF4-FFF2-40B4-BE49-F238E27FC236}">
+                <a16:creationId xmlns:a16="http://schemas.microsoft.com/office/drawing/2014/main" id="{4812AF71-0356-021C-EFCB-493CB5877BA9}"/>
+              </a:ext>
+            </a:extLst>
+          </p:cNvPr>
+          <p:cNvSpPr>
+            <a:spLocks noGrp="1"/>
+          </p:cNvSpPr>
+          <p:nvPr>
+            <p:ph type="ctrTitle"/>
+          </p:nvPr>
+        </p:nvSpPr>
+        <p:spPr/>
+        <p:txBody>
+          <a:bodyPr/>
+          <a:lstStyle/>
+          <a:p>
+            <a:endParaRPr lang="en-US"/>
+          </a:p>
+        </p:txBody>
+      </p:sp>
+      <p:sp>
+        <p:nvSpPr>
+          <p:cNvPr id="4" name="Rectangle 2">
+            <a:extLst>
+              <a:ext uri="{FF2B5EF4-FFF2-40B4-BE49-F238E27FC236}">
+                <a16:creationId xmlns:a16="http://schemas.microsoft.com/office/drawing/2014/main" id="{46B37895-783D-601F-079A-8B04499C6F4A}"/>
+              </a:ext>
+            </a:extLst>
+          </p:cNvPr>
+          <p:cNvSpPr txBox="1">
+            <a:spLocks noChangeArrowheads="1"/>
+          </p:cNvSpPr>
+          <p:nvPr/>
+        </p:nvSpPr>
+        <p:spPr>
+          <a:xfrm>
+            <a:off x="323528" y="-171400"/>
+            <a:ext cx="8568952" cy="1224136"/>
+          </a:xfrm>
+          <a:prstGeom prst="rect">
+            <a:avLst/>
+          </a:prstGeom>
+        </p:spPr>
+        <p:txBody>
+          <a:bodyPr vert="horz" lIns="91440" tIns="45720" rIns="91440" bIns="45720" rtlCol="0" anchor="b">
+            <a:normAutofit/>
+          </a:bodyPr>
+          <a:lstStyle>
+            <a:lvl1pPr algn="ctr" defTabSz="685800" rtl="0" eaLnBrk="1" latinLnBrk="0" hangingPunct="1">
+              <a:lnSpc>
+                <a:spcPct val="90000"/>
+              </a:lnSpc>
+              <a:spcBef>
+                <a:spcPct val="0"/>
+              </a:spcBef>
+              <a:buNone/>
+              <a:defRPr sz="4500" kern="1200">
+                <a:solidFill>
+                  <a:schemeClr val="tx1"/>
+                </a:solidFill>
+                <a:latin typeface="+mj-lt"/>
+                <a:ea typeface="+mj-ea"/>
+                <a:cs typeface="+mj-cs"/>
+              </a:defRPr>
+            </a:lvl1pPr>
+          </a:lstStyle>
+          <a:p>
+            <a:pPr algn="l"/>
+            <a:r>
+              <a:rPr lang="en-US" sz="3200" b="1"/>
+              <a:t>Short Read Alignment / Mapping</a:t>
+            </a:r>
+            <a:endParaRPr lang="en-US" sz="3200" dirty="0"/>
+          </a:p>
+        </p:txBody>
+      </p:sp>
     </p:spTree>
     <p:extLst>
       <p:ext uri="{BB962C8B-B14F-4D97-AF65-F5344CB8AC3E}">
@@ -15830,7 +16257,7 @@
         <p:spPr>
           <a:xfrm>
             <a:off x="323528" y="-171400"/>
-            <a:ext cx="8568952" cy="1535832"/>
+            <a:ext cx="8568952" cy="959472"/>
           </a:xfrm>
         </p:spPr>
         <p:txBody>
@@ -16168,7 +16595,7 @@
         <p:spPr>
           <a:xfrm>
             <a:off x="323528" y="-171400"/>
-            <a:ext cx="8568952" cy="1535832"/>
+            <a:ext cx="8568952" cy="1224136"/>
           </a:xfrm>
         </p:spPr>
         <p:txBody>
@@ -16424,7 +16851,7 @@
         <p:spPr>
           <a:xfrm>
             <a:off x="347865" y="1521591"/>
-            <a:ext cx="1483549" cy="369332"/>
+            <a:ext cx="1631845" cy="369332"/>
           </a:xfrm>
           <a:prstGeom prst="rect">
             <a:avLst/>
@@ -16437,7 +16864,7 @@
           </a:ln>
         </p:spPr>
         <p:txBody>
-          <a:bodyPr wrap="none" rtlCol="0">
+          <a:bodyPr wrap="square" rtlCol="0">
             <a:spAutoFit/>
           </a:bodyPr>
           <a:lstStyle/>
@@ -16458,7 +16885,7 @@
         <p:spPr>
           <a:xfrm>
             <a:off x="395536" y="2634215"/>
-            <a:ext cx="902811" cy="369332"/>
+            <a:ext cx="1008111" cy="369332"/>
           </a:xfrm>
           <a:prstGeom prst="rect">
             <a:avLst/>
@@ -16471,7 +16898,7 @@
           </a:ln>
         </p:spPr>
         <p:txBody>
-          <a:bodyPr wrap="none" rtlCol="0">
+          <a:bodyPr wrap="square" rtlCol="0">
             <a:spAutoFit/>
           </a:bodyPr>
           <a:lstStyle/>
@@ -16492,7 +16919,7 @@
         <p:spPr>
           <a:xfrm>
             <a:off x="392558" y="3754510"/>
-            <a:ext cx="2877711" cy="369332"/>
+            <a:ext cx="3027312" cy="369332"/>
           </a:xfrm>
           <a:prstGeom prst="rect">
             <a:avLst/>
@@ -16505,7 +16932,7 @@
           </a:ln>
         </p:spPr>
         <p:txBody>
-          <a:bodyPr wrap="none" rtlCol="0">
+          <a:bodyPr wrap="square" rtlCol="0">
             <a:spAutoFit/>
           </a:bodyPr>
           <a:lstStyle/>
@@ -16526,7 +16953,7 @@
         <p:spPr>
           <a:xfrm>
             <a:off x="395536" y="5315729"/>
-            <a:ext cx="5017357" cy="369332"/>
+            <a:ext cx="5328589" cy="369332"/>
           </a:xfrm>
           <a:prstGeom prst="rect">
             <a:avLst/>
@@ -16539,7 +16966,7 @@
           </a:ln>
         </p:spPr>
         <p:txBody>
-          <a:bodyPr wrap="none" rtlCol="0">
+          <a:bodyPr wrap="square" rtlCol="0">
             <a:spAutoFit/>
           </a:bodyPr>
           <a:lstStyle/>
@@ -16838,7 +17265,7 @@
         <p:spPr>
           <a:xfrm>
             <a:off x="347865" y="1521591"/>
-            <a:ext cx="1483549" cy="369332"/>
+            <a:ext cx="1631847" cy="369332"/>
           </a:xfrm>
           <a:prstGeom prst="rect">
             <a:avLst/>
@@ -16851,7 +17278,7 @@
           </a:ln>
         </p:spPr>
         <p:txBody>
-          <a:bodyPr wrap="none" rtlCol="0">
+          <a:bodyPr wrap="square" rtlCol="0">
             <a:spAutoFit/>
           </a:bodyPr>
           <a:lstStyle/>
@@ -16872,7 +17299,7 @@
         <p:spPr>
           <a:xfrm>
             <a:off x="392558" y="3754510"/>
-            <a:ext cx="5919569" cy="369332"/>
+            <a:ext cx="6267674" cy="369332"/>
           </a:xfrm>
           <a:prstGeom prst="rect">
             <a:avLst/>
@@ -16885,7 +17312,7 @@
           </a:ln>
         </p:spPr>
         <p:txBody>
-          <a:bodyPr wrap="none" rtlCol="0">
+          <a:bodyPr wrap="square" rtlCol="0">
             <a:spAutoFit/>
           </a:bodyPr>
           <a:lstStyle/>
@@ -16905,8 +17332,8 @@
         </p:nvSpPr>
         <p:spPr>
           <a:xfrm>
-            <a:off x="395536" y="5315729"/>
-            <a:ext cx="5183856" cy="369332"/>
+            <a:off x="395535" y="5315729"/>
+            <a:ext cx="5544615" cy="369332"/>
           </a:xfrm>
           <a:prstGeom prst="rect">
             <a:avLst/>
@@ -16919,7 +17346,7 @@
           </a:ln>
         </p:spPr>
         <p:txBody>
-          <a:bodyPr wrap="none" rtlCol="0">
+          <a:bodyPr wrap="square" rtlCol="0">
             <a:spAutoFit/>
           </a:bodyPr>
           <a:lstStyle/>
@@ -18646,7 +19073,7 @@
         <p:spPr>
           <a:xfrm>
             <a:off x="323528" y="-171400"/>
-            <a:ext cx="8568952" cy="1535832"/>
+            <a:ext cx="8568952" cy="1238657"/>
           </a:xfrm>
         </p:spPr>
         <p:txBody>
@@ -18682,7 +19109,7 @@
         </p:nvSpPr>
         <p:spPr>
           <a:xfrm>
-            <a:off x="323528" y="1196752"/>
+            <a:off x="323528" y="1067257"/>
             <a:ext cx="8352928" cy="2246769"/>
           </a:xfrm>
           <a:prstGeom prst="rect">
@@ -18838,7 +19265,7 @@
         <p:spPr>
           <a:xfrm>
             <a:off x="323528" y="-171400"/>
-            <a:ext cx="8568952" cy="1535832"/>
+            <a:ext cx="8568952" cy="1244381"/>
           </a:xfrm>
         </p:spPr>
         <p:txBody>
@@ -18886,10 +19313,10 @@
       </p:pic>
       <p:pic>
         <p:nvPicPr>
-          <p:cNvPr id="4" name="Picture 3" descr="A screenshot of a computer&#10;&#10;Description automatically generated">
+          <p:cNvPr id="3" name="Picture 2" descr="A screenshot of a computer&#10;&#10;Description automatically generated">
             <a:extLst>
               <a:ext uri="{FF2B5EF4-FFF2-40B4-BE49-F238E27FC236}">
-                <a16:creationId xmlns:a16="http://schemas.microsoft.com/office/drawing/2014/main" id="{F5F2CFF5-13C1-1C33-7CA7-3D1E56D2F398}"/>
+                <a16:creationId xmlns:a16="http://schemas.microsoft.com/office/drawing/2014/main" id="{2773BA60-679E-00FD-3DE2-5C1CB564DFC6}"/>
               </a:ext>
             </a:extLst>
           </p:cNvPr>
@@ -18906,8 +19333,8 @@
         </p:blipFill>
         <p:spPr>
           <a:xfrm>
-            <a:off x="335794" y="1350555"/>
-            <a:ext cx="7772400" cy="1194222"/>
+            <a:off x="188986" y="1696989"/>
+            <a:ext cx="8685447" cy="1128156"/>
           </a:xfrm>
           <a:prstGeom prst="rect">
             <a:avLst/>
@@ -18946,35 +19373,6 @@
       </p:grpSpPr>
       <p:sp>
         <p:nvSpPr>
-          <p:cNvPr id="9" name="Rectangle 2"/>
-          <p:cNvSpPr>
-            <a:spLocks noGrp="1" noChangeArrowheads="1"/>
-          </p:cNvSpPr>
-          <p:nvPr>
-            <p:ph type="ctrTitle"/>
-          </p:nvPr>
-        </p:nvSpPr>
-        <p:spPr>
-          <a:xfrm>
-            <a:off x="323528" y="-171400"/>
-            <a:ext cx="8568952" cy="1535832"/>
-          </a:xfrm>
-        </p:spPr>
-        <p:txBody>
-          <a:bodyPr/>
-          <a:lstStyle/>
-          <a:p>
-            <a:pPr algn="l" eaLnBrk="1" hangingPunct="1"/>
-            <a:r>
-              <a:rPr lang="en-US" sz="3200" b="1" dirty="0"/>
-              <a:t>Molecular Epidemiology</a:t>
-            </a:r>
-            <a:endParaRPr lang="en-US" sz="3200" dirty="0"/>
-          </a:p>
-        </p:txBody>
-      </p:sp>
-      <p:sp>
-        <p:nvSpPr>
           <p:cNvPr id="4" name="Isosceles Triangle 3"/>
           <p:cNvSpPr/>
           <p:nvPr/>
@@ -19257,6 +19655,62 @@
               </a:rPr>
               <a:t>surveillance</a:t>
             </a:r>
+          </a:p>
+        </p:txBody>
+      </p:sp>
+      <p:sp>
+        <p:nvSpPr>
+          <p:cNvPr id="13" name="Rectangle 2">
+            <a:extLst>
+              <a:ext uri="{FF2B5EF4-FFF2-40B4-BE49-F238E27FC236}">
+                <a16:creationId xmlns:a16="http://schemas.microsoft.com/office/drawing/2014/main" id="{71D98F6B-B3F3-C167-8E54-D49EC59E04C9}"/>
+              </a:ext>
+            </a:extLst>
+          </p:cNvPr>
+          <p:cNvSpPr txBox="1">
+            <a:spLocks noChangeArrowheads="1"/>
+          </p:cNvSpPr>
+          <p:nvPr/>
+        </p:nvSpPr>
+        <p:spPr>
+          <a:xfrm>
+            <a:off x="323528" y="-171400"/>
+            <a:ext cx="8568952" cy="1224136"/>
+          </a:xfrm>
+          <a:prstGeom prst="rect">
+            <a:avLst/>
+          </a:prstGeom>
+        </p:spPr>
+        <p:txBody>
+          <a:bodyPr vert="horz" lIns="91440" tIns="45720" rIns="91440" bIns="45720" rtlCol="0" anchor="b">
+            <a:normAutofit/>
+          </a:bodyPr>
+          <a:lstStyle>
+            <a:lvl1pPr algn="ctr" defTabSz="685800" rtl="0" eaLnBrk="1" latinLnBrk="0" hangingPunct="1">
+              <a:lnSpc>
+                <a:spcPct val="90000"/>
+              </a:lnSpc>
+              <a:spcBef>
+                <a:spcPct val="0"/>
+              </a:spcBef>
+              <a:buNone/>
+              <a:defRPr sz="4500" kern="1200">
+                <a:solidFill>
+                  <a:schemeClr val="tx1"/>
+                </a:solidFill>
+                <a:latin typeface="+mj-lt"/>
+                <a:ea typeface="+mj-ea"/>
+                <a:cs typeface="+mj-cs"/>
+              </a:defRPr>
+            </a:lvl1pPr>
+          </a:lstStyle>
+          <a:p>
+            <a:pPr algn="l"/>
+            <a:r>
+              <a:rPr lang="en-US" sz="3200" b="1" dirty="0"/>
+              <a:t>Molecular Epidemiology</a:t>
+            </a:r>
+            <a:endParaRPr lang="en-US" sz="3200" dirty="0"/>
           </a:p>
         </p:txBody>
       </p:sp>
@@ -19292,35 +19746,6 @@
       </p:grpSpPr>
       <p:sp>
         <p:nvSpPr>
-          <p:cNvPr id="9" name="Rectangle 2"/>
-          <p:cNvSpPr>
-            <a:spLocks noGrp="1" noChangeArrowheads="1"/>
-          </p:cNvSpPr>
-          <p:nvPr>
-            <p:ph type="ctrTitle"/>
-          </p:nvPr>
-        </p:nvSpPr>
-        <p:spPr>
-          <a:xfrm>
-            <a:off x="323528" y="-171400"/>
-            <a:ext cx="8568952" cy="1535832"/>
-          </a:xfrm>
-        </p:spPr>
-        <p:txBody>
-          <a:bodyPr/>
-          <a:lstStyle/>
-          <a:p>
-            <a:pPr algn="l" eaLnBrk="1" hangingPunct="1"/>
-            <a:r>
-              <a:rPr lang="en-US" sz="3200" b="1" dirty="0"/>
-              <a:t>Molecular Epidemiology</a:t>
-            </a:r>
-            <a:endParaRPr lang="en-US" sz="3200" dirty="0"/>
-          </a:p>
-        </p:txBody>
-      </p:sp>
-      <p:sp>
-        <p:nvSpPr>
           <p:cNvPr id="4" name="Isosceles Triangle 3"/>
           <p:cNvSpPr/>
           <p:nvPr/>
@@ -19668,6 +20093,62 @@
             <a:endParaRPr lang="en-US" sz="1400" dirty="0">
               <a:cs typeface="Impact"/>
             </a:endParaRPr>
+          </a:p>
+        </p:txBody>
+      </p:sp>
+      <p:sp>
+        <p:nvSpPr>
+          <p:cNvPr id="15" name="Rectangle 2">
+            <a:extLst>
+              <a:ext uri="{FF2B5EF4-FFF2-40B4-BE49-F238E27FC236}">
+                <a16:creationId xmlns:a16="http://schemas.microsoft.com/office/drawing/2014/main" id="{796599D9-06CA-1356-5BDC-E83009AF369D}"/>
+              </a:ext>
+            </a:extLst>
+          </p:cNvPr>
+          <p:cNvSpPr txBox="1">
+            <a:spLocks noChangeArrowheads="1"/>
+          </p:cNvSpPr>
+          <p:nvPr/>
+        </p:nvSpPr>
+        <p:spPr>
+          <a:xfrm>
+            <a:off x="323528" y="-171400"/>
+            <a:ext cx="8568952" cy="1224136"/>
+          </a:xfrm>
+          <a:prstGeom prst="rect">
+            <a:avLst/>
+          </a:prstGeom>
+        </p:spPr>
+        <p:txBody>
+          <a:bodyPr vert="horz" lIns="91440" tIns="45720" rIns="91440" bIns="45720" rtlCol="0" anchor="b">
+            <a:normAutofit/>
+          </a:bodyPr>
+          <a:lstStyle>
+            <a:lvl1pPr algn="ctr" defTabSz="685800" rtl="0" eaLnBrk="1" latinLnBrk="0" hangingPunct="1">
+              <a:lnSpc>
+                <a:spcPct val="90000"/>
+              </a:lnSpc>
+              <a:spcBef>
+                <a:spcPct val="0"/>
+              </a:spcBef>
+              <a:buNone/>
+              <a:defRPr sz="4500" kern="1200">
+                <a:solidFill>
+                  <a:schemeClr val="tx1"/>
+                </a:solidFill>
+                <a:latin typeface="+mj-lt"/>
+                <a:ea typeface="+mj-ea"/>
+                <a:cs typeface="+mj-cs"/>
+              </a:defRPr>
+            </a:lvl1pPr>
+          </a:lstStyle>
+          <a:p>
+            <a:pPr algn="l"/>
+            <a:r>
+              <a:rPr lang="en-US" sz="3200" b="1" dirty="0"/>
+              <a:t>Molecular Epidemiology</a:t>
+            </a:r>
+            <a:endParaRPr lang="en-US" sz="3200" dirty="0"/>
           </a:p>
         </p:txBody>
       </p:sp>
@@ -19703,35 +20184,6 @@
       </p:grpSpPr>
       <p:sp>
         <p:nvSpPr>
-          <p:cNvPr id="9" name="Rectangle 2"/>
-          <p:cNvSpPr>
-            <a:spLocks noGrp="1" noChangeArrowheads="1"/>
-          </p:cNvSpPr>
-          <p:nvPr>
-            <p:ph type="ctrTitle"/>
-          </p:nvPr>
-        </p:nvSpPr>
-        <p:spPr>
-          <a:xfrm>
-            <a:off x="323528" y="-171400"/>
-            <a:ext cx="8568952" cy="1535832"/>
-          </a:xfrm>
-        </p:spPr>
-        <p:txBody>
-          <a:bodyPr/>
-          <a:lstStyle/>
-          <a:p>
-            <a:pPr algn="l" eaLnBrk="1" hangingPunct="1"/>
-            <a:r>
-              <a:rPr lang="en-US" sz="3200" b="1" dirty="0"/>
-              <a:t>Molecular Epidemiology</a:t>
-            </a:r>
-            <a:endParaRPr lang="en-US" sz="3200" dirty="0"/>
-          </a:p>
-        </p:txBody>
-      </p:sp>
-      <p:sp>
-        <p:nvSpPr>
           <p:cNvPr id="4" name="Isosceles Triangle 3"/>
           <p:cNvSpPr/>
           <p:nvPr/>
@@ -20138,6 +20590,62 @@
               </a:rPr>
               <a:t>Sepsis is a priority!</a:t>
             </a:r>
+          </a:p>
+        </p:txBody>
+      </p:sp>
+      <p:sp>
+        <p:nvSpPr>
+          <p:cNvPr id="16" name="Rectangle 2">
+            <a:extLst>
+              <a:ext uri="{FF2B5EF4-FFF2-40B4-BE49-F238E27FC236}">
+                <a16:creationId xmlns:a16="http://schemas.microsoft.com/office/drawing/2014/main" id="{7B943832-D1CD-1E20-8190-51BA70903507}"/>
+              </a:ext>
+            </a:extLst>
+          </p:cNvPr>
+          <p:cNvSpPr txBox="1">
+            <a:spLocks noChangeArrowheads="1"/>
+          </p:cNvSpPr>
+          <p:nvPr/>
+        </p:nvSpPr>
+        <p:spPr>
+          <a:xfrm>
+            <a:off x="323528" y="-171400"/>
+            <a:ext cx="8568952" cy="1224136"/>
+          </a:xfrm>
+          <a:prstGeom prst="rect">
+            <a:avLst/>
+          </a:prstGeom>
+        </p:spPr>
+        <p:txBody>
+          <a:bodyPr vert="horz" lIns="91440" tIns="45720" rIns="91440" bIns="45720" rtlCol="0" anchor="b">
+            <a:normAutofit/>
+          </a:bodyPr>
+          <a:lstStyle>
+            <a:lvl1pPr algn="ctr" defTabSz="685800" rtl="0" eaLnBrk="1" latinLnBrk="0" hangingPunct="1">
+              <a:lnSpc>
+                <a:spcPct val="90000"/>
+              </a:lnSpc>
+              <a:spcBef>
+                <a:spcPct val="0"/>
+              </a:spcBef>
+              <a:buNone/>
+              <a:defRPr sz="4500" kern="1200">
+                <a:solidFill>
+                  <a:schemeClr val="tx1"/>
+                </a:solidFill>
+                <a:latin typeface="+mj-lt"/>
+                <a:ea typeface="+mj-ea"/>
+                <a:cs typeface="+mj-cs"/>
+              </a:defRPr>
+            </a:lvl1pPr>
+          </a:lstStyle>
+          <a:p>
+            <a:pPr algn="l"/>
+            <a:r>
+              <a:rPr lang="en-US" sz="3200" b="1" dirty="0"/>
+              <a:t>Molecular Epidemiology</a:t>
+            </a:r>
+            <a:endParaRPr lang="en-US" sz="3200" dirty="0"/>
           </a:p>
         </p:txBody>
       </p:sp>
@@ -20173,35 +20681,6 @@
       </p:grpSpPr>
       <p:sp>
         <p:nvSpPr>
-          <p:cNvPr id="9" name="Rectangle 2"/>
-          <p:cNvSpPr>
-            <a:spLocks noGrp="1" noChangeArrowheads="1"/>
-          </p:cNvSpPr>
-          <p:nvPr>
-            <p:ph type="ctrTitle"/>
-          </p:nvPr>
-        </p:nvSpPr>
-        <p:spPr>
-          <a:xfrm>
-            <a:off x="323528" y="-171400"/>
-            <a:ext cx="8568952" cy="1535832"/>
-          </a:xfrm>
-        </p:spPr>
-        <p:txBody>
-          <a:bodyPr/>
-          <a:lstStyle/>
-          <a:p>
-            <a:pPr algn="l" eaLnBrk="1" hangingPunct="1"/>
-            <a:r>
-              <a:rPr lang="en-US" sz="3200" b="1" dirty="0"/>
-              <a:t>Molecular Epidemiology</a:t>
-            </a:r>
-            <a:endParaRPr lang="en-US" sz="3200" dirty="0"/>
-          </a:p>
-        </p:txBody>
-      </p:sp>
-      <p:sp>
-        <p:nvSpPr>
           <p:cNvPr id="4" name="Isosceles Triangle 3"/>
           <p:cNvSpPr/>
           <p:nvPr/>
@@ -20645,6 +21124,62 @@
           <a:lstStyle/>
           <a:p>
             <a:endParaRPr lang="en-US"/>
+          </a:p>
+        </p:txBody>
+      </p:sp>
+      <p:sp>
+        <p:nvSpPr>
+          <p:cNvPr id="17" name="Rectangle 2">
+            <a:extLst>
+              <a:ext uri="{FF2B5EF4-FFF2-40B4-BE49-F238E27FC236}">
+                <a16:creationId xmlns:a16="http://schemas.microsoft.com/office/drawing/2014/main" id="{158AC980-11CA-FE7C-C3D7-E98BDEB6F350}"/>
+              </a:ext>
+            </a:extLst>
+          </p:cNvPr>
+          <p:cNvSpPr txBox="1">
+            <a:spLocks noChangeArrowheads="1"/>
+          </p:cNvSpPr>
+          <p:nvPr/>
+        </p:nvSpPr>
+        <p:spPr>
+          <a:xfrm>
+            <a:off x="323528" y="-171400"/>
+            <a:ext cx="8568952" cy="1224136"/>
+          </a:xfrm>
+          <a:prstGeom prst="rect">
+            <a:avLst/>
+          </a:prstGeom>
+        </p:spPr>
+        <p:txBody>
+          <a:bodyPr vert="horz" lIns="91440" tIns="45720" rIns="91440" bIns="45720" rtlCol="0" anchor="b">
+            <a:normAutofit/>
+          </a:bodyPr>
+          <a:lstStyle>
+            <a:lvl1pPr algn="ctr" defTabSz="685800" rtl="0" eaLnBrk="1" latinLnBrk="0" hangingPunct="1">
+              <a:lnSpc>
+                <a:spcPct val="90000"/>
+              </a:lnSpc>
+              <a:spcBef>
+                <a:spcPct val="0"/>
+              </a:spcBef>
+              <a:buNone/>
+              <a:defRPr sz="4500" kern="1200">
+                <a:solidFill>
+                  <a:schemeClr val="tx1"/>
+                </a:solidFill>
+                <a:latin typeface="+mj-lt"/>
+                <a:ea typeface="+mj-ea"/>
+                <a:cs typeface="+mj-cs"/>
+              </a:defRPr>
+            </a:lvl1pPr>
+          </a:lstStyle>
+          <a:p>
+            <a:pPr algn="l"/>
+            <a:r>
+              <a:rPr lang="en-US" sz="3200" b="1" dirty="0"/>
+              <a:t>Molecular Epidemiology</a:t>
+            </a:r>
+            <a:endParaRPr lang="en-US" sz="3200" dirty="0"/>
           </a:p>
         </p:txBody>
       </p:sp>
@@ -20680,35 +21215,6 @@
       </p:grpSpPr>
       <p:sp>
         <p:nvSpPr>
-          <p:cNvPr id="9" name="Rectangle 2"/>
-          <p:cNvSpPr>
-            <a:spLocks noGrp="1" noChangeArrowheads="1"/>
-          </p:cNvSpPr>
-          <p:nvPr>
-            <p:ph type="ctrTitle"/>
-          </p:nvPr>
-        </p:nvSpPr>
-        <p:spPr>
-          <a:xfrm>
-            <a:off x="323528" y="-171400"/>
-            <a:ext cx="8568952" cy="1535832"/>
-          </a:xfrm>
-        </p:spPr>
-        <p:txBody>
-          <a:bodyPr/>
-          <a:lstStyle/>
-          <a:p>
-            <a:pPr algn="l" eaLnBrk="1" hangingPunct="1"/>
-            <a:r>
-              <a:rPr lang="en-US" sz="3200" b="1" dirty="0"/>
-              <a:t>Molecular Epidemiology of Pathogens</a:t>
-            </a:r>
-            <a:endParaRPr lang="en-US" sz="3200" dirty="0"/>
-          </a:p>
-        </p:txBody>
-      </p:sp>
-      <p:sp>
-        <p:nvSpPr>
           <p:cNvPr id="11" name="TextBox 10"/>
           <p:cNvSpPr txBox="1"/>
           <p:nvPr/>
@@ -20906,6 +21412,62 @@
               <a:buChar char="•"/>
             </a:pPr>
             <a:endParaRPr lang="en-US" sz="2000" dirty="0"/>
+          </a:p>
+        </p:txBody>
+      </p:sp>
+      <p:sp>
+        <p:nvSpPr>
+          <p:cNvPr id="4" name="Rectangle 2">
+            <a:extLst>
+              <a:ext uri="{FF2B5EF4-FFF2-40B4-BE49-F238E27FC236}">
+                <a16:creationId xmlns:a16="http://schemas.microsoft.com/office/drawing/2014/main" id="{D1CA61D0-4A52-E82B-70FB-CDAFDC0FE936}"/>
+              </a:ext>
+            </a:extLst>
+          </p:cNvPr>
+          <p:cNvSpPr txBox="1">
+            <a:spLocks noChangeArrowheads="1"/>
+          </p:cNvSpPr>
+          <p:nvPr/>
+        </p:nvSpPr>
+        <p:spPr>
+          <a:xfrm>
+            <a:off x="323528" y="-171400"/>
+            <a:ext cx="8568952" cy="1224136"/>
+          </a:xfrm>
+          <a:prstGeom prst="rect">
+            <a:avLst/>
+          </a:prstGeom>
+        </p:spPr>
+        <p:txBody>
+          <a:bodyPr vert="horz" lIns="91440" tIns="45720" rIns="91440" bIns="45720" rtlCol="0" anchor="b">
+            <a:normAutofit/>
+          </a:bodyPr>
+          <a:lstStyle>
+            <a:lvl1pPr algn="ctr" defTabSz="685800" rtl="0" eaLnBrk="1" latinLnBrk="0" hangingPunct="1">
+              <a:lnSpc>
+                <a:spcPct val="90000"/>
+              </a:lnSpc>
+              <a:spcBef>
+                <a:spcPct val="0"/>
+              </a:spcBef>
+              <a:buNone/>
+              <a:defRPr sz="4500" kern="1200">
+                <a:solidFill>
+                  <a:schemeClr val="tx1"/>
+                </a:solidFill>
+                <a:latin typeface="+mj-lt"/>
+                <a:ea typeface="+mj-ea"/>
+                <a:cs typeface="+mj-cs"/>
+              </a:defRPr>
+            </a:lvl1pPr>
+          </a:lstStyle>
+          <a:p>
+            <a:pPr algn="l"/>
+            <a:r>
+              <a:rPr lang="en-US" sz="3200" b="1" dirty="0"/>
+              <a:t>Molecular Epidemiology of Pathogens</a:t>
+            </a:r>
+            <a:endParaRPr lang="en-US" sz="3200" dirty="0"/>
           </a:p>
         </p:txBody>
       </p:sp>
@@ -20952,7 +21514,7 @@
         <p:spPr>
           <a:xfrm>
             <a:off x="323528" y="-171400"/>
-            <a:ext cx="8568952" cy="1535832"/>
+            <a:ext cx="8568952" cy="1120190"/>
           </a:xfrm>
         </p:spPr>
         <p:txBody>
@@ -21193,56 +21755,150 @@
 </file>
 
 <file path=ppt/theme/theme1.xml><?xml version="1.0" encoding="utf-8"?>
-<a:theme xmlns:a="http://schemas.openxmlformats.org/drawingml/2006/main" name="DalhousieTemplate">
+<a:theme xmlns:a="http://schemas.openxmlformats.org/drawingml/2006/main" name="Office Theme">
   <a:themeElements>
-    <a:clrScheme name="DalhousieTemplate 2">
+    <a:clrScheme name="Office">
       <a:dk1>
-        <a:srgbClr val="000000"/>
+        <a:sysClr val="windowText" lastClr="000000"/>
       </a:dk1>
       <a:lt1>
-        <a:srgbClr val="FFFFFF"/>
+        <a:sysClr val="window" lastClr="FFFFFF"/>
       </a:lt1>
       <a:dk2>
-        <a:srgbClr val="000066"/>
+        <a:srgbClr val="0E2841"/>
       </a:dk2>
       <a:lt2>
-        <a:srgbClr val="FFCC66"/>
+        <a:srgbClr val="E8E8E8"/>
       </a:lt2>
       <a:accent1>
-        <a:srgbClr val="FF9900"/>
+        <a:srgbClr val="156082"/>
       </a:accent1>
       <a:accent2>
-        <a:srgbClr val="000044"/>
+        <a:srgbClr val="E97132"/>
       </a:accent2>
       <a:accent3>
-        <a:srgbClr val="AAAAB8"/>
+        <a:srgbClr val="196B24"/>
       </a:accent3>
       <a:accent4>
-        <a:srgbClr val="DADADA"/>
+        <a:srgbClr val="0F9ED5"/>
       </a:accent4>
       <a:accent5>
-        <a:srgbClr val="FFCAAA"/>
+        <a:srgbClr val="A02B93"/>
       </a:accent5>
       <a:accent6>
-        <a:srgbClr val="00003D"/>
+        <a:srgbClr val="4EA72E"/>
       </a:accent6>
       <a:hlink>
-        <a:srgbClr val="3366FF"/>
+        <a:srgbClr val="467886"/>
       </a:hlink>
       <a:folHlink>
-        <a:srgbClr val="FFFF00"/>
+        <a:srgbClr val="96607D"/>
       </a:folHlink>
     </a:clrScheme>
-    <a:fontScheme name="DalhousieTemplate">
+    <a:fontScheme name="Office">
       <a:majorFont>
-        <a:latin typeface="Times New Roman"/>
+        <a:latin typeface="Aptos Display" panose="02110004020202020204"/>
         <a:ea typeface=""/>
         <a:cs typeface=""/>
+        <a:font script="Jpan" typeface="游ゴシック Light"/>
+        <a:font script="Hang" typeface="맑은 고딕"/>
+        <a:font script="Hans" typeface="等线 Light"/>
+        <a:font script="Hant" typeface="新細明體"/>
+        <a:font script="Arab" typeface="Times New Roman"/>
+        <a:font script="Hebr" typeface="Times New Roman"/>
+        <a:font script="Thai" typeface="Angsana New"/>
+        <a:font script="Ethi" typeface="Nyala"/>
+        <a:font script="Beng" typeface="Vrinda"/>
+        <a:font script="Gujr" typeface="Shruti"/>
+        <a:font script="Khmr" typeface="MoolBoran"/>
+        <a:font script="Knda" typeface="Tunga"/>
+        <a:font script="Guru" typeface="Raavi"/>
+        <a:font script="Cans" typeface="Euphemia"/>
+        <a:font script="Cher" typeface="Plantagenet Cherokee"/>
+        <a:font script="Yiii" typeface="Microsoft Yi Baiti"/>
+        <a:font script="Tibt" typeface="Microsoft Himalaya"/>
+        <a:font script="Thaa" typeface="MV Boli"/>
+        <a:font script="Deva" typeface="Mangal"/>
+        <a:font script="Telu" typeface="Gautami"/>
+        <a:font script="Taml" typeface="Latha"/>
+        <a:font script="Syrc" typeface="Estrangelo Edessa"/>
+        <a:font script="Orya" typeface="Kalinga"/>
+        <a:font script="Mlym" typeface="Kartika"/>
+        <a:font script="Laoo" typeface="DokChampa"/>
+        <a:font script="Sinh" typeface="Iskoola Pota"/>
+        <a:font script="Mong" typeface="Mongolian Baiti"/>
+        <a:font script="Viet" typeface="Times New Roman"/>
+        <a:font script="Uigh" typeface="Microsoft Uighur"/>
+        <a:font script="Geor" typeface="Sylfaen"/>
+        <a:font script="Armn" typeface="Arial"/>
+        <a:font script="Bugi" typeface="Leelawadee UI"/>
+        <a:font script="Bopo" typeface="Microsoft JhengHei"/>
+        <a:font script="Java" typeface="Javanese Text"/>
+        <a:font script="Lisu" typeface="Segoe UI"/>
+        <a:font script="Mymr" typeface="Myanmar Text"/>
+        <a:font script="Nkoo" typeface="Ebrima"/>
+        <a:font script="Olck" typeface="Nirmala UI"/>
+        <a:font script="Osma" typeface="Ebrima"/>
+        <a:font script="Phag" typeface="Phagspa"/>
+        <a:font script="Syrn" typeface="Estrangelo Edessa"/>
+        <a:font script="Syrj" typeface="Estrangelo Edessa"/>
+        <a:font script="Syre" typeface="Estrangelo Edessa"/>
+        <a:font script="Sora" typeface="Nirmala UI"/>
+        <a:font script="Tale" typeface="Microsoft Tai Le"/>
+        <a:font script="Talu" typeface="Microsoft New Tai Lue"/>
+        <a:font script="Tfng" typeface="Ebrima"/>
       </a:majorFont>
       <a:minorFont>
-        <a:latin typeface="Times New Roman"/>
+        <a:latin typeface="Aptos" panose="02110004020202020204"/>
         <a:ea typeface=""/>
         <a:cs typeface=""/>
+        <a:font script="Jpan" typeface="游ゴシック"/>
+        <a:font script="Hang" typeface="맑은 고딕"/>
+        <a:font script="Hans" typeface="等线"/>
+        <a:font script="Hant" typeface="新細明體"/>
+        <a:font script="Arab" typeface="Arial"/>
+        <a:font script="Hebr" typeface="Arial"/>
+        <a:font script="Thai" typeface="Cordia New"/>
+        <a:font script="Ethi" typeface="Nyala"/>
+        <a:font script="Beng" typeface="Vrinda"/>
+        <a:font script="Gujr" typeface="Shruti"/>
+        <a:font script="Khmr" typeface="DaunPenh"/>
+        <a:font script="Knda" typeface="Tunga"/>
+        <a:font script="Guru" typeface="Raavi"/>
+        <a:font script="Cans" typeface="Euphemia"/>
+        <a:font script="Cher" typeface="Plantagenet Cherokee"/>
+        <a:font script="Yiii" typeface="Microsoft Yi Baiti"/>
+        <a:font script="Tibt" typeface="Microsoft Himalaya"/>
+        <a:font script="Thaa" typeface="MV Boli"/>
+        <a:font script="Deva" typeface="Mangal"/>
+        <a:font script="Telu" typeface="Gautami"/>
+        <a:font script="Taml" typeface="Latha"/>
+        <a:font script="Syrc" typeface="Estrangelo Edessa"/>
+        <a:font script="Orya" typeface="Kalinga"/>
+        <a:font script="Mlym" typeface="Kartika"/>
+        <a:font script="Laoo" typeface="DokChampa"/>
+        <a:font script="Sinh" typeface="Iskoola Pota"/>
+        <a:font script="Mong" typeface="Mongolian Baiti"/>
+        <a:font script="Viet" typeface="Arial"/>
+        <a:font script="Uigh" typeface="Microsoft Uighur"/>
+        <a:font script="Geor" typeface="Sylfaen"/>
+        <a:font script="Armn" typeface="Arial"/>
+        <a:font script="Bugi" typeface="Leelawadee UI"/>
+        <a:font script="Bopo" typeface="Microsoft JhengHei"/>
+        <a:font script="Java" typeface="Javanese Text"/>
+        <a:font script="Lisu" typeface="Segoe UI"/>
+        <a:font script="Mymr" typeface="Myanmar Text"/>
+        <a:font script="Nkoo" typeface="Ebrima"/>
+        <a:font script="Olck" typeface="Nirmala UI"/>
+        <a:font script="Osma" typeface="Ebrima"/>
+        <a:font script="Phag" typeface="Phagspa"/>
+        <a:font script="Syrn" typeface="Estrangelo Edessa"/>
+        <a:font script="Syrj" typeface="Estrangelo Edessa"/>
+        <a:font script="Syre" typeface="Estrangelo Edessa"/>
+        <a:font script="Sora" typeface="Nirmala UI"/>
+        <a:font script="Tale" typeface="Microsoft Tai Le"/>
+        <a:font script="Talu" typeface="Microsoft New Tai Lue"/>
+        <a:font script="Tfng" typeface="Ebrima"/>
       </a:minorFont>
     </a:fontScheme>
     <a:fmtScheme name="Office">
@@ -21254,534 +21910,162 @@
           <a:gsLst>
             <a:gs pos="0">
               <a:schemeClr val="phClr">
-                <a:tint val="50000"/>
-                <a:satMod val="300000"/>
+                <a:lumMod val="110000"/>
+                <a:satMod val="105000"/>
+                <a:tint val="67000"/>
               </a:schemeClr>
             </a:gs>
-            <a:gs pos="35000">
+            <a:gs pos="50000">
               <a:schemeClr val="phClr">
-                <a:tint val="37000"/>
-                <a:satMod val="300000"/>
+                <a:lumMod val="105000"/>
+                <a:satMod val="103000"/>
+                <a:tint val="73000"/>
               </a:schemeClr>
             </a:gs>
             <a:gs pos="100000">
               <a:schemeClr val="phClr">
-                <a:tint val="15000"/>
-                <a:satMod val="350000"/>
+                <a:lumMod val="105000"/>
+                <a:satMod val="109000"/>
+                <a:tint val="81000"/>
               </a:schemeClr>
             </a:gs>
           </a:gsLst>
-          <a:lin ang="16200000" scaled="1"/>
+          <a:lin ang="5400000" scaled="0"/>
         </a:gradFill>
         <a:gradFill rotWithShape="1">
           <a:gsLst>
             <a:gs pos="0">
               <a:schemeClr val="phClr">
-                <a:tint val="100000"/>
+                <a:satMod val="103000"/>
+                <a:lumMod val="102000"/>
+                <a:tint val="94000"/>
+              </a:schemeClr>
+            </a:gs>
+            <a:gs pos="50000">
+              <a:schemeClr val="phClr">
+                <a:satMod val="110000"/>
+                <a:lumMod val="100000"/>
                 <a:shade val="100000"/>
-                <a:satMod val="130000"/>
               </a:schemeClr>
             </a:gs>
             <a:gs pos="100000">
               <a:schemeClr val="phClr">
-                <a:tint val="50000"/>
-                <a:shade val="100000"/>
-                <a:satMod val="350000"/>
+                <a:lumMod val="99000"/>
+                <a:satMod val="120000"/>
+                <a:shade val="78000"/>
               </a:schemeClr>
             </a:gs>
           </a:gsLst>
-          <a:lin ang="16200000" scaled="0"/>
+          <a:lin ang="5400000" scaled="0"/>
         </a:gradFill>
       </a:fillStyleLst>
       <a:lnStyleLst>
-        <a:ln w="9525" cap="flat" cmpd="sng" algn="ctr">
+        <a:ln w="12700" cap="flat" cmpd="sng" algn="ctr">
           <a:solidFill>
-            <a:schemeClr val="phClr">
-              <a:shade val="95000"/>
-              <a:satMod val="105000"/>
-            </a:schemeClr>
+            <a:schemeClr val="phClr"/>
           </a:solidFill>
           <a:prstDash val="solid"/>
+          <a:miter lim="800000"/>
+        </a:ln>
+        <a:ln w="19050" cap="flat" cmpd="sng" algn="ctr">
+          <a:solidFill>
+            <a:schemeClr val="phClr"/>
+          </a:solidFill>
+          <a:prstDash val="solid"/>
+          <a:miter lim="800000"/>
         </a:ln>
         <a:ln w="25400" cap="flat" cmpd="sng" algn="ctr">
           <a:solidFill>
             <a:schemeClr val="phClr"/>
           </a:solidFill>
           <a:prstDash val="solid"/>
-        </a:ln>
-        <a:ln w="38100" cap="flat" cmpd="sng" algn="ctr">
-          <a:solidFill>
-            <a:schemeClr val="phClr"/>
-          </a:solidFill>
-          <a:prstDash val="solid"/>
+          <a:miter lim="800000"/>
         </a:ln>
       </a:lnStyleLst>
       <a:effectStyleLst>
         <a:effectStyle>
+          <a:effectLst/>
+        </a:effectStyle>
+        <a:effectStyle>
+          <a:effectLst/>
+        </a:effectStyle>
+        <a:effectStyle>
           <a:effectLst>
-            <a:outerShdw blurRad="40000" dist="20000" dir="5400000" rotWithShape="0">
+            <a:outerShdw blurRad="57150" dist="19050" dir="5400000" algn="ctr" rotWithShape="0">
               <a:srgbClr val="000000">
-                <a:alpha val="38000"/>
+                <a:alpha val="63000"/>
               </a:srgbClr>
             </a:outerShdw>
           </a:effectLst>
-        </a:effectStyle>
-        <a:effectStyle>
-          <a:effectLst>
-            <a:outerShdw blurRad="40000" dist="23000" dir="5400000" rotWithShape="0">
-              <a:srgbClr val="000000">
-                <a:alpha val="35000"/>
-              </a:srgbClr>
-            </a:outerShdw>
-          </a:effectLst>
-        </a:effectStyle>
-        <a:effectStyle>
-          <a:effectLst>
-            <a:outerShdw blurRad="40000" dist="23000" dir="5400000" rotWithShape="0">
-              <a:srgbClr val="000000">
-                <a:alpha val="35000"/>
-              </a:srgbClr>
-            </a:outerShdw>
-          </a:effectLst>
-          <a:scene3d>
-            <a:camera prst="orthographicFront">
-              <a:rot lat="0" lon="0" rev="0"/>
-            </a:camera>
-            <a:lightRig rig="threePt" dir="t">
-              <a:rot lat="0" lon="0" rev="1200000"/>
-            </a:lightRig>
-          </a:scene3d>
-          <a:sp3d>
-            <a:bevelT w="63500" h="25400"/>
-          </a:sp3d>
         </a:effectStyle>
       </a:effectStyleLst>
       <a:bgFillStyleLst>
         <a:solidFill>
           <a:schemeClr val="phClr"/>
         </a:solidFill>
+        <a:solidFill>
+          <a:schemeClr val="phClr">
+            <a:tint val="95000"/>
+            <a:satMod val="170000"/>
+          </a:schemeClr>
+        </a:solidFill>
         <a:gradFill rotWithShape="1">
           <a:gsLst>
             <a:gs pos="0">
               <a:schemeClr val="phClr">
-                <a:tint val="40000"/>
-                <a:satMod val="350000"/>
+                <a:tint val="93000"/>
+                <a:satMod val="150000"/>
+                <a:shade val="98000"/>
+                <a:lumMod val="102000"/>
               </a:schemeClr>
             </a:gs>
-            <a:gs pos="40000">
+            <a:gs pos="50000">
               <a:schemeClr val="phClr">
-                <a:tint val="45000"/>
-                <a:shade val="99000"/>
-                <a:satMod val="350000"/>
+                <a:tint val="98000"/>
+                <a:satMod val="130000"/>
+                <a:shade val="90000"/>
+                <a:lumMod val="103000"/>
               </a:schemeClr>
             </a:gs>
             <a:gs pos="100000">
               <a:schemeClr val="phClr">
-                <a:shade val="20000"/>
-                <a:satMod val="255000"/>
+                <a:shade val="63000"/>
+                <a:satMod val="120000"/>
               </a:schemeClr>
             </a:gs>
           </a:gsLst>
-          <a:path path="circle">
-            <a:fillToRect l="50000" t="-80000" r="50000" b="180000"/>
-          </a:path>
-        </a:gradFill>
-        <a:gradFill rotWithShape="1">
-          <a:gsLst>
-            <a:gs pos="0">
-              <a:schemeClr val="phClr">
-                <a:tint val="80000"/>
-                <a:satMod val="300000"/>
-              </a:schemeClr>
-            </a:gs>
-            <a:gs pos="100000">
-              <a:schemeClr val="phClr">
-                <a:shade val="30000"/>
-                <a:satMod val="200000"/>
-              </a:schemeClr>
-            </a:gs>
-          </a:gsLst>
-          <a:path path="circle">
-            <a:fillToRect l="50000" t="50000" r="50000" b="50000"/>
-          </a:path>
+          <a:lin ang="5400000" scaled="0"/>
         </a:gradFill>
       </a:bgFillStyleLst>
     </a:fmtScheme>
   </a:themeElements>
   <a:objectDefaults>
-    <a:spDef>
-      <a:spPr bwMode="auto">
-        <a:xfrm>
-          <a:off x="0" y="0"/>
-          <a:ext cx="1" cy="1"/>
-        </a:xfrm>
-        <a:custGeom>
-          <a:avLst/>
-          <a:gdLst/>
-          <a:ahLst/>
-          <a:cxnLst/>
-          <a:rect l="0" t="0" r="0" b="0"/>
-          <a:pathLst/>
-        </a:custGeom>
-        <a:solidFill>
+    <a:lnDef>
+      <a:spPr/>
+      <a:bodyPr/>
+      <a:lstStyle/>
+      <a:style>
+        <a:lnRef idx="2">
           <a:schemeClr val="accent1"/>
-        </a:solidFill>
-        <a:ln w="9525" cap="flat" cmpd="sng" algn="ctr">
-          <a:solidFill>
-            <a:schemeClr val="tx1"/>
-          </a:solidFill>
-          <a:prstDash val="solid"/>
-          <a:round/>
-          <a:headEnd type="none" w="med" len="med"/>
-          <a:tailEnd type="none" w="med" len="med"/>
-        </a:ln>
-        <a:effectLst/>
-      </a:spPr>
-      <a:bodyPr vert="horz" wrap="square" lIns="91440" tIns="45720" rIns="91440" bIns="45720" numCol="1" anchor="t" anchorCtr="0" compatLnSpc="1">
-        <a:prstTxWarp prst="textNoShape">
-          <a:avLst/>
-        </a:prstTxWarp>
-      </a:bodyPr>
-      <a:lstStyle>
-        <a:defPPr marL="0" marR="0" indent="0" algn="l" defTabSz="914400" rtl="0" eaLnBrk="0" fontAlgn="base" latinLnBrk="0" hangingPunct="0">
-          <a:lnSpc>
-            <a:spcPct val="100000"/>
-          </a:lnSpc>
-          <a:spcBef>
-            <a:spcPct val="0"/>
-          </a:spcBef>
-          <a:spcAft>
-            <a:spcPct val="0"/>
-          </a:spcAft>
-          <a:buClrTx/>
-          <a:buSzTx/>
-          <a:buFontTx/>
-          <a:buNone/>
-          <a:tabLst/>
-          <a:defRPr kumimoji="0" lang="en-US" sz="2400" b="0" i="0" u="none" strike="noStrike" cap="none" normalizeH="0" baseline="0">
-            <a:ln>
-              <a:noFill/>
-            </a:ln>
-            <a:solidFill>
-              <a:schemeClr val="tx1"/>
-            </a:solidFill>
-            <a:effectLst/>
-            <a:latin typeface="Times" charset="0"/>
-          </a:defRPr>
-        </a:defPPr>
-      </a:lstStyle>
-    </a:spDef>
-    <a:lnDef>
-      <a:spPr bwMode="auto">
-        <a:xfrm>
-          <a:off x="0" y="0"/>
-          <a:ext cx="1" cy="1"/>
-        </a:xfrm>
-        <a:custGeom>
-          <a:avLst/>
-          <a:gdLst/>
-          <a:ahLst/>
-          <a:cxnLst/>
-          <a:rect l="0" t="0" r="0" b="0"/>
-          <a:pathLst/>
-        </a:custGeom>
-        <a:solidFill>
+        </a:lnRef>
+        <a:fillRef idx="0">
           <a:schemeClr val="accent1"/>
-        </a:solidFill>
-        <a:ln w="9525" cap="flat" cmpd="sng" algn="ctr">
-          <a:solidFill>
-            <a:schemeClr val="tx1"/>
-          </a:solidFill>
-          <a:prstDash val="solid"/>
-          <a:round/>
-          <a:headEnd type="none" w="med" len="med"/>
-          <a:tailEnd type="none" w="med" len="med"/>
-        </a:ln>
-        <a:effectLst/>
-      </a:spPr>
-      <a:bodyPr vert="horz" wrap="square" lIns="91440" tIns="45720" rIns="91440" bIns="45720" numCol="1" anchor="t" anchorCtr="0" compatLnSpc="1">
-        <a:prstTxWarp prst="textNoShape">
-          <a:avLst/>
-        </a:prstTxWarp>
-      </a:bodyPr>
-      <a:lstStyle>
-        <a:defPPr marL="0" marR="0" indent="0" algn="l" defTabSz="914400" rtl="0" eaLnBrk="0" fontAlgn="base" latinLnBrk="0" hangingPunct="0">
-          <a:lnSpc>
-            <a:spcPct val="100000"/>
-          </a:lnSpc>
-          <a:spcBef>
-            <a:spcPct val="0"/>
-          </a:spcBef>
-          <a:spcAft>
-            <a:spcPct val="0"/>
-          </a:spcAft>
-          <a:buClrTx/>
-          <a:buSzTx/>
-          <a:buFontTx/>
-          <a:buNone/>
-          <a:tabLst/>
-          <a:defRPr kumimoji="0" lang="en-US" sz="2400" b="0" i="0" u="none" strike="noStrike" cap="none" normalizeH="0" baseline="0">
-            <a:ln>
-              <a:noFill/>
-            </a:ln>
-            <a:solidFill>
-              <a:schemeClr val="tx1"/>
-            </a:solidFill>
-            <a:effectLst/>
-            <a:latin typeface="Times" charset="0"/>
-          </a:defRPr>
-        </a:defPPr>
-      </a:lstStyle>
+        </a:fillRef>
+        <a:effectRef idx="1">
+          <a:schemeClr val="accent1"/>
+        </a:effectRef>
+        <a:fontRef idx="minor">
+          <a:schemeClr val="tx1"/>
+        </a:fontRef>
+      </a:style>
     </a:lnDef>
   </a:objectDefaults>
-  <a:extraClrSchemeLst>
-    <a:extraClrScheme>
-      <a:clrScheme name="DalhousieTemplate 1">
-        <a:dk1>
-          <a:srgbClr val="000000"/>
-        </a:dk1>
-        <a:lt1>
-          <a:srgbClr val="CCECFF"/>
-        </a:lt1>
-        <a:dk2>
-          <a:srgbClr val="000066"/>
-        </a:dk2>
-        <a:lt2>
-          <a:srgbClr val="6699FF"/>
-        </a:lt2>
-        <a:accent1>
-          <a:srgbClr val="33CCCC"/>
-        </a:accent1>
-        <a:accent2>
-          <a:srgbClr val="0099FF"/>
-        </a:accent2>
-        <a:accent3>
-          <a:srgbClr val="E2F4FF"/>
-        </a:accent3>
-        <a:accent4>
-          <a:srgbClr val="000000"/>
-        </a:accent4>
-        <a:accent5>
-          <a:srgbClr val="ADE2E2"/>
-        </a:accent5>
-        <a:accent6>
-          <a:srgbClr val="008AE7"/>
-        </a:accent6>
-        <a:hlink>
-          <a:srgbClr val="FFFFFF"/>
-        </a:hlink>
-        <a:folHlink>
-          <a:srgbClr val="3366FF"/>
-        </a:folHlink>
-      </a:clrScheme>
-      <a:clrMap bg1="lt1" tx1="dk1" bg2="lt2" tx2="dk2" accent1="accent1" accent2="accent2" accent3="accent3" accent4="accent4" accent5="accent5" accent6="accent6" hlink="hlink" folHlink="folHlink"/>
-    </a:extraClrScheme>
-    <a:extraClrScheme>
-      <a:clrScheme name="DalhousieTemplate 2">
-        <a:dk1>
-          <a:srgbClr val="000000"/>
-        </a:dk1>
-        <a:lt1>
-          <a:srgbClr val="FFFFFF"/>
-        </a:lt1>
-        <a:dk2>
-          <a:srgbClr val="000066"/>
-        </a:dk2>
-        <a:lt2>
-          <a:srgbClr val="FFCC66"/>
-        </a:lt2>
-        <a:accent1>
-          <a:srgbClr val="FF9900"/>
-        </a:accent1>
-        <a:accent2>
-          <a:srgbClr val="000044"/>
-        </a:accent2>
-        <a:accent3>
-          <a:srgbClr val="AAAAB8"/>
-        </a:accent3>
-        <a:accent4>
-          <a:srgbClr val="DADADA"/>
-        </a:accent4>
-        <a:accent5>
-          <a:srgbClr val="FFCAAA"/>
-        </a:accent5>
-        <a:accent6>
-          <a:srgbClr val="00003D"/>
-        </a:accent6>
-        <a:hlink>
-          <a:srgbClr val="3366FF"/>
-        </a:hlink>
-        <a:folHlink>
-          <a:srgbClr val="FFFF00"/>
-        </a:folHlink>
-      </a:clrScheme>
-      <a:clrMap bg1="dk2" tx1="lt1" bg2="dk1" tx2="lt2" accent1="accent1" accent2="accent2" accent3="accent3" accent4="accent4" accent5="accent5" accent6="accent6" hlink="hlink" folHlink="folHlink"/>
-    </a:extraClrScheme>
-    <a:extraClrScheme>
-      <a:clrScheme name="DalhousieTemplate 3">
-        <a:dk1>
-          <a:srgbClr val="000000"/>
-        </a:dk1>
-        <a:lt1>
-          <a:srgbClr val="FFFFFF"/>
-        </a:lt1>
-        <a:dk2>
-          <a:srgbClr val="000000"/>
-        </a:dk2>
-        <a:lt2>
-          <a:srgbClr val="DDDDDD"/>
-        </a:lt2>
-        <a:accent1>
-          <a:srgbClr val="CBCBCB"/>
-        </a:accent1>
-        <a:accent2>
-          <a:srgbClr val="C0C0C0"/>
-        </a:accent2>
-        <a:accent3>
-          <a:srgbClr val="FFFFFF"/>
-        </a:accent3>
-        <a:accent4>
-          <a:srgbClr val="000000"/>
-        </a:accent4>
-        <a:accent5>
-          <a:srgbClr val="E2E2E2"/>
-        </a:accent5>
-        <a:accent6>
-          <a:srgbClr val="AEAEAE"/>
-        </a:accent6>
-        <a:hlink>
-          <a:srgbClr val="4D4D4D"/>
-        </a:hlink>
-        <a:folHlink>
-          <a:srgbClr val="868686"/>
-        </a:folHlink>
-      </a:clrScheme>
-      <a:clrMap bg1="lt1" tx1="dk1" bg2="lt2" tx2="dk2" accent1="accent1" accent2="accent2" accent3="accent3" accent4="accent4" accent5="accent5" accent6="accent6" hlink="hlink" folHlink="folHlink"/>
-    </a:extraClrScheme>
-    <a:extraClrScheme>
-      <a:clrScheme name="DalhousieTemplate 4">
-        <a:dk1>
-          <a:srgbClr val="000000"/>
-        </a:dk1>
-        <a:lt1>
-          <a:srgbClr val="FFFFFF"/>
-        </a:lt1>
-        <a:dk2>
-          <a:srgbClr val="660033"/>
-        </a:dk2>
-        <a:lt2>
-          <a:srgbClr val="FFCC66"/>
-        </a:lt2>
-        <a:accent1>
-          <a:srgbClr val="FF9900"/>
-        </a:accent1>
-        <a:accent2>
-          <a:srgbClr val="440022"/>
-        </a:accent2>
-        <a:accent3>
-          <a:srgbClr val="B8AAAD"/>
-        </a:accent3>
-        <a:accent4>
-          <a:srgbClr val="DADADA"/>
-        </a:accent4>
-        <a:accent5>
-          <a:srgbClr val="FFCAAA"/>
-        </a:accent5>
-        <a:accent6>
-          <a:srgbClr val="3D001E"/>
-        </a:accent6>
-        <a:hlink>
-          <a:srgbClr val="B20059"/>
-        </a:hlink>
-        <a:folHlink>
-          <a:srgbClr val="FF6699"/>
-        </a:folHlink>
-      </a:clrScheme>
-      <a:clrMap bg1="dk2" tx1="lt1" bg2="dk1" tx2="lt2" accent1="accent1" accent2="accent2" accent3="accent3" accent4="accent4" accent5="accent5" accent6="accent6" hlink="hlink" folHlink="folHlink"/>
-    </a:extraClrScheme>
-    <a:extraClrScheme>
-      <a:clrScheme name="DalhousieTemplate 5">
-        <a:dk1>
-          <a:srgbClr val="000000"/>
-        </a:dk1>
-        <a:lt1>
-          <a:srgbClr val="FFFFFF"/>
-        </a:lt1>
-        <a:dk2>
-          <a:srgbClr val="663300"/>
-        </a:dk2>
-        <a:lt2>
-          <a:srgbClr val="FFCC66"/>
-        </a:lt2>
-        <a:accent1>
-          <a:srgbClr val="FF9900"/>
-        </a:accent1>
-        <a:accent2>
-          <a:srgbClr val="361B00"/>
-        </a:accent2>
-        <a:accent3>
-          <a:srgbClr val="B8ADAA"/>
-        </a:accent3>
-        <a:accent4>
-          <a:srgbClr val="DADADA"/>
-        </a:accent4>
-        <a:accent5>
-          <a:srgbClr val="FFCAAA"/>
-        </a:accent5>
-        <a:accent6>
-          <a:srgbClr val="301700"/>
-        </a:accent6>
-        <a:hlink>
-          <a:srgbClr val="996633"/>
-        </a:hlink>
-        <a:folHlink>
-          <a:srgbClr val="FF6699"/>
-        </a:folHlink>
-      </a:clrScheme>
-      <a:clrMap bg1="dk2" tx1="lt1" bg2="dk1" tx2="lt2" accent1="accent1" accent2="accent2" accent3="accent3" accent4="accent4" accent5="accent5" accent6="accent6" hlink="hlink" folHlink="folHlink"/>
-    </a:extraClrScheme>
-    <a:extraClrScheme>
-      <a:clrScheme name="DalhousieTemplate 6">
-        <a:dk1>
-          <a:srgbClr val="000000"/>
-        </a:dk1>
-        <a:lt1>
-          <a:srgbClr val="FFFFFF"/>
-        </a:lt1>
-        <a:dk2>
-          <a:srgbClr val="003300"/>
-        </a:dk2>
-        <a:lt2>
-          <a:srgbClr val="FFCC66"/>
-        </a:lt2>
-        <a:accent1>
-          <a:srgbClr val="CC9900"/>
-        </a:accent1>
-        <a:accent2>
-          <a:srgbClr val="001600"/>
-        </a:accent2>
-        <a:accent3>
-          <a:srgbClr val="AAADAA"/>
-        </a:accent3>
-        <a:accent4>
-          <a:srgbClr val="DADADA"/>
-        </a:accent4>
-        <a:accent5>
-          <a:srgbClr val="E2CAAA"/>
-        </a:accent5>
-        <a:accent6>
-          <a:srgbClr val="001300"/>
-        </a:accent6>
-        <a:hlink>
-          <a:srgbClr val="006600"/>
-        </a:hlink>
-        <a:folHlink>
-          <a:srgbClr val="009999"/>
-        </a:folHlink>
-      </a:clrScheme>
-      <a:clrMap bg1="dk2" tx1="lt1" bg2="dk1" tx2="lt2" accent1="accent1" accent2="accent2" accent3="accent3" accent4="accent4" accent5="accent5" accent6="accent6" hlink="hlink" folHlink="folHlink"/>
-    </a:extraClrScheme>
-  </a:extraClrSchemeLst>
+  <a:extraClrSchemeLst/>
+  <a:extLst>
+    <a:ext uri="{05A4C25C-085E-4340-85A3-A5531E510DB2}">
+      <thm15:themeFamily xmlns:thm15="http://schemas.microsoft.com/office/thememl/2012/main" name="Office Theme" id="{2E142A2C-CD16-42D6-873A-C26D2A0506FA}" vid="{1BDDFF52-6CD6-40A5-AB3C-68EB2F1E4D0A}"/>
+    </a:ext>
+  </a:extLst>
 </a:theme>
 </file>
 
